--- a/reports/FCA_presentation.pptx
+++ b/reports/FCA_presentation.pptx
@@ -242,7 +242,7 @@
           <a:p>
             <a:fld id="{1470903C-5B5F-41C1-B04D-31F808F93691}" type="datetimeFigureOut">
               <a:rPr lang="en-GB" smtClean="0"/>
-              <a:t>07/05/2020</a:t>
+              <a:t>08/05/2020</a:t>
             </a:fld>
             <a:endParaRPr lang="en-GB"/>
           </a:p>
@@ -2275,7 +2275,7 @@
           <a:p>
             <a:fld id="{EAECD70D-A377-4149-B3EC-0BDA7C65BECA}" type="datetime1">
               <a:rPr lang="en-GB" smtClean="0"/>
-              <a:t>07/05/2020</a:t>
+              <a:t>08/05/2020</a:t>
             </a:fld>
             <a:endParaRPr lang="en-GB"/>
           </a:p>
@@ -2475,7 +2475,7 @@
           <a:p>
             <a:fld id="{828F6AC6-CA3D-416F-A684-8A72D2E36753}" type="datetime1">
               <a:rPr lang="en-GB" smtClean="0"/>
-              <a:t>07/05/2020</a:t>
+              <a:t>08/05/2020</a:t>
             </a:fld>
             <a:endParaRPr lang="en-GB"/>
           </a:p>
@@ -2685,7 +2685,7 @@
           <a:p>
             <a:fld id="{17CEEAE9-CCF9-4543-87F2-F4CE25869127}" type="datetime1">
               <a:rPr lang="en-GB" smtClean="0"/>
-              <a:t>07/05/2020</a:t>
+              <a:t>08/05/2020</a:t>
             </a:fld>
             <a:endParaRPr lang="en-GB"/>
           </a:p>
@@ -2885,7 +2885,7 @@
           <a:p>
             <a:fld id="{874F3555-D7B8-4B4B-9C02-CD1A0D5A51CB}" type="datetime1">
               <a:rPr lang="en-GB" smtClean="0"/>
-              <a:t>07/05/2020</a:t>
+              <a:t>08/05/2020</a:t>
             </a:fld>
             <a:endParaRPr lang="en-GB"/>
           </a:p>
@@ -3161,7 +3161,7 @@
           <a:p>
             <a:fld id="{DDE228D4-F333-465C-B2F3-FBAC2678A53B}" type="datetime1">
               <a:rPr lang="en-GB" smtClean="0"/>
-              <a:t>07/05/2020</a:t>
+              <a:t>08/05/2020</a:t>
             </a:fld>
             <a:endParaRPr lang="en-GB"/>
           </a:p>
@@ -3429,7 +3429,7 @@
           <a:p>
             <a:fld id="{D159868E-8D1C-41EC-8368-3AB01FC7F82D}" type="datetime1">
               <a:rPr lang="en-GB" smtClean="0"/>
-              <a:t>07/05/2020</a:t>
+              <a:t>08/05/2020</a:t>
             </a:fld>
             <a:endParaRPr lang="en-GB"/>
           </a:p>
@@ -3844,7 +3844,7 @@
           <a:p>
             <a:fld id="{9A6224A1-B4FB-4A3D-A261-0E83DBE4A66F}" type="datetime1">
               <a:rPr lang="en-GB" smtClean="0"/>
-              <a:t>07/05/2020</a:t>
+              <a:t>08/05/2020</a:t>
             </a:fld>
             <a:endParaRPr lang="en-GB"/>
           </a:p>
@@ -3986,7 +3986,7 @@
           <a:p>
             <a:fld id="{AD51A5D1-0444-47CA-8D81-771D46326F54}" type="datetime1">
               <a:rPr lang="en-GB" smtClean="0"/>
-              <a:t>07/05/2020</a:t>
+              <a:t>08/05/2020</a:t>
             </a:fld>
             <a:endParaRPr lang="en-GB"/>
           </a:p>
@@ -4099,7 +4099,7 @@
           <a:p>
             <a:fld id="{12E6E73C-1CB3-431E-BF32-2B3F872B0933}" type="datetime1">
               <a:rPr lang="en-GB" smtClean="0"/>
-              <a:t>07/05/2020</a:t>
+              <a:t>08/05/2020</a:t>
             </a:fld>
             <a:endParaRPr lang="en-GB"/>
           </a:p>
@@ -4412,7 +4412,7 @@
           <a:p>
             <a:fld id="{02E9E055-CF14-4297-A4A2-BD8411D129E3}" type="datetime1">
               <a:rPr lang="en-GB" smtClean="0"/>
-              <a:t>07/05/2020</a:t>
+              <a:t>08/05/2020</a:t>
             </a:fld>
             <a:endParaRPr lang="en-GB"/>
           </a:p>
@@ -4701,7 +4701,7 @@
           <a:p>
             <a:fld id="{8CF971F9-E673-4CB2-B109-E2C9B62792B2}" type="datetime1">
               <a:rPr lang="en-GB" smtClean="0"/>
-              <a:t>07/05/2020</a:t>
+              <a:t>08/05/2020</a:t>
             </a:fld>
             <a:endParaRPr lang="en-GB"/>
           </a:p>
@@ -4944,7 +4944,7 @@
           <a:p>
             <a:fld id="{7673D446-283D-428B-87A3-37DDBA6A0537}" type="datetime1">
               <a:rPr lang="en-GB" smtClean="0"/>
-              <a:t>07/05/2020</a:t>
+              <a:t>08/05/2020</a:t>
             </a:fld>
             <a:endParaRPr lang="en-GB"/>
           </a:p>
@@ -5997,58 +5997,6 @@
       </p:pic>
       <p:sp>
         <p:nvSpPr>
-          <p:cNvPr id="12" name="Rectangle 11">
-            <a:extLst>
-              <a:ext uri="{FF2B5EF4-FFF2-40B4-BE49-F238E27FC236}">
-                <a16:creationId xmlns:a16="http://schemas.microsoft.com/office/drawing/2014/main" id="{47F15F6F-4AB2-4664-9A54-4A193C6C825D}"/>
-              </a:ext>
-            </a:extLst>
-          </p:cNvPr>
-          <p:cNvSpPr/>
-          <p:nvPr/>
-        </p:nvSpPr>
-        <p:spPr>
-          <a:xfrm>
-            <a:off x="1375794" y="2429143"/>
-            <a:ext cx="2130805" cy="750285"/>
-          </a:xfrm>
-          <a:prstGeom prst="rect">
-            <a:avLst/>
-          </a:prstGeom>
-          <a:noFill/>
-          <a:ln>
-            <a:solidFill>
-              <a:srgbClr val="C00000"/>
-            </a:solidFill>
-          </a:ln>
-        </p:spPr>
-        <p:style>
-          <a:lnRef idx="2">
-            <a:schemeClr val="accent1">
-              <a:shade val="50000"/>
-            </a:schemeClr>
-          </a:lnRef>
-          <a:fillRef idx="1">
-            <a:schemeClr val="accent1"/>
-          </a:fillRef>
-          <a:effectRef idx="0">
-            <a:schemeClr val="accent1"/>
-          </a:effectRef>
-          <a:fontRef idx="minor">
-            <a:schemeClr val="lt1"/>
-          </a:fontRef>
-        </p:style>
-        <p:txBody>
-          <a:bodyPr rtlCol="0" anchor="ctr"/>
-          <a:lstStyle/>
-          <a:p>
-            <a:pPr algn="ctr"/>
-            <a:endParaRPr lang="en-GB"/>
-          </a:p>
-        </p:txBody>
-      </p:sp>
-      <p:sp>
-        <p:nvSpPr>
           <p:cNvPr id="13" name="TextBox 12">
             <a:extLst>
               <a:ext uri="{FF2B5EF4-FFF2-40B4-BE49-F238E27FC236}">
@@ -6196,7 +6144,7 @@
                                           </p:stCondLst>
                                         </p:cTn>
                                         <p:tgtEl>
-                                          <p:spTgt spid="12"/>
+                                          <p:spTgt spid="13"/>
                                         </p:tgtEl>
                                         <p:attrNameLst>
                                           <p:attrName>style.visibility</p:attrName>
@@ -6264,7 +6212,7 @@
       </p:par>
     </p:tnLst>
     <p:bldLst>
-      <p:bldP spid="12" grpId="0" animBg="1"/>
+      <p:bldP spid="13" grpId="0"/>
     </p:bldLst>
   </p:timing>
 </p:sld>
@@ -6649,6 +6597,129 @@
   <p:clrMapOvr>
     <a:masterClrMapping/>
   </p:clrMapOvr>
+  <p:timing>
+    <p:tnLst>
+      <p:par>
+        <p:cTn id="1" dur="indefinite" restart="never" nodeType="tmRoot">
+          <p:childTnLst>
+            <p:seq concurrent="1" nextAc="seek">
+              <p:cTn id="2" dur="indefinite" nodeType="mainSeq">
+                <p:childTnLst>
+                  <p:par>
+                    <p:cTn id="3" fill="hold">
+                      <p:stCondLst>
+                        <p:cond delay="indefinite"/>
+                      </p:stCondLst>
+                      <p:childTnLst>
+                        <p:par>
+                          <p:cTn id="4" fill="hold">
+                            <p:stCondLst>
+                              <p:cond delay="0"/>
+                            </p:stCondLst>
+                            <p:childTnLst>
+                              <p:par>
+                                <p:cTn id="5" presetID="1" presetClass="entr" presetSubtype="0" fill="hold" nodeType="clickEffect">
+                                  <p:stCondLst>
+                                    <p:cond delay="0"/>
+                                  </p:stCondLst>
+                                  <p:childTnLst>
+                                    <p:set>
+                                      <p:cBhvr>
+                                        <p:cTn id="6" dur="1" fill="hold">
+                                          <p:stCondLst>
+                                            <p:cond delay="0"/>
+                                          </p:stCondLst>
+                                        </p:cTn>
+                                        <p:tgtEl>
+                                          <p:spTgt spid="4"/>
+                                        </p:tgtEl>
+                                        <p:attrNameLst>
+                                          <p:attrName>style.visibility</p:attrName>
+                                        </p:attrNameLst>
+                                      </p:cBhvr>
+                                      <p:to>
+                                        <p:strVal val="visible"/>
+                                      </p:to>
+                                    </p:set>
+                                  </p:childTnLst>
+                                </p:cTn>
+                              </p:par>
+                            </p:childTnLst>
+                          </p:cTn>
+                        </p:par>
+                      </p:childTnLst>
+                    </p:cTn>
+                  </p:par>
+                  <p:par>
+                    <p:cTn id="7" fill="hold">
+                      <p:stCondLst>
+                        <p:cond delay="indefinite"/>
+                      </p:stCondLst>
+                      <p:childTnLst>
+                        <p:par>
+                          <p:cTn id="8" fill="hold">
+                            <p:stCondLst>
+                              <p:cond delay="0"/>
+                            </p:stCondLst>
+                            <p:childTnLst>
+                              <p:par>
+                                <p:cTn id="9" presetID="1" presetClass="entr" presetSubtype="0" fill="hold" grpId="0" nodeType="clickEffect">
+                                  <p:stCondLst>
+                                    <p:cond delay="0"/>
+                                  </p:stCondLst>
+                                  <p:childTnLst>
+                                    <p:set>
+                                      <p:cBhvr>
+                                        <p:cTn id="10" dur="1" fill="hold">
+                                          <p:stCondLst>
+                                            <p:cond delay="0"/>
+                                          </p:stCondLst>
+                                        </p:cTn>
+                                        <p:tgtEl>
+                                          <p:spTgt spid="12"/>
+                                        </p:tgtEl>
+                                        <p:attrNameLst>
+                                          <p:attrName>style.visibility</p:attrName>
+                                        </p:attrNameLst>
+                                      </p:cBhvr>
+                                      <p:to>
+                                        <p:strVal val="visible"/>
+                                      </p:to>
+                                    </p:set>
+                                  </p:childTnLst>
+                                </p:cTn>
+                              </p:par>
+                            </p:childTnLst>
+                          </p:cTn>
+                        </p:par>
+                      </p:childTnLst>
+                    </p:cTn>
+                  </p:par>
+                </p:childTnLst>
+              </p:cTn>
+              <p:prevCondLst>
+                <p:cond evt="onPrev" delay="0">
+                  <p:tgtEl>
+                    <p:sldTgt/>
+                  </p:tgtEl>
+                </p:cond>
+              </p:prevCondLst>
+              <p:nextCondLst>
+                <p:cond evt="onNext" delay="0">
+                  <p:tgtEl>
+                    <p:sldTgt/>
+                  </p:tgtEl>
+                </p:cond>
+              </p:nextCondLst>
+            </p:seq>
+          </p:childTnLst>
+        </p:cTn>
+      </p:par>
+    </p:tnLst>
+    <p:bldLst>
+      <p:bldP spid="12" grpId="0"/>
+    </p:bldLst>
+  </p:timing>
 </p:sld>
 </file>
 
@@ -7121,7 +7192,7 @@
                             </p:stCondLst>
                             <p:childTnLst>
                               <p:par>
-                                <p:cTn id="5" presetID="1" presetClass="entr" presetSubtype="0" fill="hold" grpId="0" nodeType="clickEffect">
+                                <p:cTn id="5" presetID="1" presetClass="entr" presetSubtype="0" fill="hold" nodeType="clickEffect">
                                   <p:stCondLst>
                                     <p:cond delay="0"/>
                                   </p:stCondLst>
@@ -7134,7 +7205,150 @@
                                           </p:stCondLst>
                                         </p:cTn>
                                         <p:tgtEl>
+                                          <p:spTgt spid="5"/>
+                                        </p:tgtEl>
+                                        <p:attrNameLst>
+                                          <p:attrName>style.visibility</p:attrName>
+                                        </p:attrNameLst>
+                                      </p:cBhvr>
+                                      <p:to>
+                                        <p:strVal val="visible"/>
+                                      </p:to>
+                                    </p:set>
+                                  </p:childTnLst>
+                                </p:cTn>
+                              </p:par>
+                            </p:childTnLst>
+                          </p:cTn>
+                        </p:par>
+                      </p:childTnLst>
+                    </p:cTn>
+                  </p:par>
+                  <p:par>
+                    <p:cTn id="7" fill="hold">
+                      <p:stCondLst>
+                        <p:cond delay="indefinite"/>
+                      </p:stCondLst>
+                      <p:childTnLst>
+                        <p:par>
+                          <p:cTn id="8" fill="hold">
+                            <p:stCondLst>
+                              <p:cond delay="0"/>
+                            </p:stCondLst>
+                            <p:childTnLst>
+                              <p:par>
+                                <p:cTn id="9" presetID="1" presetClass="entr" presetSubtype="0" fill="hold" grpId="0" nodeType="clickEffect">
+                                  <p:stCondLst>
+                                    <p:cond delay="0"/>
+                                  </p:stCondLst>
+                                  <p:childTnLst>
+                                    <p:set>
+                                      <p:cBhvr>
+                                        <p:cTn id="10" dur="1" fill="hold">
+                                          <p:stCondLst>
+                                            <p:cond delay="0"/>
+                                          </p:stCondLst>
+                                        </p:cTn>
+                                        <p:tgtEl>
                                           <p:spTgt spid="6"/>
+                                        </p:tgtEl>
+                                        <p:attrNameLst>
+                                          <p:attrName>style.visibility</p:attrName>
+                                        </p:attrNameLst>
+                                      </p:cBhvr>
+                                      <p:to>
+                                        <p:strVal val="visible"/>
+                                      </p:to>
+                                    </p:set>
+                                  </p:childTnLst>
+                                </p:cTn>
+                              </p:par>
+                            </p:childTnLst>
+                          </p:cTn>
+                        </p:par>
+                      </p:childTnLst>
+                    </p:cTn>
+                  </p:par>
+                  <p:par>
+                    <p:cTn id="11" fill="hold">
+                      <p:stCondLst>
+                        <p:cond delay="indefinite"/>
+                      </p:stCondLst>
+                      <p:childTnLst>
+                        <p:par>
+                          <p:cTn id="12" fill="hold">
+                            <p:stCondLst>
+                              <p:cond delay="0"/>
+                            </p:stCondLst>
+                            <p:childTnLst>
+                              <p:par>
+                                <p:cTn id="13" presetID="1" presetClass="entr" presetSubtype="0" fill="hold" nodeType="clickEffect">
+                                  <p:stCondLst>
+                                    <p:cond delay="0"/>
+                                  </p:stCondLst>
+                                  <p:childTnLst>
+                                    <p:set>
+                                      <p:cBhvr>
+                                        <p:cTn id="14" dur="1" fill="hold">
+                                          <p:stCondLst>
+                                            <p:cond delay="0"/>
+                                          </p:stCondLst>
+                                        </p:cTn>
+                                        <p:tgtEl>
+                                          <p:spTgt spid="13">
+                                            <p:txEl>
+                                              <p:pRg st="0" end="0"/>
+                                            </p:txEl>
+                                          </p:spTgt>
+                                        </p:tgtEl>
+                                        <p:attrNameLst>
+                                          <p:attrName>style.visibility</p:attrName>
+                                        </p:attrNameLst>
+                                      </p:cBhvr>
+                                      <p:to>
+                                        <p:strVal val="visible"/>
+                                      </p:to>
+                                    </p:set>
+                                  </p:childTnLst>
+                                </p:cTn>
+                              </p:par>
+                            </p:childTnLst>
+                          </p:cTn>
+                        </p:par>
+                      </p:childTnLst>
+                    </p:cTn>
+                  </p:par>
+                  <p:par>
+                    <p:cTn id="15" fill="hold">
+                      <p:stCondLst>
+                        <p:cond delay="indefinite"/>
+                      </p:stCondLst>
+                      <p:childTnLst>
+                        <p:par>
+                          <p:cTn id="16" fill="hold">
+                            <p:stCondLst>
+                              <p:cond delay="0"/>
+                            </p:stCondLst>
+                            <p:childTnLst>
+                              <p:par>
+                                <p:cTn id="17" presetID="1" presetClass="entr" presetSubtype="0" fill="hold" nodeType="clickEffect">
+                                  <p:stCondLst>
+                                    <p:cond delay="0"/>
+                                  </p:stCondLst>
+                                  <p:childTnLst>
+                                    <p:set>
+                                      <p:cBhvr>
+                                        <p:cTn id="18" dur="1" fill="hold">
+                                          <p:stCondLst>
+                                            <p:cond delay="0"/>
+                                          </p:stCondLst>
+                                        </p:cTn>
+                                        <p:tgtEl>
+                                          <p:spTgt spid="13">
+                                            <p:txEl>
+                                              <p:pRg st="2" end="2"/>
+                                            </p:txEl>
+                                          </p:spTgt>
                                         </p:tgtEl>
                                         <p:attrNameLst>
                                           <p:attrName>style.visibility</p:attrName>
@@ -7833,6 +8047,363 @@
   <p:clrMapOvr>
     <a:masterClrMapping/>
   </p:clrMapOvr>
+  <p:timing>
+    <p:tnLst>
+      <p:par>
+        <p:cTn id="1" dur="indefinite" restart="never" nodeType="tmRoot">
+          <p:childTnLst>
+            <p:seq concurrent="1" nextAc="seek">
+              <p:cTn id="2" dur="indefinite" nodeType="mainSeq">
+                <p:childTnLst>
+                  <p:par>
+                    <p:cTn id="3" fill="hold">
+                      <p:stCondLst>
+                        <p:cond delay="indefinite"/>
+                      </p:stCondLst>
+                      <p:childTnLst>
+                        <p:par>
+                          <p:cTn id="4" fill="hold">
+                            <p:stCondLst>
+                              <p:cond delay="0"/>
+                            </p:stCondLst>
+                            <p:childTnLst>
+                              <p:par>
+                                <p:cTn id="5" presetID="1" presetClass="entr" presetSubtype="0" fill="hold" nodeType="clickEffect">
+                                  <p:stCondLst>
+                                    <p:cond delay="0"/>
+                                  </p:stCondLst>
+                                  <p:childTnLst>
+                                    <p:set>
+                                      <p:cBhvr>
+                                        <p:cTn id="6" dur="1" fill="hold">
+                                          <p:stCondLst>
+                                            <p:cond delay="0"/>
+                                          </p:stCondLst>
+                                        </p:cTn>
+                                        <p:tgtEl>
+                                          <p:spTgt spid="21">
+                                            <p:txEl>
+                                              <p:pRg st="0" end="0"/>
+                                            </p:txEl>
+                                          </p:spTgt>
+                                        </p:tgtEl>
+                                        <p:attrNameLst>
+                                          <p:attrName>style.visibility</p:attrName>
+                                        </p:attrNameLst>
+                                      </p:cBhvr>
+                                      <p:to>
+                                        <p:strVal val="visible"/>
+                                      </p:to>
+                                    </p:set>
+                                  </p:childTnLst>
+                                </p:cTn>
+                              </p:par>
+                            </p:childTnLst>
+                          </p:cTn>
+                        </p:par>
+                      </p:childTnLst>
+                    </p:cTn>
+                  </p:par>
+                  <p:par>
+                    <p:cTn id="7" fill="hold">
+                      <p:stCondLst>
+                        <p:cond delay="indefinite"/>
+                      </p:stCondLst>
+                      <p:childTnLst>
+                        <p:par>
+                          <p:cTn id="8" fill="hold">
+                            <p:stCondLst>
+                              <p:cond delay="0"/>
+                            </p:stCondLst>
+                            <p:childTnLst>
+                              <p:par>
+                                <p:cTn id="9" presetID="1" presetClass="entr" presetSubtype="0" fill="hold" nodeType="clickEffect">
+                                  <p:stCondLst>
+                                    <p:cond delay="0"/>
+                                  </p:stCondLst>
+                                  <p:childTnLst>
+                                    <p:set>
+                                      <p:cBhvr>
+                                        <p:cTn id="10" dur="1" fill="hold">
+                                          <p:stCondLst>
+                                            <p:cond delay="0"/>
+                                          </p:stCondLst>
+                                        </p:cTn>
+                                        <p:tgtEl>
+                                          <p:spTgt spid="14"/>
+                                        </p:tgtEl>
+                                        <p:attrNameLst>
+                                          <p:attrName>style.visibility</p:attrName>
+                                        </p:attrNameLst>
+                                      </p:cBhvr>
+                                      <p:to>
+                                        <p:strVal val="visible"/>
+                                      </p:to>
+                                    </p:set>
+                                  </p:childTnLst>
+                                </p:cTn>
+                              </p:par>
+                            </p:childTnLst>
+                          </p:cTn>
+                        </p:par>
+                      </p:childTnLst>
+                    </p:cTn>
+                  </p:par>
+                  <p:par>
+                    <p:cTn id="11" fill="hold">
+                      <p:stCondLst>
+                        <p:cond delay="indefinite"/>
+                      </p:stCondLst>
+                      <p:childTnLst>
+                        <p:par>
+                          <p:cTn id="12" fill="hold">
+                            <p:stCondLst>
+                              <p:cond delay="0"/>
+                            </p:stCondLst>
+                            <p:childTnLst>
+                              <p:par>
+                                <p:cTn id="13" presetID="1" presetClass="entr" presetSubtype="0" fill="hold" nodeType="clickEffect">
+                                  <p:stCondLst>
+                                    <p:cond delay="0"/>
+                                  </p:stCondLst>
+                                  <p:childTnLst>
+                                    <p:set>
+                                      <p:cBhvr>
+                                        <p:cTn id="14" dur="1" fill="hold">
+                                          <p:stCondLst>
+                                            <p:cond delay="0"/>
+                                          </p:stCondLst>
+                                        </p:cTn>
+                                        <p:tgtEl>
+                                          <p:spTgt spid="7170"/>
+                                        </p:tgtEl>
+                                        <p:attrNameLst>
+                                          <p:attrName>style.visibility</p:attrName>
+                                        </p:attrNameLst>
+                                      </p:cBhvr>
+                                      <p:to>
+                                        <p:strVal val="visible"/>
+                                      </p:to>
+                                    </p:set>
+                                  </p:childTnLst>
+                                </p:cTn>
+                              </p:par>
+                              <p:par>
+                                <p:cTn id="15" presetID="1" presetClass="entr" presetSubtype="0" fill="hold" nodeType="withEffect">
+                                  <p:stCondLst>
+                                    <p:cond delay="0"/>
+                                  </p:stCondLst>
+                                  <p:childTnLst>
+                                    <p:set>
+                                      <p:cBhvr>
+                                        <p:cTn id="16" dur="1" fill="hold">
+                                          <p:stCondLst>
+                                            <p:cond delay="0"/>
+                                          </p:stCondLst>
+                                        </p:cTn>
+                                        <p:tgtEl>
+                                          <p:spTgt spid="17"/>
+                                        </p:tgtEl>
+                                        <p:attrNameLst>
+                                          <p:attrName>style.visibility</p:attrName>
+                                        </p:attrNameLst>
+                                      </p:cBhvr>
+                                      <p:to>
+                                        <p:strVal val="visible"/>
+                                      </p:to>
+                                    </p:set>
+                                  </p:childTnLst>
+                                </p:cTn>
+                              </p:par>
+                              <p:par>
+                                <p:cTn id="17" presetID="1" presetClass="entr" presetSubtype="0" fill="hold" nodeType="withEffect">
+                                  <p:stCondLst>
+                                    <p:cond delay="0"/>
+                                  </p:stCondLst>
+                                  <p:childTnLst>
+                                    <p:set>
+                                      <p:cBhvr>
+                                        <p:cTn id="18" dur="1" fill="hold">
+                                          <p:stCondLst>
+                                            <p:cond delay="0"/>
+                                          </p:stCondLst>
+                                        </p:cTn>
+                                        <p:tgtEl>
+                                          <p:spTgt spid="18"/>
+                                        </p:tgtEl>
+                                        <p:attrNameLst>
+                                          <p:attrName>style.visibility</p:attrName>
+                                        </p:attrNameLst>
+                                      </p:cBhvr>
+                                      <p:to>
+                                        <p:strVal val="visible"/>
+                                      </p:to>
+                                    </p:set>
+                                  </p:childTnLst>
+                                </p:cTn>
+                              </p:par>
+                              <p:par>
+                                <p:cTn id="19" presetID="1" presetClass="entr" presetSubtype="0" fill="hold" nodeType="withEffect">
+                                  <p:stCondLst>
+                                    <p:cond delay="0"/>
+                                  </p:stCondLst>
+                                  <p:childTnLst>
+                                    <p:set>
+                                      <p:cBhvr>
+                                        <p:cTn id="20" dur="1" fill="hold">
+                                          <p:stCondLst>
+                                            <p:cond delay="0"/>
+                                          </p:stCondLst>
+                                        </p:cTn>
+                                        <p:tgtEl>
+                                          <p:spTgt spid="19"/>
+                                        </p:tgtEl>
+                                        <p:attrNameLst>
+                                          <p:attrName>style.visibility</p:attrName>
+                                        </p:attrNameLst>
+                                      </p:cBhvr>
+                                      <p:to>
+                                        <p:strVal val="visible"/>
+                                      </p:to>
+                                    </p:set>
+                                  </p:childTnLst>
+                                </p:cTn>
+                              </p:par>
+                              <p:par>
+                                <p:cTn id="21" presetID="1" presetClass="entr" presetSubtype="0" fill="hold" nodeType="withEffect">
+                                  <p:stCondLst>
+                                    <p:cond delay="0"/>
+                                  </p:stCondLst>
+                                  <p:childTnLst>
+                                    <p:set>
+                                      <p:cBhvr>
+                                        <p:cTn id="22" dur="1" fill="hold">
+                                          <p:stCondLst>
+                                            <p:cond delay="0"/>
+                                          </p:stCondLst>
+                                        </p:cTn>
+                                        <p:tgtEl>
+                                          <p:spTgt spid="20"/>
+                                        </p:tgtEl>
+                                        <p:attrNameLst>
+                                          <p:attrName>style.visibility</p:attrName>
+                                        </p:attrNameLst>
+                                      </p:cBhvr>
+                                      <p:to>
+                                        <p:strVal val="visible"/>
+                                      </p:to>
+                                    </p:set>
+                                  </p:childTnLst>
+                                </p:cTn>
+                              </p:par>
+                            </p:childTnLst>
+                          </p:cTn>
+                        </p:par>
+                      </p:childTnLst>
+                    </p:cTn>
+                  </p:par>
+                  <p:par>
+                    <p:cTn id="23" fill="hold">
+                      <p:stCondLst>
+                        <p:cond delay="indefinite"/>
+                      </p:stCondLst>
+                      <p:childTnLst>
+                        <p:par>
+                          <p:cTn id="24" fill="hold">
+                            <p:stCondLst>
+                              <p:cond delay="0"/>
+                            </p:stCondLst>
+                            <p:childTnLst>
+                              <p:par>
+                                <p:cTn id="25" presetID="1" presetClass="entr" presetSubtype="0" fill="hold" nodeType="clickEffect">
+                                  <p:stCondLst>
+                                    <p:cond delay="0"/>
+                                  </p:stCondLst>
+                                  <p:childTnLst>
+                                    <p:set>
+                                      <p:cBhvr>
+                                        <p:cTn id="26" dur="1" fill="hold">
+                                          <p:stCondLst>
+                                            <p:cond delay="0"/>
+                                          </p:stCondLst>
+                                        </p:cTn>
+                                        <p:tgtEl>
+                                          <p:spTgt spid="21">
+                                            <p:txEl>
+                                              <p:pRg st="2" end="2"/>
+                                            </p:txEl>
+                                          </p:spTgt>
+                                        </p:tgtEl>
+                                        <p:attrNameLst>
+                                          <p:attrName>style.visibility</p:attrName>
+                                        </p:attrNameLst>
+                                      </p:cBhvr>
+                                      <p:to>
+                                        <p:strVal val="visible"/>
+                                      </p:to>
+                                    </p:set>
+                                  </p:childTnLst>
+                                </p:cTn>
+                              </p:par>
+                              <p:par>
+                                <p:cTn id="27" presetID="1" presetClass="entr" presetSubtype="0" fill="hold" nodeType="withEffect">
+                                  <p:stCondLst>
+                                    <p:cond delay="0"/>
+                                  </p:stCondLst>
+                                  <p:childTnLst>
+                                    <p:set>
+                                      <p:cBhvr>
+                                        <p:cTn id="28" dur="1" fill="hold">
+                                          <p:stCondLst>
+                                            <p:cond delay="0"/>
+                                          </p:stCondLst>
+                                        </p:cTn>
+                                        <p:tgtEl>
+                                          <p:spTgt spid="21">
+                                            <p:txEl>
+                                              <p:pRg st="4" end="4"/>
+                                            </p:txEl>
+                                          </p:spTgt>
+                                        </p:tgtEl>
+                                        <p:attrNameLst>
+                                          <p:attrName>style.visibility</p:attrName>
+                                        </p:attrNameLst>
+                                      </p:cBhvr>
+                                      <p:to>
+                                        <p:strVal val="visible"/>
+                                      </p:to>
+                                    </p:set>
+                                  </p:childTnLst>
+                                </p:cTn>
+                              </p:par>
+                            </p:childTnLst>
+                          </p:cTn>
+                        </p:par>
+                      </p:childTnLst>
+                    </p:cTn>
+                  </p:par>
+                </p:childTnLst>
+              </p:cTn>
+              <p:prevCondLst>
+                <p:cond evt="onPrev" delay="0">
+                  <p:tgtEl>
+                    <p:sldTgt/>
+                  </p:tgtEl>
+                </p:cond>
+              </p:prevCondLst>
+              <p:nextCondLst>
+                <p:cond evt="onNext" delay="0">
+                  <p:tgtEl>
+                    <p:sldTgt/>
+                  </p:tgtEl>
+                </p:cond>
+              </p:nextCondLst>
+            </p:seq>
+          </p:childTnLst>
+        </p:cTn>
+      </p:par>
+    </p:tnLst>
+  </p:timing>
 </p:sld>
 </file>
 
@@ -8299,7 +8870,7 @@
                   </a:schemeClr>
                 </a:solidFill>
               </a:rPr>
-              <a:t>Features that were text based like </a:t>
+              <a:t>Features that were text-based like </a:t>
             </a:r>
             <a:r>
               <a:rPr lang="en-GB" i="1" dirty="0">
@@ -8424,7 +8995,29 @@
                   </a:schemeClr>
                 </a:solidFill>
               </a:rPr>
-              <a:t>were imputed based on district and the median value.</a:t>
+              <a:t>were imputed based on the median, segmented by </a:t>
+            </a:r>
+            <a:r>
+              <a:rPr lang="en-GB" i="1" dirty="0">
+                <a:solidFill>
+                  <a:schemeClr val="tx1">
+                    <a:lumMod val="50000"/>
+                    <a:lumOff val="50000"/>
+                  </a:schemeClr>
+                </a:solidFill>
+              </a:rPr>
+              <a:t>district</a:t>
+            </a:r>
+            <a:r>
+              <a:rPr lang="en-GB" dirty="0">
+                <a:solidFill>
+                  <a:schemeClr val="tx1">
+                    <a:lumMod val="50000"/>
+                    <a:lumOff val="50000"/>
+                  </a:schemeClr>
+                </a:solidFill>
+              </a:rPr>
+              <a:t>.</a:t>
             </a:r>
           </a:p>
           <a:p>
@@ -8477,7 +9070,7 @@
                   </a:schemeClr>
                 </a:solidFill>
               </a:rPr>
-              <a:t> of the data was dropped in total)</a:t>
+              <a:t> of samples were dropped in total)</a:t>
             </a:r>
           </a:p>
           <a:p>
@@ -8559,6 +9152,428 @@
   <p:clrMapOvr>
     <a:masterClrMapping/>
   </p:clrMapOvr>
+  <p:timing>
+    <p:tnLst>
+      <p:par>
+        <p:cTn id="1" dur="indefinite" restart="never" nodeType="tmRoot">
+          <p:childTnLst>
+            <p:seq concurrent="1" nextAc="seek">
+              <p:cTn id="2" dur="indefinite" nodeType="mainSeq">
+                <p:childTnLst>
+                  <p:par>
+                    <p:cTn id="3" fill="hold">
+                      <p:stCondLst>
+                        <p:cond delay="indefinite"/>
+                      </p:stCondLst>
+                      <p:childTnLst>
+                        <p:par>
+                          <p:cTn id="4" fill="hold">
+                            <p:stCondLst>
+                              <p:cond delay="0"/>
+                            </p:stCondLst>
+                            <p:childTnLst>
+                              <p:par>
+                                <p:cTn id="5" presetID="1" presetClass="entr" presetSubtype="0" fill="hold" nodeType="clickEffect">
+                                  <p:stCondLst>
+                                    <p:cond delay="0"/>
+                                  </p:stCondLst>
+                                  <p:childTnLst>
+                                    <p:set>
+                                      <p:cBhvr>
+                                        <p:cTn id="6" dur="1" fill="hold">
+                                          <p:stCondLst>
+                                            <p:cond delay="0"/>
+                                          </p:stCondLst>
+                                        </p:cTn>
+                                        <p:tgtEl>
+                                          <p:spTgt spid="12">
+                                            <p:txEl>
+                                              <p:pRg st="0" end="0"/>
+                                            </p:txEl>
+                                          </p:spTgt>
+                                        </p:tgtEl>
+                                        <p:attrNameLst>
+                                          <p:attrName>style.visibility</p:attrName>
+                                        </p:attrNameLst>
+                                      </p:cBhvr>
+                                      <p:to>
+                                        <p:strVal val="visible"/>
+                                      </p:to>
+                                    </p:set>
+                                  </p:childTnLst>
+                                </p:cTn>
+                              </p:par>
+                            </p:childTnLst>
+                          </p:cTn>
+                        </p:par>
+                      </p:childTnLst>
+                    </p:cTn>
+                  </p:par>
+                  <p:par>
+                    <p:cTn id="7" fill="hold">
+                      <p:stCondLst>
+                        <p:cond delay="indefinite"/>
+                      </p:stCondLst>
+                      <p:childTnLst>
+                        <p:par>
+                          <p:cTn id="8" fill="hold">
+                            <p:stCondLst>
+                              <p:cond delay="0"/>
+                            </p:stCondLst>
+                            <p:childTnLst>
+                              <p:par>
+                                <p:cTn id="9" presetID="1" presetClass="entr" presetSubtype="0" fill="hold" nodeType="clickEffect">
+                                  <p:stCondLst>
+                                    <p:cond delay="0"/>
+                                  </p:stCondLst>
+                                  <p:childTnLst>
+                                    <p:set>
+                                      <p:cBhvr>
+                                        <p:cTn id="10" dur="1" fill="hold">
+                                          <p:stCondLst>
+                                            <p:cond delay="0"/>
+                                          </p:stCondLst>
+                                        </p:cTn>
+                                        <p:tgtEl>
+                                          <p:spTgt spid="12">
+                                            <p:txEl>
+                                              <p:pRg st="2" end="2"/>
+                                            </p:txEl>
+                                          </p:spTgt>
+                                        </p:tgtEl>
+                                        <p:attrNameLst>
+                                          <p:attrName>style.visibility</p:attrName>
+                                        </p:attrNameLst>
+                                      </p:cBhvr>
+                                      <p:to>
+                                        <p:strVal val="visible"/>
+                                      </p:to>
+                                    </p:set>
+                                  </p:childTnLst>
+                                </p:cTn>
+                              </p:par>
+                            </p:childTnLst>
+                          </p:cTn>
+                        </p:par>
+                      </p:childTnLst>
+                    </p:cTn>
+                  </p:par>
+                  <p:par>
+                    <p:cTn id="11" fill="hold">
+                      <p:stCondLst>
+                        <p:cond delay="indefinite"/>
+                      </p:stCondLst>
+                      <p:childTnLst>
+                        <p:par>
+                          <p:cTn id="12" fill="hold">
+                            <p:stCondLst>
+                              <p:cond delay="0"/>
+                            </p:stCondLst>
+                            <p:childTnLst>
+                              <p:par>
+                                <p:cTn id="13" presetID="1" presetClass="entr" presetSubtype="0" fill="hold" nodeType="clickEffect">
+                                  <p:stCondLst>
+                                    <p:cond delay="0"/>
+                                  </p:stCondLst>
+                                  <p:childTnLst>
+                                    <p:set>
+                                      <p:cBhvr>
+                                        <p:cTn id="14" dur="1" fill="hold">
+                                          <p:stCondLst>
+                                            <p:cond delay="0"/>
+                                          </p:stCondLst>
+                                        </p:cTn>
+                                        <p:tgtEl>
+                                          <p:spTgt spid="12">
+                                            <p:txEl>
+                                              <p:pRg st="3" end="3"/>
+                                            </p:txEl>
+                                          </p:spTgt>
+                                        </p:tgtEl>
+                                        <p:attrNameLst>
+                                          <p:attrName>style.visibility</p:attrName>
+                                        </p:attrNameLst>
+                                      </p:cBhvr>
+                                      <p:to>
+                                        <p:strVal val="visible"/>
+                                      </p:to>
+                                    </p:set>
+                                  </p:childTnLst>
+                                </p:cTn>
+                              </p:par>
+                            </p:childTnLst>
+                          </p:cTn>
+                        </p:par>
+                      </p:childTnLst>
+                    </p:cTn>
+                  </p:par>
+                  <p:par>
+                    <p:cTn id="15" fill="hold">
+                      <p:stCondLst>
+                        <p:cond delay="indefinite"/>
+                      </p:stCondLst>
+                      <p:childTnLst>
+                        <p:par>
+                          <p:cTn id="16" fill="hold">
+                            <p:stCondLst>
+                              <p:cond delay="0"/>
+                            </p:stCondLst>
+                            <p:childTnLst>
+                              <p:par>
+                                <p:cTn id="17" presetID="1" presetClass="entr" presetSubtype="0" fill="hold" nodeType="clickEffect">
+                                  <p:stCondLst>
+                                    <p:cond delay="0"/>
+                                  </p:stCondLst>
+                                  <p:childTnLst>
+                                    <p:set>
+                                      <p:cBhvr>
+                                        <p:cTn id="18" dur="1" fill="hold">
+                                          <p:stCondLst>
+                                            <p:cond delay="0"/>
+                                          </p:stCondLst>
+                                        </p:cTn>
+                                        <p:tgtEl>
+                                          <p:spTgt spid="12">
+                                            <p:txEl>
+                                              <p:pRg st="4" end="4"/>
+                                            </p:txEl>
+                                          </p:spTgt>
+                                        </p:tgtEl>
+                                        <p:attrNameLst>
+                                          <p:attrName>style.visibility</p:attrName>
+                                        </p:attrNameLst>
+                                      </p:cBhvr>
+                                      <p:to>
+                                        <p:strVal val="visible"/>
+                                      </p:to>
+                                    </p:set>
+                                  </p:childTnLst>
+                                </p:cTn>
+                              </p:par>
+                            </p:childTnLst>
+                          </p:cTn>
+                        </p:par>
+                      </p:childTnLst>
+                    </p:cTn>
+                  </p:par>
+                  <p:par>
+                    <p:cTn id="19" fill="hold">
+                      <p:stCondLst>
+                        <p:cond delay="indefinite"/>
+                      </p:stCondLst>
+                      <p:childTnLst>
+                        <p:par>
+                          <p:cTn id="20" fill="hold">
+                            <p:stCondLst>
+                              <p:cond delay="0"/>
+                            </p:stCondLst>
+                            <p:childTnLst>
+                              <p:par>
+                                <p:cTn id="21" presetID="1" presetClass="entr" presetSubtype="0" fill="hold" nodeType="clickEffect">
+                                  <p:stCondLst>
+                                    <p:cond delay="0"/>
+                                  </p:stCondLst>
+                                  <p:childTnLst>
+                                    <p:set>
+                                      <p:cBhvr>
+                                        <p:cTn id="22" dur="1" fill="hold">
+                                          <p:stCondLst>
+                                            <p:cond delay="0"/>
+                                          </p:stCondLst>
+                                        </p:cTn>
+                                        <p:tgtEl>
+                                          <p:spTgt spid="12">
+                                            <p:txEl>
+                                              <p:pRg st="5" end="5"/>
+                                            </p:txEl>
+                                          </p:spTgt>
+                                        </p:tgtEl>
+                                        <p:attrNameLst>
+                                          <p:attrName>style.visibility</p:attrName>
+                                        </p:attrNameLst>
+                                      </p:cBhvr>
+                                      <p:to>
+                                        <p:strVal val="visible"/>
+                                      </p:to>
+                                    </p:set>
+                                  </p:childTnLst>
+                                </p:cTn>
+                              </p:par>
+                            </p:childTnLst>
+                          </p:cTn>
+                        </p:par>
+                      </p:childTnLst>
+                    </p:cTn>
+                  </p:par>
+                  <p:par>
+                    <p:cTn id="23" fill="hold">
+                      <p:stCondLst>
+                        <p:cond delay="indefinite"/>
+                      </p:stCondLst>
+                      <p:childTnLst>
+                        <p:par>
+                          <p:cTn id="24" fill="hold">
+                            <p:stCondLst>
+                              <p:cond delay="0"/>
+                            </p:stCondLst>
+                            <p:childTnLst>
+                              <p:par>
+                                <p:cTn id="25" presetID="1" presetClass="entr" presetSubtype="0" fill="hold" nodeType="clickEffect">
+                                  <p:stCondLst>
+                                    <p:cond delay="0"/>
+                                  </p:stCondLst>
+                                  <p:childTnLst>
+                                    <p:set>
+                                      <p:cBhvr>
+                                        <p:cTn id="26" dur="1" fill="hold">
+                                          <p:stCondLst>
+                                            <p:cond delay="0"/>
+                                          </p:stCondLst>
+                                        </p:cTn>
+                                        <p:tgtEl>
+                                          <p:spTgt spid="12">
+                                            <p:txEl>
+                                              <p:pRg st="6" end="6"/>
+                                            </p:txEl>
+                                          </p:spTgt>
+                                        </p:tgtEl>
+                                        <p:attrNameLst>
+                                          <p:attrName>style.visibility</p:attrName>
+                                        </p:attrNameLst>
+                                      </p:cBhvr>
+                                      <p:to>
+                                        <p:strVal val="visible"/>
+                                      </p:to>
+                                    </p:set>
+                                  </p:childTnLst>
+                                </p:cTn>
+                              </p:par>
+                            </p:childTnLst>
+                          </p:cTn>
+                        </p:par>
+                      </p:childTnLst>
+                    </p:cTn>
+                  </p:par>
+                  <p:par>
+                    <p:cTn id="27" fill="hold">
+                      <p:stCondLst>
+                        <p:cond delay="indefinite"/>
+                      </p:stCondLst>
+                      <p:childTnLst>
+                        <p:par>
+                          <p:cTn id="28" fill="hold">
+                            <p:stCondLst>
+                              <p:cond delay="0"/>
+                            </p:stCondLst>
+                            <p:childTnLst>
+                              <p:par>
+                                <p:cTn id="29" presetID="1" presetClass="entr" presetSubtype="0" fill="hold" nodeType="clickEffect">
+                                  <p:stCondLst>
+                                    <p:cond delay="0"/>
+                                  </p:stCondLst>
+                                  <p:childTnLst>
+                                    <p:set>
+                                      <p:cBhvr>
+                                        <p:cTn id="30" dur="1" fill="hold">
+                                          <p:stCondLst>
+                                            <p:cond delay="0"/>
+                                          </p:stCondLst>
+                                        </p:cTn>
+                                        <p:tgtEl>
+                                          <p:spTgt spid="12">
+                                            <p:txEl>
+                                              <p:pRg st="7" end="7"/>
+                                            </p:txEl>
+                                          </p:spTgt>
+                                        </p:tgtEl>
+                                        <p:attrNameLst>
+                                          <p:attrName>style.visibility</p:attrName>
+                                        </p:attrNameLst>
+                                      </p:cBhvr>
+                                      <p:to>
+                                        <p:strVal val="visible"/>
+                                      </p:to>
+                                    </p:set>
+                                  </p:childTnLst>
+                                </p:cTn>
+                              </p:par>
+                            </p:childTnLst>
+                          </p:cTn>
+                        </p:par>
+                      </p:childTnLst>
+                    </p:cTn>
+                  </p:par>
+                  <p:par>
+                    <p:cTn id="31" fill="hold">
+                      <p:stCondLst>
+                        <p:cond delay="indefinite"/>
+                      </p:stCondLst>
+                      <p:childTnLst>
+                        <p:par>
+                          <p:cTn id="32" fill="hold">
+                            <p:stCondLst>
+                              <p:cond delay="0"/>
+                            </p:stCondLst>
+                            <p:childTnLst>
+                              <p:par>
+                                <p:cTn id="33" presetID="1" presetClass="entr" presetSubtype="0" fill="hold" nodeType="clickEffect">
+                                  <p:stCondLst>
+                                    <p:cond delay="0"/>
+                                  </p:stCondLst>
+                                  <p:childTnLst>
+                                    <p:set>
+                                      <p:cBhvr>
+                                        <p:cTn id="34" dur="1" fill="hold">
+                                          <p:stCondLst>
+                                            <p:cond delay="0"/>
+                                          </p:stCondLst>
+                                        </p:cTn>
+                                        <p:tgtEl>
+                                          <p:spTgt spid="12">
+                                            <p:txEl>
+                                              <p:pRg st="9" end="9"/>
+                                            </p:txEl>
+                                          </p:spTgt>
+                                        </p:tgtEl>
+                                        <p:attrNameLst>
+                                          <p:attrName>style.visibility</p:attrName>
+                                        </p:attrNameLst>
+                                      </p:cBhvr>
+                                      <p:to>
+                                        <p:strVal val="visible"/>
+                                      </p:to>
+                                    </p:set>
+                                  </p:childTnLst>
+                                </p:cTn>
+                              </p:par>
+                            </p:childTnLst>
+                          </p:cTn>
+                        </p:par>
+                      </p:childTnLst>
+                    </p:cTn>
+                  </p:par>
+                </p:childTnLst>
+              </p:cTn>
+              <p:prevCondLst>
+                <p:cond evt="onPrev" delay="0">
+                  <p:tgtEl>
+                    <p:sldTgt/>
+                  </p:tgtEl>
+                </p:cond>
+              </p:prevCondLst>
+              <p:nextCondLst>
+                <p:cond evt="onNext" delay="0">
+                  <p:tgtEl>
+                    <p:sldTgt/>
+                  </p:tgtEl>
+                </p:cond>
+              </p:nextCondLst>
+            </p:seq>
+          </p:childTnLst>
+        </p:cTn>
+      </p:par>
+    </p:tnLst>
+  </p:timing>
 </p:sld>
 </file>
 
@@ -8848,63 +9863,6 @@
       </p:sp>
       <p:sp>
         <p:nvSpPr>
-          <p:cNvPr id="12" name="TextBox 11">
-            <a:extLst>
-              <a:ext uri="{FF2B5EF4-FFF2-40B4-BE49-F238E27FC236}">
-                <a16:creationId xmlns:a16="http://schemas.microsoft.com/office/drawing/2014/main" id="{0A027E1D-4D2A-47F9-8A02-238DC5C58F42}"/>
-              </a:ext>
-            </a:extLst>
-          </p:cNvPr>
-          <p:cNvSpPr txBox="1"/>
-          <p:nvPr/>
-        </p:nvSpPr>
-        <p:spPr>
-          <a:xfrm>
-            <a:off x="281940" y="1915085"/>
-            <a:ext cx="8092440" cy="707886"/>
-          </a:xfrm>
-          <a:prstGeom prst="rect">
-            <a:avLst/>
-          </a:prstGeom>
-          <a:noFill/>
-        </p:spPr>
-        <p:txBody>
-          <a:bodyPr wrap="square" rtlCol="0">
-            <a:spAutoFit/>
-          </a:bodyPr>
-          <a:lstStyle/>
-          <a:p>
-            <a:pPr marL="285750" indent="-285750">
-              <a:buFont typeface="Courier New" panose="02070309020205020404" pitchFamily="49" charset="0"/>
-              <a:buChar char="o"/>
-            </a:pPr>
-            <a:endParaRPr lang="en-GB" sz="2000" b="1" dirty="0">
-              <a:solidFill>
-                <a:schemeClr val="tx1">
-                  <a:lumMod val="50000"/>
-                  <a:lumOff val="50000"/>
-                </a:schemeClr>
-              </a:solidFill>
-            </a:endParaRPr>
-          </a:p>
-          <a:p>
-            <a:pPr marL="285750" indent="-285750">
-              <a:buFont typeface="Courier New" panose="02070309020205020404" pitchFamily="49" charset="0"/>
-              <a:buChar char="o"/>
-            </a:pPr>
-            <a:endParaRPr lang="en-GB" sz="2000" b="1" dirty="0">
-              <a:solidFill>
-                <a:schemeClr val="tx1">
-                  <a:lumMod val="50000"/>
-                  <a:lumOff val="50000"/>
-                </a:schemeClr>
-              </a:solidFill>
-            </a:endParaRPr>
-          </a:p>
-        </p:txBody>
-      </p:sp>
-      <p:sp>
-        <p:nvSpPr>
           <p:cNvPr id="9" name="Rectangle 8">
             <a:extLst>
               <a:ext uri="{FF2B5EF4-FFF2-40B4-BE49-F238E27FC236}">
@@ -9451,6 +10409,407 @@
   <p:clrMapOvr>
     <a:masterClrMapping/>
   </p:clrMapOvr>
+  <p:timing>
+    <p:tnLst>
+      <p:par>
+        <p:cTn id="1" dur="indefinite" restart="never" nodeType="tmRoot">
+          <p:childTnLst>
+            <p:seq concurrent="1" nextAc="seek">
+              <p:cTn id="2" dur="indefinite" nodeType="mainSeq">
+                <p:childTnLst>
+                  <p:par>
+                    <p:cTn id="3" fill="hold">
+                      <p:stCondLst>
+                        <p:cond delay="indefinite"/>
+                      </p:stCondLst>
+                      <p:childTnLst>
+                        <p:par>
+                          <p:cTn id="4" fill="hold">
+                            <p:stCondLst>
+                              <p:cond delay="0"/>
+                            </p:stCondLst>
+                            <p:childTnLst>
+                              <p:par>
+                                <p:cTn id="5" presetID="1" presetClass="entr" presetSubtype="0" fill="hold" nodeType="clickEffect">
+                                  <p:stCondLst>
+                                    <p:cond delay="0"/>
+                                  </p:stCondLst>
+                                  <p:childTnLst>
+                                    <p:set>
+                                      <p:cBhvr>
+                                        <p:cTn id="6" dur="1" fill="hold">
+                                          <p:stCondLst>
+                                            <p:cond delay="0"/>
+                                          </p:stCondLst>
+                                        </p:cTn>
+                                        <p:tgtEl>
+                                          <p:spTgt spid="18">
+                                            <p:txEl>
+                                              <p:pRg st="0" end="0"/>
+                                            </p:txEl>
+                                          </p:spTgt>
+                                        </p:tgtEl>
+                                        <p:attrNameLst>
+                                          <p:attrName>style.visibility</p:attrName>
+                                        </p:attrNameLst>
+                                      </p:cBhvr>
+                                      <p:to>
+                                        <p:strVal val="visible"/>
+                                      </p:to>
+                                    </p:set>
+                                  </p:childTnLst>
+                                </p:cTn>
+                              </p:par>
+                            </p:childTnLst>
+                          </p:cTn>
+                        </p:par>
+                      </p:childTnLst>
+                    </p:cTn>
+                  </p:par>
+                  <p:par>
+                    <p:cTn id="7" fill="hold">
+                      <p:stCondLst>
+                        <p:cond delay="indefinite"/>
+                      </p:stCondLst>
+                      <p:childTnLst>
+                        <p:par>
+                          <p:cTn id="8" fill="hold">
+                            <p:stCondLst>
+                              <p:cond delay="0"/>
+                            </p:stCondLst>
+                            <p:childTnLst>
+                              <p:par>
+                                <p:cTn id="9" presetID="1" presetClass="entr" presetSubtype="0" fill="hold" grpId="0" nodeType="clickEffect">
+                                  <p:stCondLst>
+                                    <p:cond delay="0"/>
+                                  </p:stCondLst>
+                                  <p:childTnLst>
+                                    <p:set>
+                                      <p:cBhvr>
+                                        <p:cTn id="10" dur="1" fill="hold">
+                                          <p:stCondLst>
+                                            <p:cond delay="0"/>
+                                          </p:stCondLst>
+                                        </p:cTn>
+                                        <p:tgtEl>
+                                          <p:spTgt spid="21"/>
+                                        </p:tgtEl>
+                                        <p:attrNameLst>
+                                          <p:attrName>style.visibility</p:attrName>
+                                        </p:attrNameLst>
+                                      </p:cBhvr>
+                                      <p:to>
+                                        <p:strVal val="visible"/>
+                                      </p:to>
+                                    </p:set>
+                                  </p:childTnLst>
+                                </p:cTn>
+                              </p:par>
+                            </p:childTnLst>
+                          </p:cTn>
+                        </p:par>
+                      </p:childTnLst>
+                    </p:cTn>
+                  </p:par>
+                  <p:par>
+                    <p:cTn id="11" fill="hold">
+                      <p:stCondLst>
+                        <p:cond delay="indefinite"/>
+                      </p:stCondLst>
+                      <p:childTnLst>
+                        <p:par>
+                          <p:cTn id="12" fill="hold">
+                            <p:stCondLst>
+                              <p:cond delay="0"/>
+                            </p:stCondLst>
+                            <p:childTnLst>
+                              <p:par>
+                                <p:cTn id="13" presetID="1" presetClass="entr" presetSubtype="0" fill="hold" nodeType="clickEffect">
+                                  <p:stCondLst>
+                                    <p:cond delay="0"/>
+                                  </p:stCondLst>
+                                  <p:childTnLst>
+                                    <p:set>
+                                      <p:cBhvr>
+                                        <p:cTn id="14" dur="1" fill="hold">
+                                          <p:stCondLst>
+                                            <p:cond delay="0"/>
+                                          </p:stCondLst>
+                                        </p:cTn>
+                                        <p:tgtEl>
+                                          <p:spTgt spid="18">
+                                            <p:txEl>
+                                              <p:pRg st="2" end="2"/>
+                                            </p:txEl>
+                                          </p:spTgt>
+                                        </p:tgtEl>
+                                        <p:attrNameLst>
+                                          <p:attrName>style.visibility</p:attrName>
+                                        </p:attrNameLst>
+                                      </p:cBhvr>
+                                      <p:to>
+                                        <p:strVal val="visible"/>
+                                      </p:to>
+                                    </p:set>
+                                  </p:childTnLst>
+                                </p:cTn>
+                              </p:par>
+                            </p:childTnLst>
+                          </p:cTn>
+                        </p:par>
+                      </p:childTnLst>
+                    </p:cTn>
+                  </p:par>
+                  <p:par>
+                    <p:cTn id="15" fill="hold">
+                      <p:stCondLst>
+                        <p:cond delay="indefinite"/>
+                      </p:stCondLst>
+                      <p:childTnLst>
+                        <p:par>
+                          <p:cTn id="16" fill="hold">
+                            <p:stCondLst>
+                              <p:cond delay="0"/>
+                            </p:stCondLst>
+                            <p:childTnLst>
+                              <p:par>
+                                <p:cTn id="17" presetID="1" presetClass="entr" presetSubtype="0" fill="hold" grpId="0" nodeType="clickEffect">
+                                  <p:stCondLst>
+                                    <p:cond delay="0"/>
+                                  </p:stCondLst>
+                                  <p:childTnLst>
+                                    <p:set>
+                                      <p:cBhvr>
+                                        <p:cTn id="18" dur="1" fill="hold">
+                                          <p:stCondLst>
+                                            <p:cond delay="0"/>
+                                          </p:stCondLst>
+                                        </p:cTn>
+                                        <p:tgtEl>
+                                          <p:spTgt spid="9"/>
+                                        </p:tgtEl>
+                                        <p:attrNameLst>
+                                          <p:attrName>style.visibility</p:attrName>
+                                        </p:attrNameLst>
+                                      </p:cBhvr>
+                                      <p:to>
+                                        <p:strVal val="visible"/>
+                                      </p:to>
+                                    </p:set>
+                                  </p:childTnLst>
+                                </p:cTn>
+                              </p:par>
+                            </p:childTnLst>
+                          </p:cTn>
+                        </p:par>
+                      </p:childTnLst>
+                    </p:cTn>
+                  </p:par>
+                  <p:par>
+                    <p:cTn id="19" fill="hold">
+                      <p:stCondLst>
+                        <p:cond delay="indefinite"/>
+                      </p:stCondLst>
+                      <p:childTnLst>
+                        <p:par>
+                          <p:cTn id="20" fill="hold">
+                            <p:stCondLst>
+                              <p:cond delay="0"/>
+                            </p:stCondLst>
+                            <p:childTnLst>
+                              <p:par>
+                                <p:cTn id="21" presetID="1" presetClass="entr" presetSubtype="0" fill="hold" nodeType="clickEffect">
+                                  <p:stCondLst>
+                                    <p:cond delay="0"/>
+                                  </p:stCondLst>
+                                  <p:childTnLst>
+                                    <p:set>
+                                      <p:cBhvr>
+                                        <p:cTn id="22" dur="1" fill="hold">
+                                          <p:stCondLst>
+                                            <p:cond delay="0"/>
+                                          </p:stCondLst>
+                                        </p:cTn>
+                                        <p:tgtEl>
+                                          <p:spTgt spid="18">
+                                            <p:txEl>
+                                              <p:pRg st="4" end="4"/>
+                                            </p:txEl>
+                                          </p:spTgt>
+                                        </p:tgtEl>
+                                        <p:attrNameLst>
+                                          <p:attrName>style.visibility</p:attrName>
+                                        </p:attrNameLst>
+                                      </p:cBhvr>
+                                      <p:to>
+                                        <p:strVal val="visible"/>
+                                      </p:to>
+                                    </p:set>
+                                  </p:childTnLst>
+                                </p:cTn>
+                              </p:par>
+                            </p:childTnLst>
+                          </p:cTn>
+                        </p:par>
+                      </p:childTnLst>
+                    </p:cTn>
+                  </p:par>
+                  <p:par>
+                    <p:cTn id="23" fill="hold">
+                      <p:stCondLst>
+                        <p:cond delay="indefinite"/>
+                      </p:stCondLst>
+                      <p:childTnLst>
+                        <p:par>
+                          <p:cTn id="24" fill="hold">
+                            <p:stCondLst>
+                              <p:cond delay="0"/>
+                            </p:stCondLst>
+                            <p:childTnLst>
+                              <p:par>
+                                <p:cTn id="25" presetID="1" presetClass="entr" presetSubtype="0" fill="hold" grpId="0" nodeType="clickEffect">
+                                  <p:stCondLst>
+                                    <p:cond delay="0"/>
+                                  </p:stCondLst>
+                                  <p:childTnLst>
+                                    <p:set>
+                                      <p:cBhvr>
+                                        <p:cTn id="26" dur="1" fill="hold">
+                                          <p:stCondLst>
+                                            <p:cond delay="0"/>
+                                          </p:stCondLst>
+                                        </p:cTn>
+                                        <p:tgtEl>
+                                          <p:spTgt spid="16"/>
+                                        </p:tgtEl>
+                                        <p:attrNameLst>
+                                          <p:attrName>style.visibility</p:attrName>
+                                        </p:attrNameLst>
+                                      </p:cBhvr>
+                                      <p:to>
+                                        <p:strVal val="visible"/>
+                                      </p:to>
+                                    </p:set>
+                                  </p:childTnLst>
+                                </p:cTn>
+                              </p:par>
+                              <p:par>
+                                <p:cTn id="27" presetID="1" presetClass="entr" presetSubtype="0" fill="hold" grpId="0" nodeType="withEffect">
+                                  <p:stCondLst>
+                                    <p:cond delay="0"/>
+                                  </p:stCondLst>
+                                  <p:childTnLst>
+                                    <p:set>
+                                      <p:cBhvr>
+                                        <p:cTn id="28" dur="1" fill="hold">
+                                          <p:stCondLst>
+                                            <p:cond delay="0"/>
+                                          </p:stCondLst>
+                                        </p:cTn>
+                                        <p:tgtEl>
+                                          <p:spTgt spid="15"/>
+                                        </p:tgtEl>
+                                        <p:attrNameLst>
+                                          <p:attrName>style.visibility</p:attrName>
+                                        </p:attrNameLst>
+                                      </p:cBhvr>
+                                      <p:to>
+                                        <p:strVal val="visible"/>
+                                      </p:to>
+                                    </p:set>
+                                  </p:childTnLst>
+                                </p:cTn>
+                              </p:par>
+                              <p:par>
+                                <p:cTn id="29" presetID="1" presetClass="entr" presetSubtype="0" fill="hold" grpId="0" nodeType="withEffect">
+                                  <p:stCondLst>
+                                    <p:cond delay="0"/>
+                                  </p:stCondLst>
+                                  <p:childTnLst>
+                                    <p:set>
+                                      <p:cBhvr>
+                                        <p:cTn id="30" dur="1" fill="hold">
+                                          <p:stCondLst>
+                                            <p:cond delay="0"/>
+                                          </p:stCondLst>
+                                        </p:cTn>
+                                        <p:tgtEl>
+                                          <p:spTgt spid="17"/>
+                                        </p:tgtEl>
+                                        <p:attrNameLst>
+                                          <p:attrName>style.visibility</p:attrName>
+                                        </p:attrNameLst>
+                                      </p:cBhvr>
+                                      <p:to>
+                                        <p:strVal val="visible"/>
+                                      </p:to>
+                                    </p:set>
+                                  </p:childTnLst>
+                                </p:cTn>
+                              </p:par>
+                              <p:par>
+                                <p:cTn id="31" presetID="1" presetClass="entr" presetSubtype="0" fill="hold" grpId="0" nodeType="withEffect">
+                                  <p:stCondLst>
+                                    <p:cond delay="0"/>
+                                  </p:stCondLst>
+                                  <p:childTnLst>
+                                    <p:set>
+                                      <p:cBhvr>
+                                        <p:cTn id="32" dur="1" fill="hold">
+                                          <p:stCondLst>
+                                            <p:cond delay="0"/>
+                                          </p:stCondLst>
+                                        </p:cTn>
+                                        <p:tgtEl>
+                                          <p:spTgt spid="14"/>
+                                        </p:tgtEl>
+                                        <p:attrNameLst>
+                                          <p:attrName>style.visibility</p:attrName>
+                                        </p:attrNameLst>
+                                      </p:cBhvr>
+                                      <p:to>
+                                        <p:strVal val="visible"/>
+                                      </p:to>
+                                    </p:set>
+                                  </p:childTnLst>
+                                </p:cTn>
+                              </p:par>
+                            </p:childTnLst>
+                          </p:cTn>
+                        </p:par>
+                      </p:childTnLst>
+                    </p:cTn>
+                  </p:par>
+                </p:childTnLst>
+              </p:cTn>
+              <p:prevCondLst>
+                <p:cond evt="onPrev" delay="0">
+                  <p:tgtEl>
+                    <p:sldTgt/>
+                  </p:tgtEl>
+                </p:cond>
+              </p:prevCondLst>
+              <p:nextCondLst>
+                <p:cond evt="onNext" delay="0">
+                  <p:tgtEl>
+                    <p:sldTgt/>
+                  </p:tgtEl>
+                </p:cond>
+              </p:nextCondLst>
+            </p:seq>
+          </p:childTnLst>
+        </p:cTn>
+      </p:par>
+    </p:tnLst>
+    <p:bldLst>
+      <p:bldP spid="9" grpId="0" animBg="1"/>
+      <p:bldP spid="14" grpId="0" animBg="1"/>
+      <p:bldP spid="15" grpId="0" animBg="1"/>
+      <p:bldP spid="16" grpId="0" animBg="1"/>
+      <p:bldP spid="17" grpId="0" animBg="1"/>
+      <p:bldP spid="21" grpId="0" animBg="1"/>
+    </p:bldLst>
+  </p:timing>
 </p:sld>
 </file>
 
@@ -10019,6 +11378,183 @@
   <p:clrMapOvr>
     <a:masterClrMapping/>
   </p:clrMapOvr>
+  <p:timing>
+    <p:tnLst>
+      <p:par>
+        <p:cTn id="1" dur="indefinite" restart="never" nodeType="tmRoot">
+          <p:childTnLst>
+            <p:seq concurrent="1" nextAc="seek">
+              <p:cTn id="2" dur="indefinite" nodeType="mainSeq">
+                <p:childTnLst>
+                  <p:par>
+                    <p:cTn id="3" fill="hold">
+                      <p:stCondLst>
+                        <p:cond delay="indefinite"/>
+                      </p:stCondLst>
+                      <p:childTnLst>
+                        <p:par>
+                          <p:cTn id="4" fill="hold">
+                            <p:stCondLst>
+                              <p:cond delay="0"/>
+                            </p:stCondLst>
+                            <p:childTnLst>
+                              <p:par>
+                                <p:cTn id="5" presetID="1" presetClass="entr" presetSubtype="0" fill="hold" nodeType="clickEffect">
+                                  <p:stCondLst>
+                                    <p:cond delay="0"/>
+                                  </p:stCondLst>
+                                  <p:childTnLst>
+                                    <p:set>
+                                      <p:cBhvr>
+                                        <p:cTn id="6" dur="1" fill="hold">
+                                          <p:stCondLst>
+                                            <p:cond delay="0"/>
+                                          </p:stCondLst>
+                                        </p:cTn>
+                                        <p:tgtEl>
+                                          <p:spTgt spid="18">
+                                            <p:txEl>
+                                              <p:pRg st="1" end="1"/>
+                                            </p:txEl>
+                                          </p:spTgt>
+                                        </p:tgtEl>
+                                        <p:attrNameLst>
+                                          <p:attrName>style.visibility</p:attrName>
+                                        </p:attrNameLst>
+                                      </p:cBhvr>
+                                      <p:to>
+                                        <p:strVal val="visible"/>
+                                      </p:to>
+                                    </p:set>
+                                  </p:childTnLst>
+                                </p:cTn>
+                              </p:par>
+                            </p:childTnLst>
+                          </p:cTn>
+                        </p:par>
+                      </p:childTnLst>
+                    </p:cTn>
+                  </p:par>
+                  <p:par>
+                    <p:cTn id="7" fill="hold">
+                      <p:stCondLst>
+                        <p:cond delay="indefinite"/>
+                      </p:stCondLst>
+                      <p:childTnLst>
+                        <p:par>
+                          <p:cTn id="8" fill="hold">
+                            <p:stCondLst>
+                              <p:cond delay="0"/>
+                            </p:stCondLst>
+                            <p:childTnLst>
+                              <p:par>
+                                <p:cTn id="9" presetID="1" presetClass="entr" presetSubtype="0" fill="hold" nodeType="clickEffect">
+                                  <p:stCondLst>
+                                    <p:cond delay="0"/>
+                                  </p:stCondLst>
+                                  <p:childTnLst>
+                                    <p:set>
+                                      <p:cBhvr>
+                                        <p:cTn id="10" dur="1" fill="hold">
+                                          <p:stCondLst>
+                                            <p:cond delay="0"/>
+                                          </p:stCondLst>
+                                        </p:cTn>
+                                        <p:tgtEl>
+                                          <p:spTgt spid="18">
+                                            <p:txEl>
+                                              <p:pRg st="2" end="2"/>
+                                            </p:txEl>
+                                          </p:spTgt>
+                                        </p:tgtEl>
+                                        <p:attrNameLst>
+                                          <p:attrName>style.visibility</p:attrName>
+                                        </p:attrNameLst>
+                                      </p:cBhvr>
+                                      <p:to>
+                                        <p:strVal val="visible"/>
+                                      </p:to>
+                                    </p:set>
+                                  </p:childTnLst>
+                                </p:cTn>
+                              </p:par>
+                            </p:childTnLst>
+                          </p:cTn>
+                        </p:par>
+                      </p:childTnLst>
+                    </p:cTn>
+                  </p:par>
+                  <p:par>
+                    <p:cTn id="11" fill="hold">
+                      <p:stCondLst>
+                        <p:cond delay="indefinite"/>
+                      </p:stCondLst>
+                      <p:childTnLst>
+                        <p:par>
+                          <p:cTn id="12" fill="hold">
+                            <p:stCondLst>
+                              <p:cond delay="0"/>
+                            </p:stCondLst>
+                            <p:childTnLst>
+                              <p:par>
+                                <p:cTn id="13" presetID="1" presetClass="entr" presetSubtype="0" fill="hold" nodeType="clickEffect">
+                                  <p:stCondLst>
+                                    <p:cond delay="0"/>
+                                  </p:stCondLst>
+                                  <p:childTnLst>
+                                    <p:set>
+                                      <p:cBhvr>
+                                        <p:cTn id="14" dur="1" fill="hold">
+                                          <p:stCondLst>
+                                            <p:cond delay="0"/>
+                                          </p:stCondLst>
+                                        </p:cTn>
+                                        <p:tgtEl>
+                                          <p:spTgt spid="18">
+                                            <p:txEl>
+                                              <p:pRg st="3" end="3"/>
+                                            </p:txEl>
+                                          </p:spTgt>
+                                        </p:tgtEl>
+                                        <p:attrNameLst>
+                                          <p:attrName>style.visibility</p:attrName>
+                                        </p:attrNameLst>
+                                      </p:cBhvr>
+                                      <p:to>
+                                        <p:strVal val="visible"/>
+                                      </p:to>
+                                    </p:set>
+                                  </p:childTnLst>
+                                </p:cTn>
+                              </p:par>
+                            </p:childTnLst>
+                          </p:cTn>
+                        </p:par>
+                      </p:childTnLst>
+                    </p:cTn>
+                  </p:par>
+                </p:childTnLst>
+              </p:cTn>
+              <p:prevCondLst>
+                <p:cond evt="onPrev" delay="0">
+                  <p:tgtEl>
+                    <p:sldTgt/>
+                  </p:tgtEl>
+                </p:cond>
+              </p:prevCondLst>
+              <p:nextCondLst>
+                <p:cond evt="onNext" delay="0">
+                  <p:tgtEl>
+                    <p:sldTgt/>
+                  </p:tgtEl>
+                </p:cond>
+              </p:nextCondLst>
+            </p:seq>
+          </p:childTnLst>
+        </p:cTn>
+      </p:par>
+    </p:tnLst>
+  </p:timing>
 </p:sld>
 </file>
 
@@ -10824,6 +12360,322 @@
   <p:clrMapOvr>
     <a:masterClrMapping/>
   </p:clrMapOvr>
+  <p:timing>
+    <p:tnLst>
+      <p:par>
+        <p:cTn id="1" dur="indefinite" restart="never" nodeType="tmRoot">
+          <p:childTnLst>
+            <p:seq concurrent="1" nextAc="seek">
+              <p:cTn id="2" dur="indefinite" nodeType="mainSeq">
+                <p:childTnLst>
+                  <p:par>
+                    <p:cTn id="3" fill="hold">
+                      <p:stCondLst>
+                        <p:cond delay="indefinite"/>
+                      </p:stCondLst>
+                      <p:childTnLst>
+                        <p:par>
+                          <p:cTn id="4" fill="hold">
+                            <p:stCondLst>
+                              <p:cond delay="0"/>
+                            </p:stCondLst>
+                            <p:childTnLst>
+                              <p:par>
+                                <p:cTn id="5" presetID="1" presetClass="entr" presetSubtype="0" fill="hold" nodeType="clickEffect">
+                                  <p:stCondLst>
+                                    <p:cond delay="0"/>
+                                  </p:stCondLst>
+                                  <p:childTnLst>
+                                    <p:set>
+                                      <p:cBhvr>
+                                        <p:cTn id="6" dur="1" fill="hold">
+                                          <p:stCondLst>
+                                            <p:cond delay="0"/>
+                                          </p:stCondLst>
+                                        </p:cTn>
+                                        <p:tgtEl>
+                                          <p:spTgt spid="18">
+                                            <p:txEl>
+                                              <p:pRg st="0" end="0"/>
+                                            </p:txEl>
+                                          </p:spTgt>
+                                        </p:tgtEl>
+                                        <p:attrNameLst>
+                                          <p:attrName>style.visibility</p:attrName>
+                                        </p:attrNameLst>
+                                      </p:cBhvr>
+                                      <p:to>
+                                        <p:strVal val="visible"/>
+                                      </p:to>
+                                    </p:set>
+                                  </p:childTnLst>
+                                </p:cTn>
+                              </p:par>
+                            </p:childTnLst>
+                          </p:cTn>
+                        </p:par>
+                      </p:childTnLst>
+                    </p:cTn>
+                  </p:par>
+                  <p:par>
+                    <p:cTn id="7" fill="hold">
+                      <p:stCondLst>
+                        <p:cond delay="indefinite"/>
+                      </p:stCondLst>
+                      <p:childTnLst>
+                        <p:par>
+                          <p:cTn id="8" fill="hold">
+                            <p:stCondLst>
+                              <p:cond delay="0"/>
+                            </p:stCondLst>
+                            <p:childTnLst>
+                              <p:par>
+                                <p:cTn id="9" presetID="1" presetClass="entr" presetSubtype="0" fill="hold" nodeType="clickEffect">
+                                  <p:stCondLst>
+                                    <p:cond delay="0"/>
+                                  </p:stCondLst>
+                                  <p:childTnLst>
+                                    <p:set>
+                                      <p:cBhvr>
+                                        <p:cTn id="10" dur="1" fill="hold">
+                                          <p:stCondLst>
+                                            <p:cond delay="0"/>
+                                          </p:stCondLst>
+                                        </p:cTn>
+                                        <p:tgtEl>
+                                          <p:spTgt spid="13"/>
+                                        </p:tgtEl>
+                                        <p:attrNameLst>
+                                          <p:attrName>style.visibility</p:attrName>
+                                        </p:attrNameLst>
+                                      </p:cBhvr>
+                                      <p:to>
+                                        <p:strVal val="visible"/>
+                                      </p:to>
+                                    </p:set>
+                                  </p:childTnLst>
+                                </p:cTn>
+                              </p:par>
+                            </p:childTnLst>
+                          </p:cTn>
+                        </p:par>
+                      </p:childTnLst>
+                    </p:cTn>
+                  </p:par>
+                  <p:par>
+                    <p:cTn id="11" fill="hold">
+                      <p:stCondLst>
+                        <p:cond delay="indefinite"/>
+                      </p:stCondLst>
+                      <p:childTnLst>
+                        <p:par>
+                          <p:cTn id="12" fill="hold">
+                            <p:stCondLst>
+                              <p:cond delay="0"/>
+                            </p:stCondLst>
+                            <p:childTnLst>
+                              <p:par>
+                                <p:cTn id="13" presetID="1" presetClass="entr" presetSubtype="0" fill="hold" nodeType="clickEffect">
+                                  <p:stCondLst>
+                                    <p:cond delay="0"/>
+                                  </p:stCondLst>
+                                  <p:childTnLst>
+                                    <p:set>
+                                      <p:cBhvr>
+                                        <p:cTn id="14" dur="1" fill="hold">
+                                          <p:stCondLst>
+                                            <p:cond delay="0"/>
+                                          </p:stCondLst>
+                                        </p:cTn>
+                                        <p:tgtEl>
+                                          <p:spTgt spid="3"/>
+                                        </p:tgtEl>
+                                        <p:attrNameLst>
+                                          <p:attrName>style.visibility</p:attrName>
+                                        </p:attrNameLst>
+                                      </p:cBhvr>
+                                      <p:to>
+                                        <p:strVal val="visible"/>
+                                      </p:to>
+                                    </p:set>
+                                  </p:childTnLst>
+                                </p:cTn>
+                              </p:par>
+                            </p:childTnLst>
+                          </p:cTn>
+                        </p:par>
+                      </p:childTnLst>
+                    </p:cTn>
+                  </p:par>
+                  <p:par>
+                    <p:cTn id="15" fill="hold">
+                      <p:stCondLst>
+                        <p:cond delay="indefinite"/>
+                      </p:stCondLst>
+                      <p:childTnLst>
+                        <p:par>
+                          <p:cTn id="16" fill="hold">
+                            <p:stCondLst>
+                              <p:cond delay="0"/>
+                            </p:stCondLst>
+                            <p:childTnLst>
+                              <p:par>
+                                <p:cTn id="17" presetID="1" presetClass="entr" presetSubtype="0" fill="hold" nodeType="clickEffect">
+                                  <p:stCondLst>
+                                    <p:cond delay="0"/>
+                                  </p:stCondLst>
+                                  <p:childTnLst>
+                                    <p:set>
+                                      <p:cBhvr>
+                                        <p:cTn id="18" dur="1" fill="hold">
+                                          <p:stCondLst>
+                                            <p:cond delay="0"/>
+                                          </p:stCondLst>
+                                        </p:cTn>
+                                        <p:tgtEl>
+                                          <p:spTgt spid="18">
+                                            <p:txEl>
+                                              <p:pRg st="2" end="2"/>
+                                            </p:txEl>
+                                          </p:spTgt>
+                                        </p:tgtEl>
+                                        <p:attrNameLst>
+                                          <p:attrName>style.visibility</p:attrName>
+                                        </p:attrNameLst>
+                                      </p:cBhvr>
+                                      <p:to>
+                                        <p:strVal val="visible"/>
+                                      </p:to>
+                                    </p:set>
+                                  </p:childTnLst>
+                                </p:cTn>
+                              </p:par>
+                            </p:childTnLst>
+                          </p:cTn>
+                        </p:par>
+                      </p:childTnLst>
+                    </p:cTn>
+                  </p:par>
+                  <p:par>
+                    <p:cTn id="19" fill="hold">
+                      <p:stCondLst>
+                        <p:cond delay="indefinite"/>
+                      </p:stCondLst>
+                      <p:childTnLst>
+                        <p:par>
+                          <p:cTn id="20" fill="hold">
+                            <p:stCondLst>
+                              <p:cond delay="0"/>
+                            </p:stCondLst>
+                            <p:childTnLst>
+                              <p:par>
+                                <p:cTn id="21" presetID="1" presetClass="entr" presetSubtype="0" fill="hold" nodeType="clickEffect">
+                                  <p:stCondLst>
+                                    <p:cond delay="0"/>
+                                  </p:stCondLst>
+                                  <p:childTnLst>
+                                    <p:set>
+                                      <p:cBhvr>
+                                        <p:cTn id="22" dur="1" fill="hold">
+                                          <p:stCondLst>
+                                            <p:cond delay="0"/>
+                                          </p:stCondLst>
+                                        </p:cTn>
+                                        <p:tgtEl>
+                                          <p:spTgt spid="18">
+                                            <p:txEl>
+                                              <p:pRg st="3" end="3"/>
+                                            </p:txEl>
+                                          </p:spTgt>
+                                        </p:tgtEl>
+                                        <p:attrNameLst>
+                                          <p:attrName>style.visibility</p:attrName>
+                                        </p:attrNameLst>
+                                      </p:cBhvr>
+                                      <p:to>
+                                        <p:strVal val="visible"/>
+                                      </p:to>
+                                    </p:set>
+                                  </p:childTnLst>
+                                </p:cTn>
+                              </p:par>
+                            </p:childTnLst>
+                          </p:cTn>
+                        </p:par>
+                      </p:childTnLst>
+                    </p:cTn>
+                  </p:par>
+                  <p:par>
+                    <p:cTn id="23" fill="hold">
+                      <p:stCondLst>
+                        <p:cond delay="indefinite"/>
+                      </p:stCondLst>
+                      <p:childTnLst>
+                        <p:par>
+                          <p:cTn id="24" fill="hold">
+                            <p:stCondLst>
+                              <p:cond delay="0"/>
+                            </p:stCondLst>
+                            <p:childTnLst>
+                              <p:par>
+                                <p:cTn id="25" presetID="1" presetClass="entr" presetSubtype="0" fill="hold" nodeType="clickEffect">
+                                  <p:stCondLst>
+                                    <p:cond delay="0"/>
+                                  </p:stCondLst>
+                                  <p:childTnLst>
+                                    <p:set>
+                                      <p:cBhvr>
+                                        <p:cTn id="26" dur="1" fill="hold">
+                                          <p:stCondLst>
+                                            <p:cond delay="0"/>
+                                          </p:stCondLst>
+                                        </p:cTn>
+                                        <p:tgtEl>
+                                          <p:spTgt spid="18">
+                                            <p:txEl>
+                                              <p:pRg st="4" end="4"/>
+                                            </p:txEl>
+                                          </p:spTgt>
+                                        </p:tgtEl>
+                                        <p:attrNameLst>
+                                          <p:attrName>style.visibility</p:attrName>
+                                        </p:attrNameLst>
+                                      </p:cBhvr>
+                                      <p:to>
+                                        <p:strVal val="visible"/>
+                                      </p:to>
+                                    </p:set>
+                                  </p:childTnLst>
+                                </p:cTn>
+                              </p:par>
+                            </p:childTnLst>
+                          </p:cTn>
+                        </p:par>
+                      </p:childTnLst>
+                    </p:cTn>
+                  </p:par>
+                </p:childTnLst>
+              </p:cTn>
+              <p:prevCondLst>
+                <p:cond evt="onPrev" delay="0">
+                  <p:tgtEl>
+                    <p:sldTgt/>
+                  </p:tgtEl>
+                </p:cond>
+              </p:prevCondLst>
+              <p:nextCondLst>
+                <p:cond evt="onNext" delay="0">
+                  <p:tgtEl>
+                    <p:sldTgt/>
+                  </p:tgtEl>
+                </p:cond>
+              </p:nextCondLst>
+            </p:seq>
+          </p:childTnLst>
+        </p:cTn>
+      </p:par>
+    </p:tnLst>
+  </p:timing>
 </p:sld>
 </file>
 
@@ -11982,6 +13834,494 @@
   <p:clrMapOvr>
     <a:masterClrMapping/>
   </p:clrMapOvr>
+  <p:timing>
+    <p:tnLst>
+      <p:par>
+        <p:cTn id="1" dur="indefinite" restart="never" nodeType="tmRoot">
+          <p:childTnLst>
+            <p:seq concurrent="1" nextAc="seek">
+              <p:cTn id="2" dur="indefinite" nodeType="mainSeq">
+                <p:childTnLst>
+                  <p:par>
+                    <p:cTn id="3" fill="hold">
+                      <p:stCondLst>
+                        <p:cond delay="indefinite"/>
+                      </p:stCondLst>
+                      <p:childTnLst>
+                        <p:par>
+                          <p:cTn id="4" fill="hold">
+                            <p:stCondLst>
+                              <p:cond delay="0"/>
+                            </p:stCondLst>
+                            <p:childTnLst>
+                              <p:par>
+                                <p:cTn id="5" presetID="1" presetClass="entr" presetSubtype="0" fill="hold" nodeType="clickEffect">
+                                  <p:stCondLst>
+                                    <p:cond delay="0"/>
+                                  </p:stCondLst>
+                                  <p:childTnLst>
+                                    <p:set>
+                                      <p:cBhvr>
+                                        <p:cTn id="6" dur="1" fill="hold">
+                                          <p:stCondLst>
+                                            <p:cond delay="0"/>
+                                          </p:stCondLst>
+                                        </p:cTn>
+                                        <p:tgtEl>
+                                          <p:spTgt spid="14"/>
+                                        </p:tgtEl>
+                                        <p:attrNameLst>
+                                          <p:attrName>style.visibility</p:attrName>
+                                        </p:attrNameLst>
+                                      </p:cBhvr>
+                                      <p:to>
+                                        <p:strVal val="visible"/>
+                                      </p:to>
+                                    </p:set>
+                                  </p:childTnLst>
+                                </p:cTn>
+                              </p:par>
+                              <p:par>
+                                <p:cTn id="7" presetID="1" presetClass="entr" presetSubtype="0" fill="hold" grpId="0" nodeType="withEffect">
+                                  <p:stCondLst>
+                                    <p:cond delay="0"/>
+                                  </p:stCondLst>
+                                  <p:childTnLst>
+                                    <p:set>
+                                      <p:cBhvr>
+                                        <p:cTn id="8" dur="1" fill="hold">
+                                          <p:stCondLst>
+                                            <p:cond delay="0"/>
+                                          </p:stCondLst>
+                                        </p:cTn>
+                                        <p:tgtEl>
+                                          <p:spTgt spid="4"/>
+                                        </p:tgtEl>
+                                        <p:attrNameLst>
+                                          <p:attrName>style.visibility</p:attrName>
+                                        </p:attrNameLst>
+                                      </p:cBhvr>
+                                      <p:to>
+                                        <p:strVal val="visible"/>
+                                      </p:to>
+                                    </p:set>
+                                  </p:childTnLst>
+                                </p:cTn>
+                              </p:par>
+                            </p:childTnLst>
+                          </p:cTn>
+                        </p:par>
+                      </p:childTnLst>
+                    </p:cTn>
+                  </p:par>
+                  <p:par>
+                    <p:cTn id="9" fill="hold">
+                      <p:stCondLst>
+                        <p:cond delay="indefinite"/>
+                      </p:stCondLst>
+                      <p:childTnLst>
+                        <p:par>
+                          <p:cTn id="10" fill="hold">
+                            <p:stCondLst>
+                              <p:cond delay="0"/>
+                            </p:stCondLst>
+                            <p:childTnLst>
+                              <p:par>
+                                <p:cTn id="11" presetID="1" presetClass="entr" presetSubtype="0" fill="hold" nodeType="clickEffect">
+                                  <p:stCondLst>
+                                    <p:cond delay="0"/>
+                                  </p:stCondLst>
+                                  <p:childTnLst>
+                                    <p:set>
+                                      <p:cBhvr>
+                                        <p:cTn id="12" dur="1" fill="hold">
+                                          <p:stCondLst>
+                                            <p:cond delay="0"/>
+                                          </p:stCondLst>
+                                        </p:cTn>
+                                        <p:tgtEl>
+                                          <p:spTgt spid="20"/>
+                                        </p:tgtEl>
+                                        <p:attrNameLst>
+                                          <p:attrName>style.visibility</p:attrName>
+                                        </p:attrNameLst>
+                                      </p:cBhvr>
+                                      <p:to>
+                                        <p:strVal val="visible"/>
+                                      </p:to>
+                                    </p:set>
+                                  </p:childTnLst>
+                                </p:cTn>
+                              </p:par>
+                              <p:par>
+                                <p:cTn id="13" presetID="1" presetClass="entr" presetSubtype="0" fill="hold" nodeType="withEffect">
+                                  <p:stCondLst>
+                                    <p:cond delay="0"/>
+                                  </p:stCondLst>
+                                  <p:childTnLst>
+                                    <p:set>
+                                      <p:cBhvr>
+                                        <p:cTn id="14" dur="1" fill="hold">
+                                          <p:stCondLst>
+                                            <p:cond delay="0"/>
+                                          </p:stCondLst>
+                                        </p:cTn>
+                                        <p:tgtEl>
+                                          <p:spTgt spid="7"/>
+                                        </p:tgtEl>
+                                        <p:attrNameLst>
+                                          <p:attrName>style.visibility</p:attrName>
+                                        </p:attrNameLst>
+                                      </p:cBhvr>
+                                      <p:to>
+                                        <p:strVal val="visible"/>
+                                      </p:to>
+                                    </p:set>
+                                  </p:childTnLst>
+                                </p:cTn>
+                              </p:par>
+                              <p:par>
+                                <p:cTn id="15" presetID="1" presetClass="entr" presetSubtype="0" fill="hold" grpId="0" nodeType="withEffect">
+                                  <p:stCondLst>
+                                    <p:cond delay="0"/>
+                                  </p:stCondLst>
+                                  <p:childTnLst>
+                                    <p:set>
+                                      <p:cBhvr>
+                                        <p:cTn id="16" dur="1" fill="hold">
+                                          <p:stCondLst>
+                                            <p:cond delay="0"/>
+                                          </p:stCondLst>
+                                        </p:cTn>
+                                        <p:tgtEl>
+                                          <p:spTgt spid="5"/>
+                                        </p:tgtEl>
+                                        <p:attrNameLst>
+                                          <p:attrName>style.visibility</p:attrName>
+                                        </p:attrNameLst>
+                                      </p:cBhvr>
+                                      <p:to>
+                                        <p:strVal val="visible"/>
+                                      </p:to>
+                                    </p:set>
+                                  </p:childTnLst>
+                                </p:cTn>
+                              </p:par>
+                              <p:par>
+                                <p:cTn id="17" presetID="1" presetClass="entr" presetSubtype="0" fill="hold" grpId="0" nodeType="withEffect">
+                                  <p:stCondLst>
+                                    <p:cond delay="0"/>
+                                  </p:stCondLst>
+                                  <p:childTnLst>
+                                    <p:set>
+                                      <p:cBhvr>
+                                        <p:cTn id="18" dur="1" fill="hold">
+                                          <p:stCondLst>
+                                            <p:cond delay="0"/>
+                                          </p:stCondLst>
+                                        </p:cTn>
+                                        <p:tgtEl>
+                                          <p:spTgt spid="15"/>
+                                        </p:tgtEl>
+                                        <p:attrNameLst>
+                                          <p:attrName>style.visibility</p:attrName>
+                                        </p:attrNameLst>
+                                      </p:cBhvr>
+                                      <p:to>
+                                        <p:strVal val="visible"/>
+                                      </p:to>
+                                    </p:set>
+                                  </p:childTnLst>
+                                </p:cTn>
+                              </p:par>
+                            </p:childTnLst>
+                          </p:cTn>
+                        </p:par>
+                      </p:childTnLst>
+                    </p:cTn>
+                  </p:par>
+                  <p:par>
+                    <p:cTn id="19" fill="hold">
+                      <p:stCondLst>
+                        <p:cond delay="indefinite"/>
+                      </p:stCondLst>
+                      <p:childTnLst>
+                        <p:par>
+                          <p:cTn id="20" fill="hold">
+                            <p:stCondLst>
+                              <p:cond delay="0"/>
+                            </p:stCondLst>
+                            <p:childTnLst>
+                              <p:par>
+                                <p:cTn id="21" presetID="1" presetClass="entr" presetSubtype="0" fill="hold" nodeType="clickEffect">
+                                  <p:stCondLst>
+                                    <p:cond delay="0"/>
+                                  </p:stCondLst>
+                                  <p:childTnLst>
+                                    <p:set>
+                                      <p:cBhvr>
+                                        <p:cTn id="22" dur="1" fill="hold">
+                                          <p:stCondLst>
+                                            <p:cond delay="0"/>
+                                          </p:stCondLst>
+                                        </p:cTn>
+                                        <p:tgtEl>
+                                          <p:spTgt spid="22"/>
+                                        </p:tgtEl>
+                                        <p:attrNameLst>
+                                          <p:attrName>style.visibility</p:attrName>
+                                        </p:attrNameLst>
+                                      </p:cBhvr>
+                                      <p:to>
+                                        <p:strVal val="visible"/>
+                                      </p:to>
+                                    </p:set>
+                                  </p:childTnLst>
+                                </p:cTn>
+                              </p:par>
+                              <p:par>
+                                <p:cTn id="23" presetID="1" presetClass="entr" presetSubtype="0" fill="hold" nodeType="withEffect">
+                                  <p:stCondLst>
+                                    <p:cond delay="0"/>
+                                  </p:stCondLst>
+                                  <p:childTnLst>
+                                    <p:set>
+                                      <p:cBhvr>
+                                        <p:cTn id="24" dur="1" fill="hold">
+                                          <p:stCondLst>
+                                            <p:cond delay="0"/>
+                                          </p:stCondLst>
+                                        </p:cTn>
+                                        <p:tgtEl>
+                                          <p:spTgt spid="25"/>
+                                        </p:tgtEl>
+                                        <p:attrNameLst>
+                                          <p:attrName>style.visibility</p:attrName>
+                                        </p:attrNameLst>
+                                      </p:cBhvr>
+                                      <p:to>
+                                        <p:strVal val="visible"/>
+                                      </p:to>
+                                    </p:set>
+                                  </p:childTnLst>
+                                </p:cTn>
+                              </p:par>
+                              <p:par>
+                                <p:cTn id="25" presetID="1" presetClass="entr" presetSubtype="0" fill="hold" grpId="0" nodeType="withEffect">
+                                  <p:stCondLst>
+                                    <p:cond delay="0"/>
+                                  </p:stCondLst>
+                                  <p:childTnLst>
+                                    <p:set>
+                                      <p:cBhvr>
+                                        <p:cTn id="26" dur="1" fill="hold">
+                                          <p:stCondLst>
+                                            <p:cond delay="0"/>
+                                          </p:stCondLst>
+                                        </p:cTn>
+                                        <p:tgtEl>
+                                          <p:spTgt spid="30"/>
+                                        </p:tgtEl>
+                                        <p:attrNameLst>
+                                          <p:attrName>style.visibility</p:attrName>
+                                        </p:attrNameLst>
+                                      </p:cBhvr>
+                                      <p:to>
+                                        <p:strVal val="visible"/>
+                                      </p:to>
+                                    </p:set>
+                                  </p:childTnLst>
+                                </p:cTn>
+                              </p:par>
+                            </p:childTnLst>
+                          </p:cTn>
+                        </p:par>
+                      </p:childTnLst>
+                    </p:cTn>
+                  </p:par>
+                  <p:par>
+                    <p:cTn id="27" fill="hold">
+                      <p:stCondLst>
+                        <p:cond delay="indefinite"/>
+                      </p:stCondLst>
+                      <p:childTnLst>
+                        <p:par>
+                          <p:cTn id="28" fill="hold">
+                            <p:stCondLst>
+                              <p:cond delay="0"/>
+                            </p:stCondLst>
+                            <p:childTnLst>
+                              <p:par>
+                                <p:cTn id="29" presetID="1" presetClass="entr" presetSubtype="0" fill="hold" nodeType="clickEffect">
+                                  <p:stCondLst>
+                                    <p:cond delay="0"/>
+                                  </p:stCondLst>
+                                  <p:childTnLst>
+                                    <p:set>
+                                      <p:cBhvr>
+                                        <p:cTn id="30" dur="1" fill="hold">
+                                          <p:stCondLst>
+                                            <p:cond delay="0"/>
+                                          </p:stCondLst>
+                                        </p:cTn>
+                                        <p:tgtEl>
+                                          <p:spTgt spid="28"/>
+                                        </p:tgtEl>
+                                        <p:attrNameLst>
+                                          <p:attrName>style.visibility</p:attrName>
+                                        </p:attrNameLst>
+                                      </p:cBhvr>
+                                      <p:to>
+                                        <p:strVal val="visible"/>
+                                      </p:to>
+                                    </p:set>
+                                  </p:childTnLst>
+                                </p:cTn>
+                              </p:par>
+                              <p:par>
+                                <p:cTn id="31" presetID="1" presetClass="entr" presetSubtype="0" fill="hold" nodeType="withEffect">
+                                  <p:stCondLst>
+                                    <p:cond delay="0"/>
+                                  </p:stCondLst>
+                                  <p:childTnLst>
+                                    <p:set>
+                                      <p:cBhvr>
+                                        <p:cTn id="32" dur="1" fill="hold">
+                                          <p:stCondLst>
+                                            <p:cond delay="0"/>
+                                          </p:stCondLst>
+                                        </p:cTn>
+                                        <p:tgtEl>
+                                          <p:spTgt spid="17"/>
+                                        </p:tgtEl>
+                                        <p:attrNameLst>
+                                          <p:attrName>style.visibility</p:attrName>
+                                        </p:attrNameLst>
+                                      </p:cBhvr>
+                                      <p:to>
+                                        <p:strVal val="visible"/>
+                                      </p:to>
+                                    </p:set>
+                                  </p:childTnLst>
+                                </p:cTn>
+                              </p:par>
+                              <p:par>
+                                <p:cTn id="33" presetID="1" presetClass="entr" presetSubtype="0" fill="hold" grpId="0" nodeType="withEffect">
+                                  <p:stCondLst>
+                                    <p:cond delay="0"/>
+                                  </p:stCondLst>
+                                  <p:childTnLst>
+                                    <p:set>
+                                      <p:cBhvr>
+                                        <p:cTn id="34" dur="1" fill="hold">
+                                          <p:stCondLst>
+                                            <p:cond delay="0"/>
+                                          </p:stCondLst>
+                                        </p:cTn>
+                                        <p:tgtEl>
+                                          <p:spTgt spid="19"/>
+                                        </p:tgtEl>
+                                        <p:attrNameLst>
+                                          <p:attrName>style.visibility</p:attrName>
+                                        </p:attrNameLst>
+                                      </p:cBhvr>
+                                      <p:to>
+                                        <p:strVal val="visible"/>
+                                      </p:to>
+                                    </p:set>
+                                  </p:childTnLst>
+                                </p:cTn>
+                              </p:par>
+                              <p:par>
+                                <p:cTn id="35" presetID="1" presetClass="entr" presetSubtype="0" fill="hold" nodeType="withEffect">
+                                  <p:stCondLst>
+                                    <p:cond delay="0"/>
+                                  </p:stCondLst>
+                                  <p:childTnLst>
+                                    <p:set>
+                                      <p:cBhvr>
+                                        <p:cTn id="36" dur="1" fill="hold">
+                                          <p:stCondLst>
+                                            <p:cond delay="0"/>
+                                          </p:stCondLst>
+                                        </p:cTn>
+                                        <p:tgtEl>
+                                          <p:spTgt spid="1033"/>
+                                        </p:tgtEl>
+                                        <p:attrNameLst>
+                                          <p:attrName>style.visibility</p:attrName>
+                                        </p:attrNameLst>
+                                      </p:cBhvr>
+                                      <p:to>
+                                        <p:strVal val="visible"/>
+                                      </p:to>
+                                    </p:set>
+                                  </p:childTnLst>
+                                </p:cTn>
+                              </p:par>
+                              <p:par>
+                                <p:cTn id="37" presetID="1" presetClass="entr" presetSubtype="0" fill="hold" grpId="0" nodeType="withEffect">
+                                  <p:stCondLst>
+                                    <p:cond delay="0"/>
+                                  </p:stCondLst>
+                                  <p:childTnLst>
+                                    <p:set>
+                                      <p:cBhvr>
+                                        <p:cTn id="38" dur="1" fill="hold">
+                                          <p:stCondLst>
+                                            <p:cond delay="0"/>
+                                          </p:stCondLst>
+                                        </p:cTn>
+                                        <p:tgtEl>
+                                          <p:spTgt spid="46"/>
+                                        </p:tgtEl>
+                                        <p:attrNameLst>
+                                          <p:attrName>style.visibility</p:attrName>
+                                        </p:attrNameLst>
+                                      </p:cBhvr>
+                                      <p:to>
+                                        <p:strVal val="visible"/>
+                                      </p:to>
+                                    </p:set>
+                                  </p:childTnLst>
+                                </p:cTn>
+                              </p:par>
+                            </p:childTnLst>
+                          </p:cTn>
+                        </p:par>
+                      </p:childTnLst>
+                    </p:cTn>
+                  </p:par>
+                </p:childTnLst>
+              </p:cTn>
+              <p:prevCondLst>
+                <p:cond evt="onPrev" delay="0">
+                  <p:tgtEl>
+                    <p:sldTgt/>
+                  </p:tgtEl>
+                </p:cond>
+              </p:prevCondLst>
+              <p:nextCondLst>
+                <p:cond evt="onNext" delay="0">
+                  <p:tgtEl>
+                    <p:sldTgt/>
+                  </p:tgtEl>
+                </p:cond>
+              </p:nextCondLst>
+            </p:seq>
+          </p:childTnLst>
+        </p:cTn>
+      </p:par>
+    </p:tnLst>
+    <p:bldLst>
+      <p:bldP spid="4" grpId="0"/>
+      <p:bldP spid="5" grpId="0"/>
+      <p:bldP spid="19" grpId="0"/>
+      <p:bldP spid="15" grpId="0"/>
+      <p:bldP spid="30" grpId="0"/>
+      <p:bldP spid="46" grpId="0"/>
+    </p:bldLst>
+  </p:timing>
 </p:sld>
 </file>
 
@@ -12366,7 +14706,7 @@
         <p:spPr>
           <a:xfrm>
             <a:off x="171450" y="1462531"/>
-            <a:ext cx="8032983" cy="5262979"/>
+            <a:ext cx="8032983" cy="5016758"/>
           </a:xfrm>
           <a:prstGeom prst="rect">
             <a:avLst/>
@@ -12384,7 +14724,7 @@
               <a:buChar char="o"/>
             </a:pPr>
             <a:r>
-              <a:rPr lang="en-GB" sz="2400" dirty="0">
+              <a:rPr lang="en-GB" sz="2000" dirty="0">
                 <a:solidFill>
                   <a:schemeClr val="tx1">
                     <a:lumMod val="50000"/>
@@ -12395,7 +14735,7 @@
               <a:t>Accuracy, easy to understand - </a:t>
             </a:r>
             <a:r>
-              <a:rPr lang="en-GB" sz="2400" i="1" dirty="0">
+              <a:rPr lang="en-GB" sz="2000" i="1" dirty="0">
                 <a:solidFill>
                   <a:schemeClr val="tx1">
                     <a:lumMod val="50000"/>
@@ -12406,7 +14746,7 @@
               <a:t>alone</a:t>
             </a:r>
             <a:r>
-              <a:rPr lang="en-GB" sz="2400" dirty="0">
+              <a:rPr lang="en-GB" sz="2000" dirty="0">
                 <a:solidFill>
                   <a:schemeClr val="tx1">
                     <a:lumMod val="50000"/>
@@ -12422,7 +14762,7 @@
               <a:buFont typeface="Courier New" panose="02070309020205020404" pitchFamily="49" charset="0"/>
               <a:buChar char="o"/>
             </a:pPr>
-            <a:endParaRPr lang="en-GB" sz="2400" dirty="0">
+            <a:endParaRPr lang="en-GB" sz="2000" dirty="0">
               <a:solidFill>
                 <a:schemeClr val="tx1">
                   <a:lumMod val="50000"/>
@@ -12437,7 +14777,7 @@
               <a:buChar char="o"/>
             </a:pPr>
             <a:r>
-              <a:rPr lang="en-GB" sz="2400" dirty="0">
+              <a:rPr lang="en-GB" sz="2000" dirty="0">
                 <a:solidFill>
                   <a:schemeClr val="tx1">
                     <a:lumMod val="50000"/>
@@ -12454,7 +14794,7 @@
               <a:buChar char="o"/>
             </a:pPr>
             <a:r>
-              <a:rPr lang="en-GB" sz="2400" b="1" dirty="0">
+              <a:rPr lang="en-GB" sz="2000" b="1" dirty="0">
                 <a:solidFill>
                   <a:schemeClr val="tx1">
                     <a:lumMod val="50000"/>
@@ -12465,7 +14805,7 @@
               <a:t>What proportion of loan applicants </a:t>
             </a:r>
             <a:r>
-              <a:rPr lang="en-GB" sz="2400" b="1" i="1" dirty="0">
+              <a:rPr lang="en-GB" sz="2000" b="1" i="1" dirty="0">
                 <a:solidFill>
                   <a:schemeClr val="tx1">
                     <a:lumMod val="50000"/>
@@ -12476,7 +14816,7 @@
               <a:t>actually</a:t>
             </a:r>
             <a:r>
-              <a:rPr lang="en-GB" sz="2400" b="1" dirty="0">
+              <a:rPr lang="en-GB" sz="2000" b="1" dirty="0">
                 <a:solidFill>
                   <a:schemeClr val="tx1">
                     <a:lumMod val="50000"/>
@@ -12492,7 +14832,24 @@
               <a:buFont typeface="Courier New" panose="02070309020205020404" pitchFamily="49" charset="0"/>
               <a:buChar char="o"/>
             </a:pPr>
-            <a:endParaRPr lang="en-GB" sz="2400" b="1" dirty="0">
+            <a:r>
+              <a:rPr lang="en-GB" sz="2000" dirty="0">
+                <a:solidFill>
+                  <a:schemeClr val="tx1">
+                    <a:lumMod val="50000"/>
+                    <a:lumOff val="50000"/>
+                  </a:schemeClr>
+                </a:solidFill>
+              </a:rPr>
+              <a:t>Having a low recall could lead to poor customer experience and decrease in revenue</a:t>
+            </a:r>
+          </a:p>
+          <a:p>
+            <a:pPr marL="742950" lvl="1" indent="-285750">
+              <a:buFont typeface="Courier New" panose="02070309020205020404" pitchFamily="49" charset="0"/>
+              <a:buChar char="o"/>
+            </a:pPr>
+            <a:endParaRPr lang="en-GB" sz="2000" dirty="0">
               <a:solidFill>
                 <a:schemeClr val="tx1">
                   <a:lumMod val="50000"/>
@@ -12507,7 +14864,7 @@
               <a:buChar char="o"/>
             </a:pPr>
             <a:r>
-              <a:rPr lang="en-GB" sz="2400" dirty="0">
+              <a:rPr lang="en-GB" sz="2000" dirty="0">
                 <a:solidFill>
                   <a:schemeClr val="tx1">
                     <a:lumMod val="50000"/>
@@ -12523,7 +14880,7 @@
               <a:buFont typeface="Courier New" panose="02070309020205020404" pitchFamily="49" charset="0"/>
               <a:buChar char="o"/>
             </a:pPr>
-            <a:endParaRPr lang="en-GB" sz="2400" dirty="0">
+            <a:endParaRPr lang="en-GB" sz="2000" dirty="0">
               <a:solidFill>
                 <a:schemeClr val="tx1">
                   <a:lumMod val="50000"/>
@@ -12538,7 +14895,7 @@
               <a:buChar char="o"/>
             </a:pPr>
             <a:r>
-              <a:rPr lang="en-GB" sz="2400" dirty="0">
+              <a:rPr lang="en-GB" sz="2000" dirty="0">
                 <a:solidFill>
                   <a:schemeClr val="tx1">
                     <a:lumMod val="50000"/>
@@ -12549,7 +14906,7 @@
               <a:t>AUC, visual representation of </a:t>
             </a:r>
             <a:r>
-              <a:rPr lang="en-GB" sz="2400" i="1" dirty="0">
+              <a:rPr lang="en-GB" sz="2000" i="1" dirty="0">
                 <a:solidFill>
                   <a:schemeClr val="tx1">
                     <a:lumMod val="50000"/>
@@ -12560,7 +14917,7 @@
               <a:t>recall </a:t>
             </a:r>
             <a:r>
-              <a:rPr lang="en-GB" sz="2400" dirty="0">
+              <a:rPr lang="en-GB" sz="2000" dirty="0">
                 <a:solidFill>
                   <a:schemeClr val="tx1">
                     <a:lumMod val="50000"/>
@@ -12571,7 +14928,7 @@
               <a:t>and </a:t>
             </a:r>
             <a:r>
-              <a:rPr lang="en-GB" sz="2400" i="1" dirty="0">
+              <a:rPr lang="en-GB" sz="2000" i="1" dirty="0">
                 <a:solidFill>
                   <a:schemeClr val="tx1">
                     <a:lumMod val="50000"/>
@@ -12582,7 +14939,7 @@
               <a:t>precision </a:t>
             </a:r>
             <a:r>
-              <a:rPr lang="en-GB" sz="2400" dirty="0">
+              <a:rPr lang="en-GB" sz="2000" dirty="0">
                 <a:solidFill>
                   <a:schemeClr val="tx1">
                     <a:lumMod val="50000"/>
@@ -12598,7 +14955,7 @@
               <a:buFont typeface="Courier New" panose="02070309020205020404" pitchFamily="49" charset="0"/>
               <a:buChar char="o"/>
             </a:pPr>
-            <a:endParaRPr lang="en-GB" sz="2400" dirty="0">
+            <a:endParaRPr lang="en-GB" sz="2000" dirty="0">
               <a:solidFill>
                 <a:schemeClr val="tx1">
                   <a:lumMod val="50000"/>
@@ -12612,7 +14969,7 @@
               <a:buFont typeface="Courier New" panose="02070309020205020404" pitchFamily="49" charset="0"/>
               <a:buChar char="o"/>
             </a:pPr>
-            <a:endParaRPr lang="en-GB" sz="2400" dirty="0">
+            <a:endParaRPr lang="en-GB" sz="2000" dirty="0">
               <a:solidFill>
                 <a:schemeClr val="tx1">
                   <a:lumMod val="50000"/>
@@ -12633,6 +14990,330 @@
   <p:clrMapOvr>
     <a:masterClrMapping/>
   </p:clrMapOvr>
+  <p:timing>
+    <p:tnLst>
+      <p:par>
+        <p:cTn id="1" dur="indefinite" restart="never" nodeType="tmRoot">
+          <p:childTnLst>
+            <p:seq concurrent="1" nextAc="seek">
+              <p:cTn id="2" dur="indefinite" nodeType="mainSeq">
+                <p:childTnLst>
+                  <p:par>
+                    <p:cTn id="3" fill="hold">
+                      <p:stCondLst>
+                        <p:cond delay="indefinite"/>
+                      </p:stCondLst>
+                      <p:childTnLst>
+                        <p:par>
+                          <p:cTn id="4" fill="hold">
+                            <p:stCondLst>
+                              <p:cond delay="0"/>
+                            </p:stCondLst>
+                            <p:childTnLst>
+                              <p:par>
+                                <p:cTn id="5" presetID="1" presetClass="entr" presetSubtype="0" fill="hold" nodeType="clickEffect">
+                                  <p:stCondLst>
+                                    <p:cond delay="0"/>
+                                  </p:stCondLst>
+                                  <p:childTnLst>
+                                    <p:set>
+                                      <p:cBhvr>
+                                        <p:cTn id="6" dur="1" fill="hold">
+                                          <p:stCondLst>
+                                            <p:cond delay="0"/>
+                                          </p:stCondLst>
+                                        </p:cTn>
+                                        <p:tgtEl>
+                                          <p:spTgt spid="23">
+                                            <p:txEl>
+                                              <p:pRg st="0" end="0"/>
+                                            </p:txEl>
+                                          </p:spTgt>
+                                        </p:tgtEl>
+                                        <p:attrNameLst>
+                                          <p:attrName>style.visibility</p:attrName>
+                                        </p:attrNameLst>
+                                      </p:cBhvr>
+                                      <p:to>
+                                        <p:strVal val="visible"/>
+                                      </p:to>
+                                    </p:set>
+                                  </p:childTnLst>
+                                </p:cTn>
+                              </p:par>
+                            </p:childTnLst>
+                          </p:cTn>
+                        </p:par>
+                      </p:childTnLst>
+                    </p:cTn>
+                  </p:par>
+                  <p:par>
+                    <p:cTn id="7" fill="hold">
+                      <p:stCondLst>
+                        <p:cond delay="indefinite"/>
+                      </p:stCondLst>
+                      <p:childTnLst>
+                        <p:par>
+                          <p:cTn id="8" fill="hold">
+                            <p:stCondLst>
+                              <p:cond delay="0"/>
+                            </p:stCondLst>
+                            <p:childTnLst>
+                              <p:par>
+                                <p:cTn id="9" presetID="1" presetClass="entr" presetSubtype="0" fill="hold" nodeType="clickEffect">
+                                  <p:stCondLst>
+                                    <p:cond delay="0"/>
+                                  </p:stCondLst>
+                                  <p:childTnLst>
+                                    <p:set>
+                                      <p:cBhvr>
+                                        <p:cTn id="10" dur="1" fill="hold">
+                                          <p:stCondLst>
+                                            <p:cond delay="0"/>
+                                          </p:stCondLst>
+                                        </p:cTn>
+                                        <p:tgtEl>
+                                          <p:spTgt spid="23">
+                                            <p:txEl>
+                                              <p:pRg st="2" end="2"/>
+                                            </p:txEl>
+                                          </p:spTgt>
+                                        </p:tgtEl>
+                                        <p:attrNameLst>
+                                          <p:attrName>style.visibility</p:attrName>
+                                        </p:attrNameLst>
+                                      </p:cBhvr>
+                                      <p:to>
+                                        <p:strVal val="visible"/>
+                                      </p:to>
+                                    </p:set>
+                                  </p:childTnLst>
+                                </p:cTn>
+                              </p:par>
+                            </p:childTnLst>
+                          </p:cTn>
+                        </p:par>
+                      </p:childTnLst>
+                    </p:cTn>
+                  </p:par>
+                  <p:par>
+                    <p:cTn id="11" fill="hold">
+                      <p:stCondLst>
+                        <p:cond delay="indefinite"/>
+                      </p:stCondLst>
+                      <p:childTnLst>
+                        <p:par>
+                          <p:cTn id="12" fill="hold">
+                            <p:stCondLst>
+                              <p:cond delay="0"/>
+                            </p:stCondLst>
+                            <p:childTnLst>
+                              <p:par>
+                                <p:cTn id="13" presetID="1" presetClass="entr" presetSubtype="0" fill="hold" nodeType="clickEffect">
+                                  <p:stCondLst>
+                                    <p:cond delay="0"/>
+                                  </p:stCondLst>
+                                  <p:childTnLst>
+                                    <p:set>
+                                      <p:cBhvr>
+                                        <p:cTn id="14" dur="1" fill="hold">
+                                          <p:stCondLst>
+                                            <p:cond delay="0"/>
+                                          </p:stCondLst>
+                                        </p:cTn>
+                                        <p:tgtEl>
+                                          <p:spTgt spid="23">
+                                            <p:txEl>
+                                              <p:pRg st="3" end="3"/>
+                                            </p:txEl>
+                                          </p:spTgt>
+                                        </p:tgtEl>
+                                        <p:attrNameLst>
+                                          <p:attrName>style.visibility</p:attrName>
+                                        </p:attrNameLst>
+                                      </p:cBhvr>
+                                      <p:to>
+                                        <p:strVal val="visible"/>
+                                      </p:to>
+                                    </p:set>
+                                  </p:childTnLst>
+                                </p:cTn>
+                              </p:par>
+                            </p:childTnLst>
+                          </p:cTn>
+                        </p:par>
+                      </p:childTnLst>
+                    </p:cTn>
+                  </p:par>
+                  <p:par>
+                    <p:cTn id="15" fill="hold">
+                      <p:stCondLst>
+                        <p:cond delay="indefinite"/>
+                      </p:stCondLst>
+                      <p:childTnLst>
+                        <p:par>
+                          <p:cTn id="16" fill="hold">
+                            <p:stCondLst>
+                              <p:cond delay="0"/>
+                            </p:stCondLst>
+                            <p:childTnLst>
+                              <p:par>
+                                <p:cTn id="17" presetID="1" presetClass="entr" presetSubtype="0" fill="hold" nodeType="clickEffect">
+                                  <p:stCondLst>
+                                    <p:cond delay="0"/>
+                                  </p:stCondLst>
+                                  <p:childTnLst>
+                                    <p:set>
+                                      <p:cBhvr>
+                                        <p:cTn id="18" dur="1" fill="hold">
+                                          <p:stCondLst>
+                                            <p:cond delay="0"/>
+                                          </p:stCondLst>
+                                        </p:cTn>
+                                        <p:tgtEl>
+                                          <p:spTgt spid="23">
+                                            <p:txEl>
+                                              <p:pRg st="4" end="4"/>
+                                            </p:txEl>
+                                          </p:spTgt>
+                                        </p:tgtEl>
+                                        <p:attrNameLst>
+                                          <p:attrName>style.visibility</p:attrName>
+                                        </p:attrNameLst>
+                                      </p:cBhvr>
+                                      <p:to>
+                                        <p:strVal val="visible"/>
+                                      </p:to>
+                                    </p:set>
+                                  </p:childTnLst>
+                                </p:cTn>
+                              </p:par>
+                            </p:childTnLst>
+                          </p:cTn>
+                        </p:par>
+                      </p:childTnLst>
+                    </p:cTn>
+                  </p:par>
+                  <p:par>
+                    <p:cTn id="19" fill="hold">
+                      <p:stCondLst>
+                        <p:cond delay="indefinite"/>
+                      </p:stCondLst>
+                      <p:childTnLst>
+                        <p:par>
+                          <p:cTn id="20" fill="hold">
+                            <p:stCondLst>
+                              <p:cond delay="0"/>
+                            </p:stCondLst>
+                            <p:childTnLst>
+                              <p:par>
+                                <p:cTn id="21" presetID="1" presetClass="entr" presetSubtype="0" fill="hold" nodeType="clickEffect">
+                                  <p:stCondLst>
+                                    <p:cond delay="0"/>
+                                  </p:stCondLst>
+                                  <p:childTnLst>
+                                    <p:set>
+                                      <p:cBhvr>
+                                        <p:cTn id="22" dur="1" fill="hold">
+                                          <p:stCondLst>
+                                            <p:cond delay="0"/>
+                                          </p:stCondLst>
+                                        </p:cTn>
+                                        <p:tgtEl>
+                                          <p:spTgt spid="23">
+                                            <p:txEl>
+                                              <p:pRg st="6" end="6"/>
+                                            </p:txEl>
+                                          </p:spTgt>
+                                        </p:tgtEl>
+                                        <p:attrNameLst>
+                                          <p:attrName>style.visibility</p:attrName>
+                                        </p:attrNameLst>
+                                      </p:cBhvr>
+                                      <p:to>
+                                        <p:strVal val="visible"/>
+                                      </p:to>
+                                    </p:set>
+                                  </p:childTnLst>
+                                </p:cTn>
+                              </p:par>
+                            </p:childTnLst>
+                          </p:cTn>
+                        </p:par>
+                      </p:childTnLst>
+                    </p:cTn>
+                  </p:par>
+                  <p:par>
+                    <p:cTn id="23" fill="hold">
+                      <p:stCondLst>
+                        <p:cond delay="indefinite"/>
+                      </p:stCondLst>
+                      <p:childTnLst>
+                        <p:par>
+                          <p:cTn id="24" fill="hold">
+                            <p:stCondLst>
+                              <p:cond delay="0"/>
+                            </p:stCondLst>
+                            <p:childTnLst>
+                              <p:par>
+                                <p:cTn id="25" presetID="1" presetClass="entr" presetSubtype="0" fill="hold" nodeType="clickEffect">
+                                  <p:stCondLst>
+                                    <p:cond delay="0"/>
+                                  </p:stCondLst>
+                                  <p:childTnLst>
+                                    <p:set>
+                                      <p:cBhvr>
+                                        <p:cTn id="26" dur="1" fill="hold">
+                                          <p:stCondLst>
+                                            <p:cond delay="0"/>
+                                          </p:stCondLst>
+                                        </p:cTn>
+                                        <p:tgtEl>
+                                          <p:spTgt spid="23">
+                                            <p:txEl>
+                                              <p:pRg st="8" end="8"/>
+                                            </p:txEl>
+                                          </p:spTgt>
+                                        </p:tgtEl>
+                                        <p:attrNameLst>
+                                          <p:attrName>style.visibility</p:attrName>
+                                        </p:attrNameLst>
+                                      </p:cBhvr>
+                                      <p:to>
+                                        <p:strVal val="visible"/>
+                                      </p:to>
+                                    </p:set>
+                                  </p:childTnLst>
+                                </p:cTn>
+                              </p:par>
+                            </p:childTnLst>
+                          </p:cTn>
+                        </p:par>
+                      </p:childTnLst>
+                    </p:cTn>
+                  </p:par>
+                </p:childTnLst>
+              </p:cTn>
+              <p:prevCondLst>
+                <p:cond evt="onPrev" delay="0">
+                  <p:tgtEl>
+                    <p:sldTgt/>
+                  </p:tgtEl>
+                </p:cond>
+              </p:prevCondLst>
+              <p:nextCondLst>
+                <p:cond evt="onNext" delay="0">
+                  <p:tgtEl>
+                    <p:sldTgt/>
+                  </p:tgtEl>
+                </p:cond>
+              </p:nextCondLst>
+            </p:seq>
+          </p:childTnLst>
+        </p:cTn>
+      </p:par>
+    </p:tnLst>
+  </p:timing>
 </p:sld>
 </file>
 
@@ -13123,7 +15804,7 @@
                   </a:schemeClr>
                 </a:solidFill>
               </a:rPr>
-              <a:t>Conclusion &amp; Recommendations</a:t>
+              <a:t>Conclusion</a:t>
             </a:r>
             <a:endParaRPr lang="en-GB" sz="1600" dirty="0">
               <a:solidFill>
@@ -13197,6 +15878,627 @@
   <p:clrMapOvr>
     <a:masterClrMapping/>
   </p:clrMapOvr>
+  <p:timing>
+    <p:tnLst>
+      <p:par>
+        <p:cTn id="1" dur="indefinite" restart="never" nodeType="tmRoot">
+          <p:childTnLst>
+            <p:seq concurrent="1" nextAc="seek">
+              <p:cTn id="2" dur="indefinite" nodeType="mainSeq">
+                <p:childTnLst>
+                  <p:par>
+                    <p:cTn id="3" fill="hold">
+                      <p:stCondLst>
+                        <p:cond delay="indefinite"/>
+                      </p:stCondLst>
+                      <p:childTnLst>
+                        <p:par>
+                          <p:cTn id="4" fill="hold">
+                            <p:stCondLst>
+                              <p:cond delay="0"/>
+                            </p:stCondLst>
+                            <p:childTnLst>
+                              <p:par>
+                                <p:cTn id="5" presetID="1" presetClass="entr" presetSubtype="0" fill="hold" nodeType="clickEffect">
+                                  <p:stCondLst>
+                                    <p:cond delay="0"/>
+                                  </p:stCondLst>
+                                  <p:childTnLst>
+                                    <p:set>
+                                      <p:cBhvr>
+                                        <p:cTn id="6" dur="1" fill="hold">
+                                          <p:stCondLst>
+                                            <p:cond delay="0"/>
+                                          </p:stCondLst>
+                                        </p:cTn>
+                                        <p:tgtEl>
+                                          <p:spTgt spid="9">
+                                            <p:txEl>
+                                              <p:pRg st="0" end="0"/>
+                                            </p:txEl>
+                                          </p:spTgt>
+                                        </p:tgtEl>
+                                        <p:attrNameLst>
+                                          <p:attrName>style.visibility</p:attrName>
+                                        </p:attrNameLst>
+                                      </p:cBhvr>
+                                      <p:to>
+                                        <p:strVal val="visible"/>
+                                      </p:to>
+                                    </p:set>
+                                  </p:childTnLst>
+                                </p:cTn>
+                              </p:par>
+                            </p:childTnLst>
+                          </p:cTn>
+                        </p:par>
+                      </p:childTnLst>
+                    </p:cTn>
+                  </p:par>
+                  <p:par>
+                    <p:cTn id="7" fill="hold">
+                      <p:stCondLst>
+                        <p:cond delay="indefinite"/>
+                      </p:stCondLst>
+                      <p:childTnLst>
+                        <p:par>
+                          <p:cTn id="8" fill="hold">
+                            <p:stCondLst>
+                              <p:cond delay="0"/>
+                            </p:stCondLst>
+                            <p:childTnLst>
+                              <p:par>
+                                <p:cTn id="9" presetID="1" presetClass="entr" presetSubtype="0" fill="hold" nodeType="clickEffect">
+                                  <p:stCondLst>
+                                    <p:cond delay="0"/>
+                                  </p:stCondLst>
+                                  <p:childTnLst>
+                                    <p:set>
+                                      <p:cBhvr>
+                                        <p:cTn id="10" dur="1" fill="hold">
+                                          <p:stCondLst>
+                                            <p:cond delay="0"/>
+                                          </p:stCondLst>
+                                        </p:cTn>
+                                        <p:tgtEl>
+                                          <p:spTgt spid="9">
+                                            <p:txEl>
+                                              <p:pRg st="1" end="1"/>
+                                            </p:txEl>
+                                          </p:spTgt>
+                                        </p:tgtEl>
+                                        <p:attrNameLst>
+                                          <p:attrName>style.visibility</p:attrName>
+                                        </p:attrNameLst>
+                                      </p:cBhvr>
+                                      <p:to>
+                                        <p:strVal val="visible"/>
+                                      </p:to>
+                                    </p:set>
+                                  </p:childTnLst>
+                                </p:cTn>
+                              </p:par>
+                            </p:childTnLst>
+                          </p:cTn>
+                        </p:par>
+                      </p:childTnLst>
+                    </p:cTn>
+                  </p:par>
+                  <p:par>
+                    <p:cTn id="11" fill="hold">
+                      <p:stCondLst>
+                        <p:cond delay="indefinite"/>
+                      </p:stCondLst>
+                      <p:childTnLst>
+                        <p:par>
+                          <p:cTn id="12" fill="hold">
+                            <p:stCondLst>
+                              <p:cond delay="0"/>
+                            </p:stCondLst>
+                            <p:childTnLst>
+                              <p:par>
+                                <p:cTn id="13" presetID="1" presetClass="entr" presetSubtype="0" fill="hold" nodeType="clickEffect">
+                                  <p:stCondLst>
+                                    <p:cond delay="0"/>
+                                  </p:stCondLst>
+                                  <p:childTnLst>
+                                    <p:set>
+                                      <p:cBhvr>
+                                        <p:cTn id="14" dur="1" fill="hold">
+                                          <p:stCondLst>
+                                            <p:cond delay="0"/>
+                                          </p:stCondLst>
+                                        </p:cTn>
+                                        <p:tgtEl>
+                                          <p:spTgt spid="9">
+                                            <p:txEl>
+                                              <p:pRg st="2" end="2"/>
+                                            </p:txEl>
+                                          </p:spTgt>
+                                        </p:tgtEl>
+                                        <p:attrNameLst>
+                                          <p:attrName>style.visibility</p:attrName>
+                                        </p:attrNameLst>
+                                      </p:cBhvr>
+                                      <p:to>
+                                        <p:strVal val="visible"/>
+                                      </p:to>
+                                    </p:set>
+                                  </p:childTnLst>
+                                </p:cTn>
+                              </p:par>
+                              <p:par>
+                                <p:cTn id="15" presetID="1" presetClass="entr" presetSubtype="0" fill="hold" nodeType="withEffect">
+                                  <p:stCondLst>
+                                    <p:cond delay="0"/>
+                                  </p:stCondLst>
+                                  <p:childTnLst>
+                                    <p:set>
+                                      <p:cBhvr>
+                                        <p:cTn id="16" dur="1" fill="hold">
+                                          <p:stCondLst>
+                                            <p:cond delay="0"/>
+                                          </p:stCondLst>
+                                        </p:cTn>
+                                        <p:tgtEl>
+                                          <p:spTgt spid="9">
+                                            <p:txEl>
+                                              <p:pRg st="3" end="3"/>
+                                            </p:txEl>
+                                          </p:spTgt>
+                                        </p:tgtEl>
+                                        <p:attrNameLst>
+                                          <p:attrName>style.visibility</p:attrName>
+                                        </p:attrNameLst>
+                                      </p:cBhvr>
+                                      <p:to>
+                                        <p:strVal val="visible"/>
+                                      </p:to>
+                                    </p:set>
+                                  </p:childTnLst>
+                                </p:cTn>
+                              </p:par>
+                              <p:par>
+                                <p:cTn id="17" presetID="1" presetClass="entr" presetSubtype="0" fill="hold" nodeType="withEffect">
+                                  <p:stCondLst>
+                                    <p:cond delay="0"/>
+                                  </p:stCondLst>
+                                  <p:childTnLst>
+                                    <p:set>
+                                      <p:cBhvr>
+                                        <p:cTn id="18" dur="1" fill="hold">
+                                          <p:stCondLst>
+                                            <p:cond delay="0"/>
+                                          </p:stCondLst>
+                                        </p:cTn>
+                                        <p:tgtEl>
+                                          <p:spTgt spid="9">
+                                            <p:txEl>
+                                              <p:pRg st="4" end="4"/>
+                                            </p:txEl>
+                                          </p:spTgt>
+                                        </p:tgtEl>
+                                        <p:attrNameLst>
+                                          <p:attrName>style.visibility</p:attrName>
+                                        </p:attrNameLst>
+                                      </p:cBhvr>
+                                      <p:to>
+                                        <p:strVal val="visible"/>
+                                      </p:to>
+                                    </p:set>
+                                  </p:childTnLst>
+                                </p:cTn>
+                              </p:par>
+                              <p:par>
+                                <p:cTn id="19" presetID="1" presetClass="entr" presetSubtype="0" fill="hold" nodeType="withEffect">
+                                  <p:stCondLst>
+                                    <p:cond delay="0"/>
+                                  </p:stCondLst>
+                                  <p:childTnLst>
+                                    <p:set>
+                                      <p:cBhvr>
+                                        <p:cTn id="20" dur="1" fill="hold">
+                                          <p:stCondLst>
+                                            <p:cond delay="0"/>
+                                          </p:stCondLst>
+                                        </p:cTn>
+                                        <p:tgtEl>
+                                          <p:spTgt spid="9">
+                                            <p:txEl>
+                                              <p:pRg st="5" end="5"/>
+                                            </p:txEl>
+                                          </p:spTgt>
+                                        </p:tgtEl>
+                                        <p:attrNameLst>
+                                          <p:attrName>style.visibility</p:attrName>
+                                        </p:attrNameLst>
+                                      </p:cBhvr>
+                                      <p:to>
+                                        <p:strVal val="visible"/>
+                                      </p:to>
+                                    </p:set>
+                                  </p:childTnLst>
+                                </p:cTn>
+                              </p:par>
+                            </p:childTnLst>
+                          </p:cTn>
+                        </p:par>
+                      </p:childTnLst>
+                    </p:cTn>
+                  </p:par>
+                  <p:par>
+                    <p:cTn id="21" fill="hold">
+                      <p:stCondLst>
+                        <p:cond delay="indefinite"/>
+                      </p:stCondLst>
+                      <p:childTnLst>
+                        <p:par>
+                          <p:cTn id="22" fill="hold">
+                            <p:stCondLst>
+                              <p:cond delay="0"/>
+                            </p:stCondLst>
+                            <p:childTnLst>
+                              <p:par>
+                                <p:cTn id="23" presetID="1" presetClass="entr" presetSubtype="0" fill="hold" nodeType="clickEffect">
+                                  <p:stCondLst>
+                                    <p:cond delay="0"/>
+                                  </p:stCondLst>
+                                  <p:childTnLst>
+                                    <p:set>
+                                      <p:cBhvr>
+                                        <p:cTn id="24" dur="1" fill="hold">
+                                          <p:stCondLst>
+                                            <p:cond delay="0"/>
+                                          </p:stCondLst>
+                                        </p:cTn>
+                                        <p:tgtEl>
+                                          <p:spTgt spid="9">
+                                            <p:txEl>
+                                              <p:pRg st="6" end="6"/>
+                                            </p:txEl>
+                                          </p:spTgt>
+                                        </p:tgtEl>
+                                        <p:attrNameLst>
+                                          <p:attrName>style.visibility</p:attrName>
+                                        </p:attrNameLst>
+                                      </p:cBhvr>
+                                      <p:to>
+                                        <p:strVal val="visible"/>
+                                      </p:to>
+                                    </p:set>
+                                  </p:childTnLst>
+                                </p:cTn>
+                              </p:par>
+                              <p:par>
+                                <p:cTn id="25" presetID="1" presetClass="entr" presetSubtype="0" fill="hold" nodeType="withEffect">
+                                  <p:stCondLst>
+                                    <p:cond delay="0"/>
+                                  </p:stCondLst>
+                                  <p:childTnLst>
+                                    <p:set>
+                                      <p:cBhvr>
+                                        <p:cTn id="26" dur="1" fill="hold">
+                                          <p:stCondLst>
+                                            <p:cond delay="0"/>
+                                          </p:stCondLst>
+                                        </p:cTn>
+                                        <p:tgtEl>
+                                          <p:spTgt spid="9">
+                                            <p:txEl>
+                                              <p:pRg st="7" end="7"/>
+                                            </p:txEl>
+                                          </p:spTgt>
+                                        </p:tgtEl>
+                                        <p:attrNameLst>
+                                          <p:attrName>style.visibility</p:attrName>
+                                        </p:attrNameLst>
+                                      </p:cBhvr>
+                                      <p:to>
+                                        <p:strVal val="visible"/>
+                                      </p:to>
+                                    </p:set>
+                                  </p:childTnLst>
+                                </p:cTn>
+                              </p:par>
+                              <p:par>
+                                <p:cTn id="27" presetID="1" presetClass="entr" presetSubtype="0" fill="hold" nodeType="withEffect">
+                                  <p:stCondLst>
+                                    <p:cond delay="0"/>
+                                  </p:stCondLst>
+                                  <p:childTnLst>
+                                    <p:set>
+                                      <p:cBhvr>
+                                        <p:cTn id="28" dur="1" fill="hold">
+                                          <p:stCondLst>
+                                            <p:cond delay="0"/>
+                                          </p:stCondLst>
+                                        </p:cTn>
+                                        <p:tgtEl>
+                                          <p:spTgt spid="9">
+                                            <p:txEl>
+                                              <p:pRg st="8" end="8"/>
+                                            </p:txEl>
+                                          </p:spTgt>
+                                        </p:tgtEl>
+                                        <p:attrNameLst>
+                                          <p:attrName>style.visibility</p:attrName>
+                                        </p:attrNameLst>
+                                      </p:cBhvr>
+                                      <p:to>
+                                        <p:strVal val="visible"/>
+                                      </p:to>
+                                    </p:set>
+                                  </p:childTnLst>
+                                </p:cTn>
+                              </p:par>
+                              <p:par>
+                                <p:cTn id="29" presetID="1" presetClass="entr" presetSubtype="0" fill="hold" nodeType="withEffect">
+                                  <p:stCondLst>
+                                    <p:cond delay="0"/>
+                                  </p:stCondLst>
+                                  <p:childTnLst>
+                                    <p:set>
+                                      <p:cBhvr>
+                                        <p:cTn id="30" dur="1" fill="hold">
+                                          <p:stCondLst>
+                                            <p:cond delay="0"/>
+                                          </p:stCondLst>
+                                        </p:cTn>
+                                        <p:tgtEl>
+                                          <p:spTgt spid="9">
+                                            <p:txEl>
+                                              <p:pRg st="9" end="9"/>
+                                            </p:txEl>
+                                          </p:spTgt>
+                                        </p:tgtEl>
+                                        <p:attrNameLst>
+                                          <p:attrName>style.visibility</p:attrName>
+                                        </p:attrNameLst>
+                                      </p:cBhvr>
+                                      <p:to>
+                                        <p:strVal val="visible"/>
+                                      </p:to>
+                                    </p:set>
+                                  </p:childTnLst>
+                                </p:cTn>
+                              </p:par>
+                            </p:childTnLst>
+                          </p:cTn>
+                        </p:par>
+                      </p:childTnLst>
+                    </p:cTn>
+                  </p:par>
+                  <p:par>
+                    <p:cTn id="31" fill="hold">
+                      <p:stCondLst>
+                        <p:cond delay="indefinite"/>
+                      </p:stCondLst>
+                      <p:childTnLst>
+                        <p:par>
+                          <p:cTn id="32" fill="hold">
+                            <p:stCondLst>
+                              <p:cond delay="0"/>
+                            </p:stCondLst>
+                            <p:childTnLst>
+                              <p:par>
+                                <p:cTn id="33" presetID="1" presetClass="entr" presetSubtype="0" fill="hold" nodeType="clickEffect">
+                                  <p:stCondLst>
+                                    <p:cond delay="0"/>
+                                  </p:stCondLst>
+                                  <p:childTnLst>
+                                    <p:set>
+                                      <p:cBhvr>
+                                        <p:cTn id="34" dur="1" fill="hold">
+                                          <p:stCondLst>
+                                            <p:cond delay="0"/>
+                                          </p:stCondLst>
+                                        </p:cTn>
+                                        <p:tgtEl>
+                                          <p:spTgt spid="9">
+                                            <p:txEl>
+                                              <p:pRg st="10" end="10"/>
+                                            </p:txEl>
+                                          </p:spTgt>
+                                        </p:tgtEl>
+                                        <p:attrNameLst>
+                                          <p:attrName>style.visibility</p:attrName>
+                                        </p:attrNameLst>
+                                      </p:cBhvr>
+                                      <p:to>
+                                        <p:strVal val="visible"/>
+                                      </p:to>
+                                    </p:set>
+                                  </p:childTnLst>
+                                </p:cTn>
+                              </p:par>
+                              <p:par>
+                                <p:cTn id="35" presetID="1" presetClass="entr" presetSubtype="0" fill="hold" nodeType="withEffect">
+                                  <p:stCondLst>
+                                    <p:cond delay="0"/>
+                                  </p:stCondLst>
+                                  <p:childTnLst>
+                                    <p:set>
+                                      <p:cBhvr>
+                                        <p:cTn id="36" dur="1" fill="hold">
+                                          <p:stCondLst>
+                                            <p:cond delay="0"/>
+                                          </p:stCondLst>
+                                        </p:cTn>
+                                        <p:tgtEl>
+                                          <p:spTgt spid="9">
+                                            <p:txEl>
+                                              <p:pRg st="11" end="11"/>
+                                            </p:txEl>
+                                          </p:spTgt>
+                                        </p:tgtEl>
+                                        <p:attrNameLst>
+                                          <p:attrName>style.visibility</p:attrName>
+                                        </p:attrNameLst>
+                                      </p:cBhvr>
+                                      <p:to>
+                                        <p:strVal val="visible"/>
+                                      </p:to>
+                                    </p:set>
+                                  </p:childTnLst>
+                                </p:cTn>
+                              </p:par>
+                              <p:par>
+                                <p:cTn id="37" presetID="1" presetClass="entr" presetSubtype="0" fill="hold" nodeType="withEffect">
+                                  <p:stCondLst>
+                                    <p:cond delay="0"/>
+                                  </p:stCondLst>
+                                  <p:childTnLst>
+                                    <p:set>
+                                      <p:cBhvr>
+                                        <p:cTn id="38" dur="1" fill="hold">
+                                          <p:stCondLst>
+                                            <p:cond delay="0"/>
+                                          </p:stCondLst>
+                                        </p:cTn>
+                                        <p:tgtEl>
+                                          <p:spTgt spid="9">
+                                            <p:txEl>
+                                              <p:pRg st="12" end="12"/>
+                                            </p:txEl>
+                                          </p:spTgt>
+                                        </p:tgtEl>
+                                        <p:attrNameLst>
+                                          <p:attrName>style.visibility</p:attrName>
+                                        </p:attrNameLst>
+                                      </p:cBhvr>
+                                      <p:to>
+                                        <p:strVal val="visible"/>
+                                      </p:to>
+                                    </p:set>
+                                  </p:childTnLst>
+                                </p:cTn>
+                              </p:par>
+                            </p:childTnLst>
+                          </p:cTn>
+                        </p:par>
+                      </p:childTnLst>
+                    </p:cTn>
+                  </p:par>
+                  <p:par>
+                    <p:cTn id="39" fill="hold">
+                      <p:stCondLst>
+                        <p:cond delay="indefinite"/>
+                      </p:stCondLst>
+                      <p:childTnLst>
+                        <p:par>
+                          <p:cTn id="40" fill="hold">
+                            <p:stCondLst>
+                              <p:cond delay="0"/>
+                            </p:stCondLst>
+                            <p:childTnLst>
+                              <p:par>
+                                <p:cTn id="41" presetID="1" presetClass="entr" presetSubtype="0" fill="hold" nodeType="clickEffect">
+                                  <p:stCondLst>
+                                    <p:cond delay="0"/>
+                                  </p:stCondLst>
+                                  <p:childTnLst>
+                                    <p:set>
+                                      <p:cBhvr>
+                                        <p:cTn id="42" dur="1" fill="hold">
+                                          <p:stCondLst>
+                                            <p:cond delay="0"/>
+                                          </p:stCondLst>
+                                        </p:cTn>
+                                        <p:tgtEl>
+                                          <p:spTgt spid="9">
+                                            <p:txEl>
+                                              <p:pRg st="13" end="13"/>
+                                            </p:txEl>
+                                          </p:spTgt>
+                                        </p:tgtEl>
+                                        <p:attrNameLst>
+                                          <p:attrName>style.visibility</p:attrName>
+                                        </p:attrNameLst>
+                                      </p:cBhvr>
+                                      <p:to>
+                                        <p:strVal val="visible"/>
+                                      </p:to>
+                                    </p:set>
+                                  </p:childTnLst>
+                                </p:cTn>
+                              </p:par>
+                            </p:childTnLst>
+                          </p:cTn>
+                        </p:par>
+                      </p:childTnLst>
+                    </p:cTn>
+                  </p:par>
+                  <p:par>
+                    <p:cTn id="43" fill="hold">
+                      <p:stCondLst>
+                        <p:cond delay="indefinite"/>
+                      </p:stCondLst>
+                      <p:childTnLst>
+                        <p:par>
+                          <p:cTn id="44" fill="hold">
+                            <p:stCondLst>
+                              <p:cond delay="0"/>
+                            </p:stCondLst>
+                            <p:childTnLst>
+                              <p:par>
+                                <p:cTn id="45" presetID="1" presetClass="entr" presetSubtype="0" fill="hold" nodeType="clickEffect">
+                                  <p:stCondLst>
+                                    <p:cond delay="0"/>
+                                  </p:stCondLst>
+                                  <p:childTnLst>
+                                    <p:set>
+                                      <p:cBhvr>
+                                        <p:cTn id="46" dur="1" fill="hold">
+                                          <p:stCondLst>
+                                            <p:cond delay="0"/>
+                                          </p:stCondLst>
+                                        </p:cTn>
+                                        <p:tgtEl>
+                                          <p:spTgt spid="9">
+                                            <p:txEl>
+                                              <p:pRg st="14" end="14"/>
+                                            </p:txEl>
+                                          </p:spTgt>
+                                        </p:tgtEl>
+                                        <p:attrNameLst>
+                                          <p:attrName>style.visibility</p:attrName>
+                                        </p:attrNameLst>
+                                      </p:cBhvr>
+                                      <p:to>
+                                        <p:strVal val="visible"/>
+                                      </p:to>
+                                    </p:set>
+                                  </p:childTnLst>
+                                </p:cTn>
+                              </p:par>
+                            </p:childTnLst>
+                          </p:cTn>
+                        </p:par>
+                      </p:childTnLst>
+                    </p:cTn>
+                  </p:par>
+                </p:childTnLst>
+              </p:cTn>
+              <p:prevCondLst>
+                <p:cond evt="onPrev" delay="0">
+                  <p:tgtEl>
+                    <p:sldTgt/>
+                  </p:tgtEl>
+                </p:cond>
+              </p:prevCondLst>
+              <p:nextCondLst>
+                <p:cond evt="onNext" delay="0">
+                  <p:tgtEl>
+                    <p:sldTgt/>
+                  </p:tgtEl>
+                </p:cond>
+              </p:nextCondLst>
+            </p:seq>
+          </p:childTnLst>
+        </p:cTn>
+      </p:par>
+    </p:tnLst>
+  </p:timing>
 </p:sld>
 </file>
 
@@ -13810,6 +17112,126 @@
   <p:clrMapOvr>
     <a:masterClrMapping/>
   </p:clrMapOvr>
+  <p:timing>
+    <p:tnLst>
+      <p:par>
+        <p:cTn id="1" dur="indefinite" restart="never" nodeType="tmRoot">
+          <p:childTnLst>
+            <p:seq concurrent="1" nextAc="seek">
+              <p:cTn id="2" dur="indefinite" nodeType="mainSeq">
+                <p:childTnLst>
+                  <p:par>
+                    <p:cTn id="3" fill="hold">
+                      <p:stCondLst>
+                        <p:cond delay="indefinite"/>
+                      </p:stCondLst>
+                      <p:childTnLst>
+                        <p:par>
+                          <p:cTn id="4" fill="hold">
+                            <p:stCondLst>
+                              <p:cond delay="0"/>
+                            </p:stCondLst>
+                            <p:childTnLst>
+                              <p:par>
+                                <p:cTn id="5" presetID="1" presetClass="entr" presetSubtype="0" fill="hold" nodeType="clickEffect">
+                                  <p:stCondLst>
+                                    <p:cond delay="0"/>
+                                  </p:stCondLst>
+                                  <p:childTnLst>
+                                    <p:set>
+                                      <p:cBhvr>
+                                        <p:cTn id="6" dur="1" fill="hold">
+                                          <p:stCondLst>
+                                            <p:cond delay="0"/>
+                                          </p:stCondLst>
+                                        </p:cTn>
+                                        <p:tgtEl>
+                                          <p:spTgt spid="3"/>
+                                        </p:tgtEl>
+                                        <p:attrNameLst>
+                                          <p:attrName>style.visibility</p:attrName>
+                                        </p:attrNameLst>
+                                      </p:cBhvr>
+                                      <p:to>
+                                        <p:strVal val="visible"/>
+                                      </p:to>
+                                    </p:set>
+                                  </p:childTnLst>
+                                </p:cTn>
+                              </p:par>
+                            </p:childTnLst>
+                          </p:cTn>
+                        </p:par>
+                      </p:childTnLst>
+                    </p:cTn>
+                  </p:par>
+                  <p:par>
+                    <p:cTn id="7" fill="hold">
+                      <p:stCondLst>
+                        <p:cond delay="indefinite"/>
+                      </p:stCondLst>
+                      <p:childTnLst>
+                        <p:par>
+                          <p:cTn id="8" fill="hold">
+                            <p:stCondLst>
+                              <p:cond delay="0"/>
+                            </p:stCondLst>
+                            <p:childTnLst>
+                              <p:par>
+                                <p:cTn id="9" presetID="1" presetClass="entr" presetSubtype="0" fill="hold" nodeType="clickEffect">
+                                  <p:stCondLst>
+                                    <p:cond delay="0"/>
+                                  </p:stCondLst>
+                                  <p:childTnLst>
+                                    <p:set>
+                                      <p:cBhvr>
+                                        <p:cTn id="10" dur="1" fill="hold">
+                                          <p:stCondLst>
+                                            <p:cond delay="0"/>
+                                          </p:stCondLst>
+                                        </p:cTn>
+                                        <p:tgtEl>
+                                          <p:spTgt spid="6"/>
+                                        </p:tgtEl>
+                                        <p:attrNameLst>
+                                          <p:attrName>style.visibility</p:attrName>
+                                        </p:attrNameLst>
+                                      </p:cBhvr>
+                                      <p:to>
+                                        <p:strVal val="visible"/>
+                                      </p:to>
+                                    </p:set>
+                                  </p:childTnLst>
+                                </p:cTn>
+                              </p:par>
+                            </p:childTnLst>
+                          </p:cTn>
+                        </p:par>
+                      </p:childTnLst>
+                    </p:cTn>
+                  </p:par>
+                </p:childTnLst>
+              </p:cTn>
+              <p:prevCondLst>
+                <p:cond evt="onPrev" delay="0">
+                  <p:tgtEl>
+                    <p:sldTgt/>
+                  </p:tgtEl>
+                </p:cond>
+              </p:prevCondLst>
+              <p:nextCondLst>
+                <p:cond evt="onNext" delay="0">
+                  <p:tgtEl>
+                    <p:sldTgt/>
+                  </p:tgtEl>
+                </p:cond>
+              </p:nextCondLst>
+            </p:seq>
+          </p:childTnLst>
+        </p:cTn>
+      </p:par>
+    </p:tnLst>
+  </p:timing>
 </p:sld>
 </file>
 
@@ -14023,7 +17445,7 @@
                   </a:schemeClr>
                 </a:solidFill>
               </a:rPr>
-              <a:t>Evaluation – Model coefficient using all variables </a:t>
+              <a:t>Evaluation – What are the factors correlated with default? </a:t>
             </a:r>
           </a:p>
           <a:p>
@@ -14734,6 +18156,126 @@
   <p:clrMapOvr>
     <a:masterClrMapping/>
   </p:clrMapOvr>
+  <p:timing>
+    <p:tnLst>
+      <p:par>
+        <p:cTn id="1" dur="indefinite" restart="never" nodeType="tmRoot">
+          <p:childTnLst>
+            <p:seq concurrent="1" nextAc="seek">
+              <p:cTn id="2" dur="indefinite" nodeType="mainSeq">
+                <p:childTnLst>
+                  <p:par>
+                    <p:cTn id="3" fill="hold">
+                      <p:stCondLst>
+                        <p:cond delay="indefinite"/>
+                      </p:stCondLst>
+                      <p:childTnLst>
+                        <p:par>
+                          <p:cTn id="4" fill="hold">
+                            <p:stCondLst>
+                              <p:cond delay="0"/>
+                            </p:stCondLst>
+                            <p:childTnLst>
+                              <p:par>
+                                <p:cTn id="5" presetID="1" presetClass="entr" presetSubtype="0" fill="hold" nodeType="clickEffect">
+                                  <p:stCondLst>
+                                    <p:cond delay="0"/>
+                                  </p:stCondLst>
+                                  <p:childTnLst>
+                                    <p:set>
+                                      <p:cBhvr>
+                                        <p:cTn id="6" dur="1" fill="hold">
+                                          <p:stCondLst>
+                                            <p:cond delay="0"/>
+                                          </p:stCondLst>
+                                        </p:cTn>
+                                        <p:tgtEl>
+                                          <p:spTgt spid="3"/>
+                                        </p:tgtEl>
+                                        <p:attrNameLst>
+                                          <p:attrName>style.visibility</p:attrName>
+                                        </p:attrNameLst>
+                                      </p:cBhvr>
+                                      <p:to>
+                                        <p:strVal val="visible"/>
+                                      </p:to>
+                                    </p:set>
+                                  </p:childTnLst>
+                                </p:cTn>
+                              </p:par>
+                            </p:childTnLst>
+                          </p:cTn>
+                        </p:par>
+                      </p:childTnLst>
+                    </p:cTn>
+                  </p:par>
+                  <p:par>
+                    <p:cTn id="7" fill="hold">
+                      <p:stCondLst>
+                        <p:cond delay="indefinite"/>
+                      </p:stCondLst>
+                      <p:childTnLst>
+                        <p:par>
+                          <p:cTn id="8" fill="hold">
+                            <p:stCondLst>
+                              <p:cond delay="0"/>
+                            </p:stCondLst>
+                            <p:childTnLst>
+                              <p:par>
+                                <p:cTn id="9" presetID="1" presetClass="entr" presetSubtype="0" fill="hold" nodeType="clickEffect">
+                                  <p:stCondLst>
+                                    <p:cond delay="0"/>
+                                  </p:stCondLst>
+                                  <p:childTnLst>
+                                    <p:set>
+                                      <p:cBhvr>
+                                        <p:cTn id="10" dur="1" fill="hold">
+                                          <p:stCondLst>
+                                            <p:cond delay="0"/>
+                                          </p:stCondLst>
+                                        </p:cTn>
+                                        <p:tgtEl>
+                                          <p:spTgt spid="5"/>
+                                        </p:tgtEl>
+                                        <p:attrNameLst>
+                                          <p:attrName>style.visibility</p:attrName>
+                                        </p:attrNameLst>
+                                      </p:cBhvr>
+                                      <p:to>
+                                        <p:strVal val="visible"/>
+                                      </p:to>
+                                    </p:set>
+                                  </p:childTnLst>
+                                </p:cTn>
+                              </p:par>
+                            </p:childTnLst>
+                          </p:cTn>
+                        </p:par>
+                      </p:childTnLst>
+                    </p:cTn>
+                  </p:par>
+                </p:childTnLst>
+              </p:cTn>
+              <p:prevCondLst>
+                <p:cond evt="onPrev" delay="0">
+                  <p:tgtEl>
+                    <p:sldTgt/>
+                  </p:tgtEl>
+                </p:cond>
+              </p:prevCondLst>
+              <p:nextCondLst>
+                <p:cond evt="onNext" delay="0">
+                  <p:tgtEl>
+                    <p:sldTgt/>
+                  </p:tgtEl>
+                </p:cond>
+              </p:nextCondLst>
+            </p:seq>
+          </p:childTnLst>
+        </p:cTn>
+      </p:par>
+    </p:tnLst>
+  </p:timing>
 </p:sld>
 </file>
 
@@ -14947,7 +18489,7 @@
                   </a:schemeClr>
                 </a:solidFill>
               </a:rPr>
-              <a:t>Evaluation – Model performance using five variables</a:t>
+              <a:t>Evaluation – What are the factors correlated with default? </a:t>
             </a:r>
           </a:p>
           <a:p>
@@ -14961,7 +18503,7 @@
                   </a:schemeClr>
                 </a:solidFill>
               </a:rPr>
-              <a:t>Logistic Regression </a:t>
+              <a:t>(Logistic Regression) </a:t>
             </a:r>
           </a:p>
         </p:txBody>
@@ -15834,6 +19376,277 @@
   <p:clrMapOvr>
     <a:masterClrMapping/>
   </p:clrMapOvr>
+  <p:timing>
+    <p:tnLst>
+      <p:par>
+        <p:cTn id="1" dur="indefinite" restart="never" nodeType="tmRoot">
+          <p:childTnLst>
+            <p:seq concurrent="1" nextAc="seek">
+              <p:cTn id="2" dur="indefinite" nodeType="mainSeq">
+                <p:childTnLst>
+                  <p:par>
+                    <p:cTn id="3" fill="hold">
+                      <p:stCondLst>
+                        <p:cond delay="indefinite"/>
+                      </p:stCondLst>
+                      <p:childTnLst>
+                        <p:par>
+                          <p:cTn id="4" fill="hold">
+                            <p:stCondLst>
+                              <p:cond delay="0"/>
+                            </p:stCondLst>
+                            <p:childTnLst>
+                              <p:par>
+                                <p:cTn id="5" presetID="1" presetClass="entr" presetSubtype="0" fill="hold" nodeType="clickEffect">
+                                  <p:stCondLst>
+                                    <p:cond delay="0"/>
+                                  </p:stCondLst>
+                                  <p:childTnLst>
+                                    <p:set>
+                                      <p:cBhvr>
+                                        <p:cTn id="6" dur="1" fill="hold">
+                                          <p:stCondLst>
+                                            <p:cond delay="0"/>
+                                          </p:stCondLst>
+                                        </p:cTn>
+                                        <p:tgtEl>
+                                          <p:spTgt spid="3"/>
+                                        </p:tgtEl>
+                                        <p:attrNameLst>
+                                          <p:attrName>style.visibility</p:attrName>
+                                        </p:attrNameLst>
+                                      </p:cBhvr>
+                                      <p:to>
+                                        <p:strVal val="visible"/>
+                                      </p:to>
+                                    </p:set>
+                                  </p:childTnLst>
+                                </p:cTn>
+                              </p:par>
+                            </p:childTnLst>
+                          </p:cTn>
+                        </p:par>
+                      </p:childTnLst>
+                    </p:cTn>
+                  </p:par>
+                  <p:par>
+                    <p:cTn id="7" fill="hold">
+                      <p:stCondLst>
+                        <p:cond delay="indefinite"/>
+                      </p:stCondLst>
+                      <p:childTnLst>
+                        <p:par>
+                          <p:cTn id="8" fill="hold">
+                            <p:stCondLst>
+                              <p:cond delay="0"/>
+                            </p:stCondLst>
+                            <p:childTnLst>
+                              <p:par>
+                                <p:cTn id="9" presetID="1" presetClass="entr" presetSubtype="0" fill="hold" nodeType="clickEffect">
+                                  <p:stCondLst>
+                                    <p:cond delay="0"/>
+                                  </p:stCondLst>
+                                  <p:childTnLst>
+                                    <p:set>
+                                      <p:cBhvr>
+                                        <p:cTn id="10" dur="1" fill="hold">
+                                          <p:stCondLst>
+                                            <p:cond delay="0"/>
+                                          </p:stCondLst>
+                                        </p:cTn>
+                                        <p:tgtEl>
+                                          <p:spTgt spid="9">
+                                            <p:txEl>
+                                              <p:pRg st="0" end="0"/>
+                                            </p:txEl>
+                                          </p:spTgt>
+                                        </p:tgtEl>
+                                        <p:attrNameLst>
+                                          <p:attrName>style.visibility</p:attrName>
+                                        </p:attrNameLst>
+                                      </p:cBhvr>
+                                      <p:to>
+                                        <p:strVal val="visible"/>
+                                      </p:to>
+                                    </p:set>
+                                  </p:childTnLst>
+                                </p:cTn>
+                              </p:par>
+                            </p:childTnLst>
+                          </p:cTn>
+                        </p:par>
+                      </p:childTnLst>
+                    </p:cTn>
+                  </p:par>
+                  <p:par>
+                    <p:cTn id="11" fill="hold">
+                      <p:stCondLst>
+                        <p:cond delay="indefinite"/>
+                      </p:stCondLst>
+                      <p:childTnLst>
+                        <p:par>
+                          <p:cTn id="12" fill="hold">
+                            <p:stCondLst>
+                              <p:cond delay="0"/>
+                            </p:stCondLst>
+                            <p:childTnLst>
+                              <p:par>
+                                <p:cTn id="13" presetID="1" presetClass="entr" presetSubtype="0" fill="hold" nodeType="clickEffect">
+                                  <p:stCondLst>
+                                    <p:cond delay="0"/>
+                                  </p:stCondLst>
+                                  <p:childTnLst>
+                                    <p:set>
+                                      <p:cBhvr>
+                                        <p:cTn id="14" dur="1" fill="hold">
+                                          <p:stCondLst>
+                                            <p:cond delay="0"/>
+                                          </p:stCondLst>
+                                        </p:cTn>
+                                        <p:tgtEl>
+                                          <p:spTgt spid="9">
+                                            <p:txEl>
+                                              <p:pRg st="2" end="2"/>
+                                            </p:txEl>
+                                          </p:spTgt>
+                                        </p:tgtEl>
+                                        <p:attrNameLst>
+                                          <p:attrName>style.visibility</p:attrName>
+                                        </p:attrNameLst>
+                                      </p:cBhvr>
+                                      <p:to>
+                                        <p:strVal val="visible"/>
+                                      </p:to>
+                                    </p:set>
+                                  </p:childTnLst>
+                                </p:cTn>
+                              </p:par>
+                            </p:childTnLst>
+                          </p:cTn>
+                        </p:par>
+                      </p:childTnLst>
+                    </p:cTn>
+                  </p:par>
+                  <p:par>
+                    <p:cTn id="15" fill="hold">
+                      <p:stCondLst>
+                        <p:cond delay="indefinite"/>
+                      </p:stCondLst>
+                      <p:childTnLst>
+                        <p:par>
+                          <p:cTn id="16" fill="hold">
+                            <p:stCondLst>
+                              <p:cond delay="0"/>
+                            </p:stCondLst>
+                            <p:childTnLst>
+                              <p:par>
+                                <p:cTn id="17" presetID="1" presetClass="entr" presetSubtype="0" fill="hold" nodeType="clickEffect">
+                                  <p:stCondLst>
+                                    <p:cond delay="0"/>
+                                  </p:stCondLst>
+                                  <p:childTnLst>
+                                    <p:set>
+                                      <p:cBhvr>
+                                        <p:cTn id="18" dur="1" fill="hold">
+                                          <p:stCondLst>
+                                            <p:cond delay="0"/>
+                                          </p:stCondLst>
+                                        </p:cTn>
+                                        <p:tgtEl>
+                                          <p:spTgt spid="9">
+                                            <p:txEl>
+                                              <p:pRg st="4" end="4"/>
+                                            </p:txEl>
+                                          </p:spTgt>
+                                        </p:tgtEl>
+                                        <p:attrNameLst>
+                                          <p:attrName>style.visibility</p:attrName>
+                                        </p:attrNameLst>
+                                      </p:cBhvr>
+                                      <p:to>
+                                        <p:strVal val="visible"/>
+                                      </p:to>
+                                    </p:set>
+                                  </p:childTnLst>
+                                </p:cTn>
+                              </p:par>
+                            </p:childTnLst>
+                          </p:cTn>
+                        </p:par>
+                      </p:childTnLst>
+                    </p:cTn>
+                  </p:par>
+                  <p:par>
+                    <p:cTn id="19" fill="hold">
+                      <p:stCondLst>
+                        <p:cond delay="indefinite"/>
+                      </p:stCondLst>
+                      <p:childTnLst>
+                        <p:par>
+                          <p:cTn id="20" fill="hold">
+                            <p:stCondLst>
+                              <p:cond delay="0"/>
+                            </p:stCondLst>
+                            <p:childTnLst>
+                              <p:par>
+                                <p:cTn id="21" presetID="1" presetClass="entr" presetSubtype="0" fill="hold" nodeType="clickEffect">
+                                  <p:stCondLst>
+                                    <p:cond delay="0"/>
+                                  </p:stCondLst>
+                                  <p:childTnLst>
+                                    <p:set>
+                                      <p:cBhvr>
+                                        <p:cTn id="22" dur="1" fill="hold">
+                                          <p:stCondLst>
+                                            <p:cond delay="0"/>
+                                          </p:stCondLst>
+                                        </p:cTn>
+                                        <p:tgtEl>
+                                          <p:spTgt spid="9">
+                                            <p:txEl>
+                                              <p:pRg st="6" end="6"/>
+                                            </p:txEl>
+                                          </p:spTgt>
+                                        </p:tgtEl>
+                                        <p:attrNameLst>
+                                          <p:attrName>style.visibility</p:attrName>
+                                        </p:attrNameLst>
+                                      </p:cBhvr>
+                                      <p:to>
+                                        <p:strVal val="visible"/>
+                                      </p:to>
+                                    </p:set>
+                                  </p:childTnLst>
+                                </p:cTn>
+                              </p:par>
+                            </p:childTnLst>
+                          </p:cTn>
+                        </p:par>
+                      </p:childTnLst>
+                    </p:cTn>
+                  </p:par>
+                </p:childTnLst>
+              </p:cTn>
+              <p:prevCondLst>
+                <p:cond evt="onPrev" delay="0">
+                  <p:tgtEl>
+                    <p:sldTgt/>
+                  </p:tgtEl>
+                </p:cond>
+              </p:prevCondLst>
+              <p:nextCondLst>
+                <p:cond evt="onNext" delay="0">
+                  <p:tgtEl>
+                    <p:sldTgt/>
+                  </p:tgtEl>
+                </p:cond>
+              </p:nextCondLst>
+            </p:seq>
+          </p:childTnLst>
+        </p:cTn>
+      </p:par>
+    </p:tnLst>
+  </p:timing>
 </p:sld>
 </file>
 
@@ -17808,7 +21621,7 @@
               <a:buChar char="o"/>
             </a:pPr>
             <a:r>
-              <a:rPr lang="en-GB" sz="2400" dirty="0">
+              <a:rPr lang="en-GB" sz="2000" dirty="0">
                 <a:solidFill>
                   <a:schemeClr val="tx1">
                     <a:lumMod val="50000"/>
@@ -17824,7 +21637,7 @@
               <a:buFont typeface="Courier New" panose="02070309020205020404" pitchFamily="49" charset="0"/>
               <a:buChar char="o"/>
             </a:pPr>
-            <a:endParaRPr lang="en-GB" sz="2400" dirty="0">
+            <a:endParaRPr lang="en-GB" sz="2000" dirty="0">
               <a:solidFill>
                 <a:schemeClr val="tx1">
                   <a:lumMod val="50000"/>
@@ -17839,7 +21652,7 @@
               <a:buChar char="o"/>
             </a:pPr>
             <a:r>
-              <a:rPr lang="en-GB" sz="2400" dirty="0">
+              <a:rPr lang="en-GB" sz="2000" dirty="0">
                 <a:solidFill>
                   <a:schemeClr val="tx1">
                     <a:lumMod val="50000"/>
@@ -17855,7 +21668,7 @@
               <a:buFont typeface="Courier New" panose="02070309020205020404" pitchFamily="49" charset="0"/>
               <a:buChar char="o"/>
             </a:pPr>
-            <a:endParaRPr lang="en-GB" sz="2400" dirty="0">
+            <a:endParaRPr lang="en-GB" sz="2000" dirty="0">
               <a:solidFill>
                 <a:schemeClr val="tx1">
                   <a:lumMod val="50000"/>
@@ -17870,7 +21683,7 @@
               <a:buChar char="o"/>
             </a:pPr>
             <a:r>
-              <a:rPr lang="en-GB" sz="2400" dirty="0">
+              <a:rPr lang="en-GB" sz="2000" dirty="0">
                 <a:solidFill>
                   <a:schemeClr val="tx1">
                     <a:lumMod val="50000"/>
@@ -17878,10 +21691,10 @@
                   </a:schemeClr>
                 </a:solidFill>
               </a:rPr>
-              <a:t>Business would incur a </a:t>
-            </a:r>
-            <a:r>
-              <a:rPr lang="en-GB" sz="2400" i="1" dirty="0">
+              <a:t>The business would incur a </a:t>
+            </a:r>
+            <a:r>
+              <a:rPr lang="en-GB" sz="2000" i="1" dirty="0">
                 <a:solidFill>
                   <a:schemeClr val="tx1">
                     <a:lumMod val="50000"/>
@@ -17892,7 +21705,7 @@
               <a:t>loss </a:t>
             </a:r>
             <a:r>
-              <a:rPr lang="en-GB" sz="2400" dirty="0">
+              <a:rPr lang="en-GB" sz="2000" dirty="0">
                 <a:solidFill>
                   <a:schemeClr val="tx1">
                     <a:lumMod val="50000"/>
@@ -17908,7 +21721,7 @@
               <a:buFont typeface="Courier New" panose="02070309020205020404" pitchFamily="49" charset="0"/>
               <a:buChar char="o"/>
             </a:pPr>
-            <a:endParaRPr lang="en-GB" sz="2400" dirty="0">
+            <a:endParaRPr lang="en-GB" sz="2000" dirty="0">
               <a:solidFill>
                 <a:schemeClr val="tx1">
                   <a:lumMod val="50000"/>
@@ -17923,7 +21736,7 @@
               <a:buChar char="o"/>
             </a:pPr>
             <a:r>
-              <a:rPr lang="en-GB" sz="2400" dirty="0">
+              <a:rPr lang="en-GB" sz="2000" dirty="0">
                 <a:solidFill>
                   <a:schemeClr val="tx1">
                     <a:lumMod val="50000"/>
@@ -17940,7 +21753,7 @@
               <a:buChar char="o"/>
             </a:pPr>
             <a:r>
-              <a:rPr lang="en-GB" sz="2400" dirty="0" err="1">
+              <a:rPr lang="en-GB" sz="2000" dirty="0" err="1">
                 <a:solidFill>
                   <a:schemeClr val="tx1">
                     <a:lumMod val="50000"/>
@@ -17951,7 +21764,7 @@
               <a:t>E.g</a:t>
             </a:r>
             <a:r>
-              <a:rPr lang="en-GB" sz="2400" dirty="0">
+              <a:rPr lang="en-GB" sz="2000" dirty="0">
                 <a:solidFill>
                   <a:schemeClr val="tx1">
                     <a:lumMod val="50000"/>
@@ -17960,6 +21773,37 @@
                 </a:solidFill>
               </a:rPr>
               <a:t> – Financial crisis of 2007-2008</a:t>
+            </a:r>
+          </a:p>
+          <a:p>
+            <a:pPr marL="742950" lvl="1" indent="-285750">
+              <a:buFont typeface="Courier New" panose="02070309020205020404" pitchFamily="49" charset="0"/>
+              <a:buChar char="o"/>
+            </a:pPr>
+            <a:endParaRPr lang="en-GB" sz="2000" dirty="0">
+              <a:solidFill>
+                <a:schemeClr val="tx1">
+                  <a:lumMod val="50000"/>
+                  <a:lumOff val="50000"/>
+                </a:schemeClr>
+              </a:solidFill>
+            </a:endParaRPr>
+          </a:p>
+          <a:p>
+            <a:pPr marL="285750" indent="-285750">
+              <a:buFont typeface="Courier New" panose="02070309020205020404" pitchFamily="49" charset="0"/>
+              <a:buChar char="o"/>
+            </a:pPr>
+            <a:r>
+              <a:rPr lang="en-GB" sz="2000" dirty="0">
+                <a:solidFill>
+                  <a:schemeClr val="tx1">
+                    <a:lumMod val="50000"/>
+                    <a:lumOff val="50000"/>
+                  </a:schemeClr>
+                </a:solidFill>
+              </a:rPr>
+              <a:t>Predicting if applicants default is an important task!</a:t>
             </a:r>
           </a:p>
         </p:txBody>
@@ -18008,6 +21852,312 @@
   <p:clrMapOvr>
     <a:masterClrMapping/>
   </p:clrMapOvr>
+  <p:timing>
+    <p:tnLst>
+      <p:par>
+        <p:cTn id="1" dur="indefinite" restart="never" nodeType="tmRoot">
+          <p:childTnLst>
+            <p:seq concurrent="1" nextAc="seek">
+              <p:cTn id="2" dur="indefinite" nodeType="mainSeq">
+                <p:childTnLst>
+                  <p:par>
+                    <p:cTn id="3" fill="hold">
+                      <p:stCondLst>
+                        <p:cond delay="indefinite"/>
+                      </p:stCondLst>
+                      <p:childTnLst>
+                        <p:par>
+                          <p:cTn id="4" fill="hold">
+                            <p:stCondLst>
+                              <p:cond delay="0"/>
+                            </p:stCondLst>
+                            <p:childTnLst>
+                              <p:par>
+                                <p:cTn id="5" presetID="1" presetClass="entr" presetSubtype="0" fill="hold" nodeType="clickEffect">
+                                  <p:stCondLst>
+                                    <p:cond delay="0"/>
+                                  </p:stCondLst>
+                                  <p:childTnLst>
+                                    <p:set>
+                                      <p:cBhvr>
+                                        <p:cTn id="6" dur="1" fill="hold">
+                                          <p:stCondLst>
+                                            <p:cond delay="0"/>
+                                          </p:stCondLst>
+                                        </p:cTn>
+                                        <p:tgtEl>
+                                          <p:spTgt spid="9">
+                                            <p:txEl>
+                                              <p:pRg st="0" end="0"/>
+                                            </p:txEl>
+                                          </p:spTgt>
+                                        </p:tgtEl>
+                                        <p:attrNameLst>
+                                          <p:attrName>style.visibility</p:attrName>
+                                        </p:attrNameLst>
+                                      </p:cBhvr>
+                                      <p:to>
+                                        <p:strVal val="visible"/>
+                                      </p:to>
+                                    </p:set>
+                                  </p:childTnLst>
+                                </p:cTn>
+                              </p:par>
+                            </p:childTnLst>
+                          </p:cTn>
+                        </p:par>
+                      </p:childTnLst>
+                    </p:cTn>
+                  </p:par>
+                  <p:par>
+                    <p:cTn id="7" fill="hold">
+                      <p:stCondLst>
+                        <p:cond delay="indefinite"/>
+                      </p:stCondLst>
+                      <p:childTnLst>
+                        <p:par>
+                          <p:cTn id="8" fill="hold">
+                            <p:stCondLst>
+                              <p:cond delay="0"/>
+                            </p:stCondLst>
+                            <p:childTnLst>
+                              <p:par>
+                                <p:cTn id="9" presetID="1" presetClass="entr" presetSubtype="0" fill="hold" nodeType="clickEffect">
+                                  <p:stCondLst>
+                                    <p:cond delay="0"/>
+                                  </p:stCondLst>
+                                  <p:childTnLst>
+                                    <p:set>
+                                      <p:cBhvr>
+                                        <p:cTn id="10" dur="1" fill="hold">
+                                          <p:stCondLst>
+                                            <p:cond delay="0"/>
+                                          </p:stCondLst>
+                                        </p:cTn>
+                                        <p:tgtEl>
+                                          <p:spTgt spid="9">
+                                            <p:txEl>
+                                              <p:pRg st="2" end="2"/>
+                                            </p:txEl>
+                                          </p:spTgt>
+                                        </p:tgtEl>
+                                        <p:attrNameLst>
+                                          <p:attrName>style.visibility</p:attrName>
+                                        </p:attrNameLst>
+                                      </p:cBhvr>
+                                      <p:to>
+                                        <p:strVal val="visible"/>
+                                      </p:to>
+                                    </p:set>
+                                  </p:childTnLst>
+                                </p:cTn>
+                              </p:par>
+                            </p:childTnLst>
+                          </p:cTn>
+                        </p:par>
+                      </p:childTnLst>
+                    </p:cTn>
+                  </p:par>
+                  <p:par>
+                    <p:cTn id="11" fill="hold">
+                      <p:stCondLst>
+                        <p:cond delay="indefinite"/>
+                      </p:stCondLst>
+                      <p:childTnLst>
+                        <p:par>
+                          <p:cTn id="12" fill="hold">
+                            <p:stCondLst>
+                              <p:cond delay="0"/>
+                            </p:stCondLst>
+                            <p:childTnLst>
+                              <p:par>
+                                <p:cTn id="13" presetID="1" presetClass="entr" presetSubtype="0" fill="hold" nodeType="clickEffect">
+                                  <p:stCondLst>
+                                    <p:cond delay="0"/>
+                                  </p:stCondLst>
+                                  <p:childTnLst>
+                                    <p:set>
+                                      <p:cBhvr>
+                                        <p:cTn id="14" dur="1" fill="hold">
+                                          <p:stCondLst>
+                                            <p:cond delay="0"/>
+                                          </p:stCondLst>
+                                        </p:cTn>
+                                        <p:tgtEl>
+                                          <p:spTgt spid="9">
+                                            <p:txEl>
+                                              <p:pRg st="4" end="4"/>
+                                            </p:txEl>
+                                          </p:spTgt>
+                                        </p:tgtEl>
+                                        <p:attrNameLst>
+                                          <p:attrName>style.visibility</p:attrName>
+                                        </p:attrNameLst>
+                                      </p:cBhvr>
+                                      <p:to>
+                                        <p:strVal val="visible"/>
+                                      </p:to>
+                                    </p:set>
+                                  </p:childTnLst>
+                                </p:cTn>
+                              </p:par>
+                            </p:childTnLst>
+                          </p:cTn>
+                        </p:par>
+                      </p:childTnLst>
+                    </p:cTn>
+                  </p:par>
+                  <p:par>
+                    <p:cTn id="15" fill="hold">
+                      <p:stCondLst>
+                        <p:cond delay="indefinite"/>
+                      </p:stCondLst>
+                      <p:childTnLst>
+                        <p:par>
+                          <p:cTn id="16" fill="hold">
+                            <p:stCondLst>
+                              <p:cond delay="0"/>
+                            </p:stCondLst>
+                            <p:childTnLst>
+                              <p:par>
+                                <p:cTn id="17" presetID="1" presetClass="entr" presetSubtype="0" fill="hold" nodeType="clickEffect">
+                                  <p:stCondLst>
+                                    <p:cond delay="0"/>
+                                  </p:stCondLst>
+                                  <p:childTnLst>
+                                    <p:set>
+                                      <p:cBhvr>
+                                        <p:cTn id="18" dur="1" fill="hold">
+                                          <p:stCondLst>
+                                            <p:cond delay="0"/>
+                                          </p:stCondLst>
+                                        </p:cTn>
+                                        <p:tgtEl>
+                                          <p:spTgt spid="9">
+                                            <p:txEl>
+                                              <p:pRg st="6" end="6"/>
+                                            </p:txEl>
+                                          </p:spTgt>
+                                        </p:tgtEl>
+                                        <p:attrNameLst>
+                                          <p:attrName>style.visibility</p:attrName>
+                                        </p:attrNameLst>
+                                      </p:cBhvr>
+                                      <p:to>
+                                        <p:strVal val="visible"/>
+                                      </p:to>
+                                    </p:set>
+                                  </p:childTnLst>
+                                </p:cTn>
+                              </p:par>
+                              <p:par>
+                                <p:cTn id="19" presetID="1" presetClass="entr" presetSubtype="0" fill="hold" nodeType="withEffect">
+                                  <p:stCondLst>
+                                    <p:cond delay="0"/>
+                                  </p:stCondLst>
+                                  <p:childTnLst>
+                                    <p:set>
+                                      <p:cBhvr>
+                                        <p:cTn id="20" dur="1" fill="hold">
+                                          <p:stCondLst>
+                                            <p:cond delay="0"/>
+                                          </p:stCondLst>
+                                        </p:cTn>
+                                        <p:tgtEl>
+                                          <p:spTgt spid="9">
+                                            <p:txEl>
+                                              <p:pRg st="7" end="7"/>
+                                            </p:txEl>
+                                          </p:spTgt>
+                                        </p:tgtEl>
+                                        <p:attrNameLst>
+                                          <p:attrName>style.visibility</p:attrName>
+                                        </p:attrNameLst>
+                                      </p:cBhvr>
+                                      <p:to>
+                                        <p:strVal val="visible"/>
+                                      </p:to>
+                                    </p:set>
+                                  </p:childTnLst>
+                                </p:cTn>
+                              </p:par>
+                            </p:childTnLst>
+                          </p:cTn>
+                        </p:par>
+                      </p:childTnLst>
+                    </p:cTn>
+                  </p:par>
+                  <p:par>
+                    <p:cTn id="21" fill="hold">
+                      <p:stCondLst>
+                        <p:cond delay="indefinite"/>
+                      </p:stCondLst>
+                      <p:childTnLst>
+                        <p:par>
+                          <p:cTn id="22" fill="hold">
+                            <p:stCondLst>
+                              <p:cond delay="0"/>
+                            </p:stCondLst>
+                            <p:childTnLst>
+                              <p:par>
+                                <p:cTn id="23" presetID="1" presetClass="entr" presetSubtype="0" fill="hold" nodeType="clickEffect">
+                                  <p:stCondLst>
+                                    <p:cond delay="0"/>
+                                  </p:stCondLst>
+                                  <p:childTnLst>
+                                    <p:set>
+                                      <p:cBhvr>
+                                        <p:cTn id="24" dur="1" fill="hold">
+                                          <p:stCondLst>
+                                            <p:cond delay="0"/>
+                                          </p:stCondLst>
+                                        </p:cTn>
+                                        <p:tgtEl>
+                                          <p:spTgt spid="9">
+                                            <p:txEl>
+                                              <p:pRg st="9" end="9"/>
+                                            </p:txEl>
+                                          </p:spTgt>
+                                        </p:tgtEl>
+                                        <p:attrNameLst>
+                                          <p:attrName>style.visibility</p:attrName>
+                                        </p:attrNameLst>
+                                      </p:cBhvr>
+                                      <p:to>
+                                        <p:strVal val="visible"/>
+                                      </p:to>
+                                    </p:set>
+                                  </p:childTnLst>
+                                </p:cTn>
+                              </p:par>
+                            </p:childTnLst>
+                          </p:cTn>
+                        </p:par>
+                      </p:childTnLst>
+                    </p:cTn>
+                  </p:par>
+                </p:childTnLst>
+              </p:cTn>
+              <p:prevCondLst>
+                <p:cond evt="onPrev" delay="0">
+                  <p:tgtEl>
+                    <p:sldTgt/>
+                  </p:tgtEl>
+                </p:cond>
+              </p:prevCondLst>
+              <p:nextCondLst>
+                <p:cond evt="onNext" delay="0">
+                  <p:tgtEl>
+                    <p:sldTgt/>
+                  </p:tgtEl>
+                </p:cond>
+              </p:nextCondLst>
+            </p:seq>
+          </p:childTnLst>
+        </p:cTn>
+      </p:par>
+    </p:tnLst>
+  </p:timing>
 </p:sld>
 </file>
 
@@ -20366,6 +24516,183 @@
   <p:clrMapOvr>
     <a:masterClrMapping/>
   </p:clrMapOvr>
+  <p:timing>
+    <p:tnLst>
+      <p:par>
+        <p:cTn id="1" dur="indefinite" restart="never" nodeType="tmRoot">
+          <p:childTnLst>
+            <p:seq concurrent="1" nextAc="seek">
+              <p:cTn id="2" dur="indefinite" nodeType="mainSeq">
+                <p:childTnLst>
+                  <p:par>
+                    <p:cTn id="3" fill="hold">
+                      <p:stCondLst>
+                        <p:cond delay="indefinite"/>
+                      </p:stCondLst>
+                      <p:childTnLst>
+                        <p:par>
+                          <p:cTn id="4" fill="hold">
+                            <p:stCondLst>
+                              <p:cond delay="0"/>
+                            </p:stCondLst>
+                            <p:childTnLst>
+                              <p:par>
+                                <p:cTn id="5" presetID="1" presetClass="entr" presetSubtype="0" fill="hold" nodeType="clickEffect">
+                                  <p:stCondLst>
+                                    <p:cond delay="0"/>
+                                  </p:stCondLst>
+                                  <p:childTnLst>
+                                    <p:set>
+                                      <p:cBhvr>
+                                        <p:cTn id="6" dur="1" fill="hold">
+                                          <p:stCondLst>
+                                            <p:cond delay="0"/>
+                                          </p:stCondLst>
+                                        </p:cTn>
+                                        <p:tgtEl>
+                                          <p:spTgt spid="9">
+                                            <p:txEl>
+                                              <p:pRg st="1" end="1"/>
+                                            </p:txEl>
+                                          </p:spTgt>
+                                        </p:tgtEl>
+                                        <p:attrNameLst>
+                                          <p:attrName>style.visibility</p:attrName>
+                                        </p:attrNameLst>
+                                      </p:cBhvr>
+                                      <p:to>
+                                        <p:strVal val="visible"/>
+                                      </p:to>
+                                    </p:set>
+                                  </p:childTnLst>
+                                </p:cTn>
+                              </p:par>
+                            </p:childTnLst>
+                          </p:cTn>
+                        </p:par>
+                      </p:childTnLst>
+                    </p:cTn>
+                  </p:par>
+                  <p:par>
+                    <p:cTn id="7" fill="hold">
+                      <p:stCondLst>
+                        <p:cond delay="indefinite"/>
+                      </p:stCondLst>
+                      <p:childTnLst>
+                        <p:par>
+                          <p:cTn id="8" fill="hold">
+                            <p:stCondLst>
+                              <p:cond delay="0"/>
+                            </p:stCondLst>
+                            <p:childTnLst>
+                              <p:par>
+                                <p:cTn id="9" presetID="1" presetClass="entr" presetSubtype="0" fill="hold" nodeType="clickEffect">
+                                  <p:stCondLst>
+                                    <p:cond delay="0"/>
+                                  </p:stCondLst>
+                                  <p:childTnLst>
+                                    <p:set>
+                                      <p:cBhvr>
+                                        <p:cTn id="10" dur="1" fill="hold">
+                                          <p:stCondLst>
+                                            <p:cond delay="0"/>
+                                          </p:stCondLst>
+                                        </p:cTn>
+                                        <p:tgtEl>
+                                          <p:spTgt spid="9">
+                                            <p:txEl>
+                                              <p:pRg st="3" end="3"/>
+                                            </p:txEl>
+                                          </p:spTgt>
+                                        </p:tgtEl>
+                                        <p:attrNameLst>
+                                          <p:attrName>style.visibility</p:attrName>
+                                        </p:attrNameLst>
+                                      </p:cBhvr>
+                                      <p:to>
+                                        <p:strVal val="visible"/>
+                                      </p:to>
+                                    </p:set>
+                                  </p:childTnLst>
+                                </p:cTn>
+                              </p:par>
+                            </p:childTnLst>
+                          </p:cTn>
+                        </p:par>
+                      </p:childTnLst>
+                    </p:cTn>
+                  </p:par>
+                  <p:par>
+                    <p:cTn id="11" fill="hold">
+                      <p:stCondLst>
+                        <p:cond delay="indefinite"/>
+                      </p:stCondLst>
+                      <p:childTnLst>
+                        <p:par>
+                          <p:cTn id="12" fill="hold">
+                            <p:stCondLst>
+                              <p:cond delay="0"/>
+                            </p:stCondLst>
+                            <p:childTnLst>
+                              <p:par>
+                                <p:cTn id="13" presetID="1" presetClass="entr" presetSubtype="0" fill="hold" nodeType="clickEffect">
+                                  <p:stCondLst>
+                                    <p:cond delay="0"/>
+                                  </p:stCondLst>
+                                  <p:childTnLst>
+                                    <p:set>
+                                      <p:cBhvr>
+                                        <p:cTn id="14" dur="1" fill="hold">
+                                          <p:stCondLst>
+                                            <p:cond delay="0"/>
+                                          </p:stCondLst>
+                                        </p:cTn>
+                                        <p:tgtEl>
+                                          <p:spTgt spid="9">
+                                            <p:txEl>
+                                              <p:pRg st="5" end="5"/>
+                                            </p:txEl>
+                                          </p:spTgt>
+                                        </p:tgtEl>
+                                        <p:attrNameLst>
+                                          <p:attrName>style.visibility</p:attrName>
+                                        </p:attrNameLst>
+                                      </p:cBhvr>
+                                      <p:to>
+                                        <p:strVal val="visible"/>
+                                      </p:to>
+                                    </p:set>
+                                  </p:childTnLst>
+                                </p:cTn>
+                              </p:par>
+                            </p:childTnLst>
+                          </p:cTn>
+                        </p:par>
+                      </p:childTnLst>
+                    </p:cTn>
+                  </p:par>
+                </p:childTnLst>
+              </p:cTn>
+              <p:prevCondLst>
+                <p:cond evt="onPrev" delay="0">
+                  <p:tgtEl>
+                    <p:sldTgt/>
+                  </p:tgtEl>
+                </p:cond>
+              </p:prevCondLst>
+              <p:nextCondLst>
+                <p:cond evt="onNext" delay="0">
+                  <p:tgtEl>
+                    <p:sldTgt/>
+                  </p:tgtEl>
+                </p:cond>
+              </p:nextCondLst>
+            </p:seq>
+          </p:childTnLst>
+        </p:cTn>
+      </p:par>
+    </p:tnLst>
+  </p:timing>
 </p:sld>
 </file>
 
@@ -21910,6 +26237,330 @@
   <p:clrMapOvr>
     <a:masterClrMapping/>
   </p:clrMapOvr>
+  <p:timing>
+    <p:tnLst>
+      <p:par>
+        <p:cTn id="1" dur="indefinite" restart="never" nodeType="tmRoot">
+          <p:childTnLst>
+            <p:seq concurrent="1" nextAc="seek">
+              <p:cTn id="2" dur="indefinite" nodeType="mainSeq">
+                <p:childTnLst>
+                  <p:par>
+                    <p:cTn id="3" fill="hold">
+                      <p:stCondLst>
+                        <p:cond delay="indefinite"/>
+                      </p:stCondLst>
+                      <p:childTnLst>
+                        <p:par>
+                          <p:cTn id="4" fill="hold">
+                            <p:stCondLst>
+                              <p:cond delay="0"/>
+                            </p:stCondLst>
+                            <p:childTnLst>
+                              <p:par>
+                                <p:cTn id="5" presetID="1" presetClass="entr" presetSubtype="0" fill="hold" nodeType="clickEffect">
+                                  <p:stCondLst>
+                                    <p:cond delay="0"/>
+                                  </p:stCondLst>
+                                  <p:childTnLst>
+                                    <p:set>
+                                      <p:cBhvr>
+                                        <p:cTn id="6" dur="1" fill="hold">
+                                          <p:stCondLst>
+                                            <p:cond delay="0"/>
+                                          </p:stCondLst>
+                                        </p:cTn>
+                                        <p:tgtEl>
+                                          <p:spTgt spid="12">
+                                            <p:txEl>
+                                              <p:pRg st="1" end="1"/>
+                                            </p:txEl>
+                                          </p:spTgt>
+                                        </p:tgtEl>
+                                        <p:attrNameLst>
+                                          <p:attrName>style.visibility</p:attrName>
+                                        </p:attrNameLst>
+                                      </p:cBhvr>
+                                      <p:to>
+                                        <p:strVal val="visible"/>
+                                      </p:to>
+                                    </p:set>
+                                  </p:childTnLst>
+                                </p:cTn>
+                              </p:par>
+                            </p:childTnLst>
+                          </p:cTn>
+                        </p:par>
+                      </p:childTnLst>
+                    </p:cTn>
+                  </p:par>
+                  <p:par>
+                    <p:cTn id="7" fill="hold">
+                      <p:stCondLst>
+                        <p:cond delay="indefinite"/>
+                      </p:stCondLst>
+                      <p:childTnLst>
+                        <p:par>
+                          <p:cTn id="8" fill="hold">
+                            <p:stCondLst>
+                              <p:cond delay="0"/>
+                            </p:stCondLst>
+                            <p:childTnLst>
+                              <p:par>
+                                <p:cTn id="9" presetID="1" presetClass="entr" presetSubtype="0" fill="hold" nodeType="clickEffect">
+                                  <p:stCondLst>
+                                    <p:cond delay="0"/>
+                                  </p:stCondLst>
+                                  <p:childTnLst>
+                                    <p:set>
+                                      <p:cBhvr>
+                                        <p:cTn id="10" dur="1" fill="hold">
+                                          <p:stCondLst>
+                                            <p:cond delay="0"/>
+                                          </p:stCondLst>
+                                        </p:cTn>
+                                        <p:tgtEl>
+                                          <p:spTgt spid="12">
+                                            <p:txEl>
+                                              <p:pRg st="2" end="2"/>
+                                            </p:txEl>
+                                          </p:spTgt>
+                                        </p:tgtEl>
+                                        <p:attrNameLst>
+                                          <p:attrName>style.visibility</p:attrName>
+                                        </p:attrNameLst>
+                                      </p:cBhvr>
+                                      <p:to>
+                                        <p:strVal val="visible"/>
+                                      </p:to>
+                                    </p:set>
+                                  </p:childTnLst>
+                                </p:cTn>
+                              </p:par>
+                            </p:childTnLst>
+                          </p:cTn>
+                        </p:par>
+                      </p:childTnLst>
+                    </p:cTn>
+                  </p:par>
+                  <p:par>
+                    <p:cTn id="11" fill="hold">
+                      <p:stCondLst>
+                        <p:cond delay="indefinite"/>
+                      </p:stCondLst>
+                      <p:childTnLst>
+                        <p:par>
+                          <p:cTn id="12" fill="hold">
+                            <p:stCondLst>
+                              <p:cond delay="0"/>
+                            </p:stCondLst>
+                            <p:childTnLst>
+                              <p:par>
+                                <p:cTn id="13" presetID="1" presetClass="entr" presetSubtype="0" fill="hold" nodeType="clickEffect">
+                                  <p:stCondLst>
+                                    <p:cond delay="0"/>
+                                  </p:stCondLst>
+                                  <p:childTnLst>
+                                    <p:set>
+                                      <p:cBhvr>
+                                        <p:cTn id="14" dur="1" fill="hold">
+                                          <p:stCondLst>
+                                            <p:cond delay="0"/>
+                                          </p:stCondLst>
+                                        </p:cTn>
+                                        <p:tgtEl>
+                                          <p:spTgt spid="12">
+                                            <p:txEl>
+                                              <p:pRg st="3" end="3"/>
+                                            </p:txEl>
+                                          </p:spTgt>
+                                        </p:tgtEl>
+                                        <p:attrNameLst>
+                                          <p:attrName>style.visibility</p:attrName>
+                                        </p:attrNameLst>
+                                      </p:cBhvr>
+                                      <p:to>
+                                        <p:strVal val="visible"/>
+                                      </p:to>
+                                    </p:set>
+                                  </p:childTnLst>
+                                </p:cTn>
+                              </p:par>
+                            </p:childTnLst>
+                          </p:cTn>
+                        </p:par>
+                      </p:childTnLst>
+                    </p:cTn>
+                  </p:par>
+                  <p:par>
+                    <p:cTn id="15" fill="hold">
+                      <p:stCondLst>
+                        <p:cond delay="indefinite"/>
+                      </p:stCondLst>
+                      <p:childTnLst>
+                        <p:par>
+                          <p:cTn id="16" fill="hold">
+                            <p:stCondLst>
+                              <p:cond delay="0"/>
+                            </p:stCondLst>
+                            <p:childTnLst>
+                              <p:par>
+                                <p:cTn id="17" presetID="1" presetClass="entr" presetSubtype="0" fill="hold" nodeType="clickEffect">
+                                  <p:stCondLst>
+                                    <p:cond delay="0"/>
+                                  </p:stCondLst>
+                                  <p:childTnLst>
+                                    <p:set>
+                                      <p:cBhvr>
+                                        <p:cTn id="18" dur="1" fill="hold">
+                                          <p:stCondLst>
+                                            <p:cond delay="0"/>
+                                          </p:stCondLst>
+                                        </p:cTn>
+                                        <p:tgtEl>
+                                          <p:spTgt spid="12">
+                                            <p:txEl>
+                                              <p:pRg st="4" end="4"/>
+                                            </p:txEl>
+                                          </p:spTgt>
+                                        </p:tgtEl>
+                                        <p:attrNameLst>
+                                          <p:attrName>style.visibility</p:attrName>
+                                        </p:attrNameLst>
+                                      </p:cBhvr>
+                                      <p:to>
+                                        <p:strVal val="visible"/>
+                                      </p:to>
+                                    </p:set>
+                                  </p:childTnLst>
+                                </p:cTn>
+                              </p:par>
+                            </p:childTnLst>
+                          </p:cTn>
+                        </p:par>
+                      </p:childTnLst>
+                    </p:cTn>
+                  </p:par>
+                  <p:par>
+                    <p:cTn id="19" fill="hold">
+                      <p:stCondLst>
+                        <p:cond delay="indefinite"/>
+                      </p:stCondLst>
+                      <p:childTnLst>
+                        <p:par>
+                          <p:cTn id="20" fill="hold">
+                            <p:stCondLst>
+                              <p:cond delay="0"/>
+                            </p:stCondLst>
+                            <p:childTnLst>
+                              <p:par>
+                                <p:cTn id="21" presetID="1" presetClass="entr" presetSubtype="0" fill="hold" nodeType="clickEffect">
+                                  <p:stCondLst>
+                                    <p:cond delay="0"/>
+                                  </p:stCondLst>
+                                  <p:childTnLst>
+                                    <p:set>
+                                      <p:cBhvr>
+                                        <p:cTn id="22" dur="1" fill="hold">
+                                          <p:stCondLst>
+                                            <p:cond delay="0"/>
+                                          </p:stCondLst>
+                                        </p:cTn>
+                                        <p:tgtEl>
+                                          <p:spTgt spid="12">
+                                            <p:txEl>
+                                              <p:pRg st="6" end="6"/>
+                                            </p:txEl>
+                                          </p:spTgt>
+                                        </p:tgtEl>
+                                        <p:attrNameLst>
+                                          <p:attrName>style.visibility</p:attrName>
+                                        </p:attrNameLst>
+                                      </p:cBhvr>
+                                      <p:to>
+                                        <p:strVal val="visible"/>
+                                      </p:to>
+                                    </p:set>
+                                  </p:childTnLst>
+                                </p:cTn>
+                              </p:par>
+                            </p:childTnLst>
+                          </p:cTn>
+                        </p:par>
+                      </p:childTnLst>
+                    </p:cTn>
+                  </p:par>
+                  <p:par>
+                    <p:cTn id="23" fill="hold">
+                      <p:stCondLst>
+                        <p:cond delay="indefinite"/>
+                      </p:stCondLst>
+                      <p:childTnLst>
+                        <p:par>
+                          <p:cTn id="24" fill="hold">
+                            <p:stCondLst>
+                              <p:cond delay="0"/>
+                            </p:stCondLst>
+                            <p:childTnLst>
+                              <p:par>
+                                <p:cTn id="25" presetID="1" presetClass="entr" presetSubtype="0" fill="hold" nodeType="clickEffect">
+                                  <p:stCondLst>
+                                    <p:cond delay="0"/>
+                                  </p:stCondLst>
+                                  <p:childTnLst>
+                                    <p:set>
+                                      <p:cBhvr>
+                                        <p:cTn id="26" dur="1" fill="hold">
+                                          <p:stCondLst>
+                                            <p:cond delay="0"/>
+                                          </p:stCondLst>
+                                        </p:cTn>
+                                        <p:tgtEl>
+                                          <p:spTgt spid="12">
+                                            <p:txEl>
+                                              <p:pRg st="8" end="8"/>
+                                            </p:txEl>
+                                          </p:spTgt>
+                                        </p:tgtEl>
+                                        <p:attrNameLst>
+                                          <p:attrName>style.visibility</p:attrName>
+                                        </p:attrNameLst>
+                                      </p:cBhvr>
+                                      <p:to>
+                                        <p:strVal val="visible"/>
+                                      </p:to>
+                                    </p:set>
+                                  </p:childTnLst>
+                                </p:cTn>
+                              </p:par>
+                            </p:childTnLst>
+                          </p:cTn>
+                        </p:par>
+                      </p:childTnLst>
+                    </p:cTn>
+                  </p:par>
+                </p:childTnLst>
+              </p:cTn>
+              <p:prevCondLst>
+                <p:cond evt="onPrev" delay="0">
+                  <p:tgtEl>
+                    <p:sldTgt/>
+                  </p:tgtEl>
+                </p:cond>
+              </p:prevCondLst>
+              <p:nextCondLst>
+                <p:cond evt="onNext" delay="0">
+                  <p:tgtEl>
+                    <p:sldTgt/>
+                  </p:tgtEl>
+                </p:cond>
+              </p:nextCondLst>
+            </p:seq>
+          </p:childTnLst>
+        </p:cTn>
+      </p:par>
+    </p:tnLst>
+  </p:timing>
 </p:sld>
 </file>
 
@@ -22200,7 +26851,7 @@
         </p:blipFill>
         <p:spPr>
           <a:xfrm>
-            <a:off x="645953" y="2064421"/>
+            <a:off x="6627303" y="2175432"/>
             <a:ext cx="4967581" cy="3193445"/>
           </a:xfrm>
           <a:prstGeom prst="rect">
@@ -22236,7 +26887,7 @@
         </p:blipFill>
         <p:spPr>
           <a:xfrm>
-            <a:off x="6498672" y="2064666"/>
+            <a:off x="597116" y="2175432"/>
             <a:ext cx="4967200" cy="3193200"/>
           </a:xfrm>
           <a:prstGeom prst="rect">
@@ -22258,7 +26909,7 @@
         </p:nvSpPr>
         <p:spPr>
           <a:xfrm>
-            <a:off x="2231471" y="2611761"/>
+            <a:off x="8212821" y="2722772"/>
             <a:ext cx="536895" cy="2320788"/>
           </a:xfrm>
           <a:prstGeom prst="rect">
@@ -22310,7 +26961,7 @@
         </p:nvSpPr>
         <p:spPr>
           <a:xfrm>
-            <a:off x="3256326" y="2611761"/>
+            <a:off x="9237676" y="2722772"/>
             <a:ext cx="1584122" cy="2320788"/>
           </a:xfrm>
           <a:prstGeom prst="rect">
@@ -22379,7 +27030,7 @@
                             </p:stCondLst>
                             <p:childTnLst>
                               <p:par>
-                                <p:cTn id="5" presetID="1" presetClass="entr" presetSubtype="0" fill="hold" grpId="0" nodeType="clickEffect">
+                                <p:cTn id="5" presetID="1" presetClass="entr" presetSubtype="0" fill="hold" nodeType="clickEffect">
                                   <p:stCondLst>
                                     <p:cond delay="0"/>
                                   </p:stCondLst>
@@ -22392,7 +27043,7 @@
                                           </p:stCondLst>
                                         </p:cTn>
                                         <p:tgtEl>
-                                          <p:spTgt spid="14"/>
+                                          <p:spTgt spid="13"/>
                                         </p:tgtEl>
                                         <p:attrNameLst>
                                           <p:attrName>style.visibility</p:attrName>
@@ -22424,7 +27075,7 @@
                             </p:stCondLst>
                             <p:childTnLst>
                               <p:par>
-                                <p:cTn id="9" presetID="1" presetClass="entr" presetSubtype="0" fill="hold" grpId="0" nodeType="clickEffect">
+                                <p:cTn id="9" presetID="1" presetClass="entr" presetSubtype="0" fill="hold" nodeType="clickEffect">
                                   <p:stCondLst>
                                     <p:cond delay="0"/>
                                   </p:stCondLst>
@@ -22432,6 +27083,96 @@
                                     <p:set>
                                       <p:cBhvr>
                                         <p:cTn id="10" dur="1" fill="hold">
+                                          <p:stCondLst>
+                                            <p:cond delay="0"/>
+                                          </p:stCondLst>
+                                        </p:cTn>
+                                        <p:tgtEl>
+                                          <p:spTgt spid="4"/>
+                                        </p:tgtEl>
+                                        <p:attrNameLst>
+                                          <p:attrName>style.visibility</p:attrName>
+                                        </p:attrNameLst>
+                                      </p:cBhvr>
+                                      <p:to>
+                                        <p:strVal val="visible"/>
+                                      </p:to>
+                                    </p:set>
+                                  </p:childTnLst>
+                                </p:cTn>
+                              </p:par>
+                            </p:childTnLst>
+                          </p:cTn>
+                        </p:par>
+                      </p:childTnLst>
+                    </p:cTn>
+                  </p:par>
+                  <p:par>
+                    <p:cTn id="11" fill="hold">
+                      <p:stCondLst>
+                        <p:cond delay="indefinite"/>
+                      </p:stCondLst>
+                      <p:childTnLst>
+                        <p:par>
+                          <p:cTn id="12" fill="hold">
+                            <p:stCondLst>
+                              <p:cond delay="0"/>
+                            </p:stCondLst>
+                            <p:childTnLst>
+                              <p:par>
+                                <p:cTn id="13" presetID="1" presetClass="entr" presetSubtype="0" fill="hold" grpId="0" nodeType="clickEffect">
+                                  <p:stCondLst>
+                                    <p:cond delay="0"/>
+                                  </p:stCondLst>
+                                  <p:childTnLst>
+                                    <p:set>
+                                      <p:cBhvr>
+                                        <p:cTn id="14" dur="1" fill="hold">
+                                          <p:stCondLst>
+                                            <p:cond delay="0"/>
+                                          </p:stCondLst>
+                                        </p:cTn>
+                                        <p:tgtEl>
+                                          <p:spTgt spid="14"/>
+                                        </p:tgtEl>
+                                        <p:attrNameLst>
+                                          <p:attrName>style.visibility</p:attrName>
+                                        </p:attrNameLst>
+                                      </p:cBhvr>
+                                      <p:to>
+                                        <p:strVal val="visible"/>
+                                      </p:to>
+                                    </p:set>
+                                  </p:childTnLst>
+                                </p:cTn>
+                              </p:par>
+                            </p:childTnLst>
+                          </p:cTn>
+                        </p:par>
+                      </p:childTnLst>
+                    </p:cTn>
+                  </p:par>
+                  <p:par>
+                    <p:cTn id="15" fill="hold">
+                      <p:stCondLst>
+                        <p:cond delay="indefinite"/>
+                      </p:stCondLst>
+                      <p:childTnLst>
+                        <p:par>
+                          <p:cTn id="16" fill="hold">
+                            <p:stCondLst>
+                              <p:cond delay="0"/>
+                            </p:stCondLst>
+                            <p:childTnLst>
+                              <p:par>
+                                <p:cTn id="17" presetID="1" presetClass="entr" presetSubtype="0" fill="hold" grpId="0" nodeType="clickEffect">
+                                  <p:stCondLst>
+                                    <p:cond delay="0"/>
+                                  </p:stCondLst>
+                                  <p:childTnLst>
+                                    <p:set>
+                                      <p:cBhvr>
+                                        <p:cTn id="18" dur="1" fill="hold">
                                           <p:stCondLst>
                                             <p:cond delay="0"/>
                                           </p:stCondLst>
@@ -22909,6 +27650,179 @@
   <p:clrMapOvr>
     <a:masterClrMapping/>
   </p:clrMapOvr>
+  <p:timing>
+    <p:tnLst>
+      <p:par>
+        <p:cTn id="1" dur="indefinite" restart="never" nodeType="tmRoot">
+          <p:childTnLst>
+            <p:seq concurrent="1" nextAc="seek">
+              <p:cTn id="2" dur="indefinite" nodeType="mainSeq">
+                <p:childTnLst>
+                  <p:par>
+                    <p:cTn id="3" fill="hold">
+                      <p:stCondLst>
+                        <p:cond delay="indefinite"/>
+                      </p:stCondLst>
+                      <p:childTnLst>
+                        <p:par>
+                          <p:cTn id="4" fill="hold">
+                            <p:stCondLst>
+                              <p:cond delay="0"/>
+                            </p:stCondLst>
+                            <p:childTnLst>
+                              <p:par>
+                                <p:cTn id="5" presetID="1" presetClass="entr" presetSubtype="0" fill="hold" nodeType="clickEffect">
+                                  <p:stCondLst>
+                                    <p:cond delay="0"/>
+                                  </p:stCondLst>
+                                  <p:childTnLst>
+                                    <p:set>
+                                      <p:cBhvr>
+                                        <p:cTn id="6" dur="1" fill="hold">
+                                          <p:stCondLst>
+                                            <p:cond delay="0"/>
+                                          </p:stCondLst>
+                                        </p:cTn>
+                                        <p:tgtEl>
+                                          <p:spTgt spid="12">
+                                            <p:txEl>
+                                              <p:pRg st="0" end="0"/>
+                                            </p:txEl>
+                                          </p:spTgt>
+                                        </p:tgtEl>
+                                        <p:attrNameLst>
+                                          <p:attrName>style.visibility</p:attrName>
+                                        </p:attrNameLst>
+                                      </p:cBhvr>
+                                      <p:to>
+                                        <p:strVal val="visible"/>
+                                      </p:to>
+                                    </p:set>
+                                  </p:childTnLst>
+                                </p:cTn>
+                              </p:par>
+                            </p:childTnLst>
+                          </p:cTn>
+                        </p:par>
+                      </p:childTnLst>
+                    </p:cTn>
+                  </p:par>
+                  <p:par>
+                    <p:cTn id="7" fill="hold">
+                      <p:stCondLst>
+                        <p:cond delay="indefinite"/>
+                      </p:stCondLst>
+                      <p:childTnLst>
+                        <p:par>
+                          <p:cTn id="8" fill="hold">
+                            <p:stCondLst>
+                              <p:cond delay="0"/>
+                            </p:stCondLst>
+                            <p:childTnLst>
+                              <p:par>
+                                <p:cTn id="9" presetID="1" presetClass="entr" presetSubtype="0" fill="hold" nodeType="clickEffect">
+                                  <p:stCondLst>
+                                    <p:cond delay="0"/>
+                                  </p:stCondLst>
+                                  <p:childTnLst>
+                                    <p:set>
+                                      <p:cBhvr>
+                                        <p:cTn id="10" dur="1" fill="hold">
+                                          <p:stCondLst>
+                                            <p:cond delay="0"/>
+                                          </p:stCondLst>
+                                        </p:cTn>
+                                        <p:tgtEl>
+                                          <p:spTgt spid="4"/>
+                                        </p:tgtEl>
+                                        <p:attrNameLst>
+                                          <p:attrName>style.visibility</p:attrName>
+                                        </p:attrNameLst>
+                                      </p:cBhvr>
+                                      <p:to>
+                                        <p:strVal val="visible"/>
+                                      </p:to>
+                                    </p:set>
+                                  </p:childTnLst>
+                                </p:cTn>
+                              </p:par>
+                            </p:childTnLst>
+                          </p:cTn>
+                        </p:par>
+                      </p:childTnLst>
+                    </p:cTn>
+                  </p:par>
+                  <p:par>
+                    <p:cTn id="11" fill="hold">
+                      <p:stCondLst>
+                        <p:cond delay="indefinite"/>
+                      </p:stCondLst>
+                      <p:childTnLst>
+                        <p:par>
+                          <p:cTn id="12" fill="hold">
+                            <p:stCondLst>
+                              <p:cond delay="0"/>
+                            </p:stCondLst>
+                            <p:childTnLst>
+                              <p:par>
+                                <p:cTn id="13" presetID="1" presetClass="entr" presetSubtype="0" fill="hold" nodeType="clickEffect">
+                                  <p:stCondLst>
+                                    <p:cond delay="0"/>
+                                  </p:stCondLst>
+                                  <p:childTnLst>
+                                    <p:set>
+                                      <p:cBhvr>
+                                        <p:cTn id="14" dur="1" fill="hold">
+                                          <p:stCondLst>
+                                            <p:cond delay="0"/>
+                                          </p:stCondLst>
+                                        </p:cTn>
+                                        <p:tgtEl>
+                                          <p:spTgt spid="12">
+                                            <p:txEl>
+                                              <p:pRg st="2" end="2"/>
+                                            </p:txEl>
+                                          </p:spTgt>
+                                        </p:tgtEl>
+                                        <p:attrNameLst>
+                                          <p:attrName>style.visibility</p:attrName>
+                                        </p:attrNameLst>
+                                      </p:cBhvr>
+                                      <p:to>
+                                        <p:strVal val="visible"/>
+                                      </p:to>
+                                    </p:set>
+                                  </p:childTnLst>
+                                </p:cTn>
+                              </p:par>
+                            </p:childTnLst>
+                          </p:cTn>
+                        </p:par>
+                      </p:childTnLst>
+                    </p:cTn>
+                  </p:par>
+                </p:childTnLst>
+              </p:cTn>
+              <p:prevCondLst>
+                <p:cond evt="onPrev" delay="0">
+                  <p:tgtEl>
+                    <p:sldTgt/>
+                  </p:tgtEl>
+                </p:cond>
+              </p:prevCondLst>
+              <p:nextCondLst>
+                <p:cond evt="onNext" delay="0">
+                  <p:tgtEl>
+                    <p:sldTgt/>
+                  </p:tgtEl>
+                </p:cond>
+              </p:nextCondLst>
+            </p:seq>
+          </p:childTnLst>
+        </p:cTn>
+      </p:par>
+    </p:tnLst>
+  </p:timing>
 </p:sld>
 </file>
 

--- a/reports/FCA_presentation.pptx
+++ b/reports/FCA_presentation.pptx
@@ -5,7 +5,7 @@
     <p:sldMasterId id="2147483648" r:id="rId1"/>
   </p:sldMasterIdLst>
   <p:notesMasterIdLst>
-    <p:notesMasterId r:id="rId36"/>
+    <p:notesMasterId r:id="rId37"/>
   </p:notesMasterIdLst>
   <p:sldIdLst>
     <p:sldId id="256" r:id="rId2"/>
@@ -32,16 +32,17 @@
     <p:sldId id="280" r:id="rId23"/>
     <p:sldId id="281" r:id="rId24"/>
     <p:sldId id="284" r:id="rId25"/>
-    <p:sldId id="259" r:id="rId26"/>
-    <p:sldId id="285" r:id="rId27"/>
-    <p:sldId id="289" r:id="rId28"/>
-    <p:sldId id="288" r:id="rId29"/>
-    <p:sldId id="287" r:id="rId30"/>
-    <p:sldId id="286" r:id="rId31"/>
-    <p:sldId id="277" r:id="rId32"/>
-    <p:sldId id="279" r:id="rId33"/>
-    <p:sldId id="282" r:id="rId34"/>
-    <p:sldId id="283" r:id="rId35"/>
+    <p:sldId id="290" r:id="rId26"/>
+    <p:sldId id="259" r:id="rId27"/>
+    <p:sldId id="285" r:id="rId28"/>
+    <p:sldId id="289" r:id="rId29"/>
+    <p:sldId id="288" r:id="rId30"/>
+    <p:sldId id="287" r:id="rId31"/>
+    <p:sldId id="286" r:id="rId32"/>
+    <p:sldId id="277" r:id="rId33"/>
+    <p:sldId id="279" r:id="rId34"/>
+    <p:sldId id="282" r:id="rId35"/>
+    <p:sldId id="283" r:id="rId36"/>
   </p:sldIdLst>
   <p:sldSz cx="12192000" cy="6858000"/>
   <p:notesSz cx="6858000" cy="9144000"/>
@@ -673,7 +674,7 @@
           <a:p>
             <a:fld id="{BB7AD8AC-D2A0-4BCB-BF4E-8C83966F44AC}" type="slidenum">
               <a:rPr lang="en-GB" smtClean="0"/>
-              <a:t>26</a:t>
+              <a:t>25</a:t>
             </a:fld>
             <a:endParaRPr lang="en-GB"/>
           </a:p>
@@ -682,7 +683,7 @@
     </p:spTree>
     <p:extLst>
       <p:ext uri="{BB962C8B-B14F-4D97-AF65-F5344CB8AC3E}">
-        <p14:creationId xmlns:p14="http://schemas.microsoft.com/office/powerpoint/2010/main" val="56754739"/>
+        <p14:creationId xmlns:p14="http://schemas.microsoft.com/office/powerpoint/2010/main" val="223513304"/>
       </p:ext>
     </p:extLst>
   </p:cSld>
@@ -769,7 +770,7 @@
     </p:spTree>
     <p:extLst>
       <p:ext uri="{BB962C8B-B14F-4D97-AF65-F5344CB8AC3E}">
-        <p14:creationId xmlns:p14="http://schemas.microsoft.com/office/powerpoint/2010/main" val="2689854859"/>
+        <p14:creationId xmlns:p14="http://schemas.microsoft.com/office/powerpoint/2010/main" val="56754739"/>
       </p:ext>
     </p:extLst>
   </p:cSld>
@@ -856,7 +857,7 @@
     </p:spTree>
     <p:extLst>
       <p:ext uri="{BB962C8B-B14F-4D97-AF65-F5344CB8AC3E}">
-        <p14:creationId xmlns:p14="http://schemas.microsoft.com/office/powerpoint/2010/main" val="1459842174"/>
+        <p14:creationId xmlns:p14="http://schemas.microsoft.com/office/powerpoint/2010/main" val="2689854859"/>
       </p:ext>
     </p:extLst>
   </p:cSld>
@@ -943,7 +944,7 @@
     </p:spTree>
     <p:extLst>
       <p:ext uri="{BB962C8B-B14F-4D97-AF65-F5344CB8AC3E}">
-        <p14:creationId xmlns:p14="http://schemas.microsoft.com/office/powerpoint/2010/main" val="2440805457"/>
+        <p14:creationId xmlns:p14="http://schemas.microsoft.com/office/powerpoint/2010/main" val="1459842174"/>
       </p:ext>
     </p:extLst>
   </p:cSld>
@@ -1030,7 +1031,7 @@
     </p:spTree>
     <p:extLst>
       <p:ext uri="{BB962C8B-B14F-4D97-AF65-F5344CB8AC3E}">
-        <p14:creationId xmlns:p14="http://schemas.microsoft.com/office/powerpoint/2010/main" val="2501407992"/>
+        <p14:creationId xmlns:p14="http://schemas.microsoft.com/office/powerpoint/2010/main" val="2440805457"/>
       </p:ext>
     </p:extLst>
   </p:cSld>
@@ -1117,7 +1118,7 @@
     </p:spTree>
     <p:extLst>
       <p:ext uri="{BB962C8B-B14F-4D97-AF65-F5344CB8AC3E}">
-        <p14:creationId xmlns:p14="http://schemas.microsoft.com/office/powerpoint/2010/main" val="2110179839"/>
+        <p14:creationId xmlns:p14="http://schemas.microsoft.com/office/powerpoint/2010/main" val="2501407992"/>
       </p:ext>
     </p:extLst>
   </p:cSld>
@@ -1204,7 +1205,7 @@
     </p:spTree>
     <p:extLst>
       <p:ext uri="{BB962C8B-B14F-4D97-AF65-F5344CB8AC3E}">
-        <p14:creationId xmlns:p14="http://schemas.microsoft.com/office/powerpoint/2010/main" val="4107559895"/>
+        <p14:creationId xmlns:p14="http://schemas.microsoft.com/office/powerpoint/2010/main" val="2110179839"/>
       </p:ext>
     </p:extLst>
   </p:cSld>
@@ -1291,7 +1292,7 @@
     </p:spTree>
     <p:extLst>
       <p:ext uri="{BB962C8B-B14F-4D97-AF65-F5344CB8AC3E}">
-        <p14:creationId xmlns:p14="http://schemas.microsoft.com/office/powerpoint/2010/main" val="2181503355"/>
+        <p14:creationId xmlns:p14="http://schemas.microsoft.com/office/powerpoint/2010/main" val="4107559895"/>
       </p:ext>
     </p:extLst>
   </p:cSld>
@@ -1370,6 +1371,93 @@
             <a:fld id="{BB7AD8AC-D2A0-4BCB-BF4E-8C83966F44AC}" type="slidenum">
               <a:rPr lang="en-GB" smtClean="0"/>
               <a:t>34</a:t>
+            </a:fld>
+            <a:endParaRPr lang="en-GB"/>
+          </a:p>
+        </p:txBody>
+      </p:sp>
+    </p:spTree>
+    <p:extLst>
+      <p:ext uri="{BB962C8B-B14F-4D97-AF65-F5344CB8AC3E}">
+        <p14:creationId xmlns:p14="http://schemas.microsoft.com/office/powerpoint/2010/main" val="2181503355"/>
+      </p:ext>
+    </p:extLst>
+  </p:cSld>
+  <p:clrMapOvr>
+    <a:masterClrMapping/>
+  </p:clrMapOvr>
+</p:notes>
+</file>
+
+<file path=ppt/notesSlides/notesSlide19.xml><?xml version="1.0" encoding="utf-8"?>
+<p:notes xmlns:a="http://schemas.openxmlformats.org/drawingml/2006/main" xmlns:r="http://schemas.openxmlformats.org/officeDocument/2006/relationships" xmlns:p="http://schemas.openxmlformats.org/presentationml/2006/main">
+  <p:cSld>
+    <p:spTree>
+      <p:nvGrpSpPr>
+        <p:cNvPr id="1" name=""/>
+        <p:cNvGrpSpPr/>
+        <p:nvPr/>
+      </p:nvGrpSpPr>
+      <p:grpSpPr>
+        <a:xfrm>
+          <a:off x="0" y="0"/>
+          <a:ext cx="0" cy="0"/>
+          <a:chOff x="0" y="0"/>
+          <a:chExt cx="0" cy="0"/>
+        </a:xfrm>
+      </p:grpSpPr>
+      <p:sp>
+        <p:nvSpPr>
+          <p:cNvPr id="2" name="Slide Image Placeholder 1"/>
+          <p:cNvSpPr>
+            <a:spLocks noGrp="1" noRot="1" noChangeAspect="1"/>
+          </p:cNvSpPr>
+          <p:nvPr>
+            <p:ph type="sldImg"/>
+          </p:nvPr>
+        </p:nvSpPr>
+        <p:spPr/>
+      </p:sp>
+      <p:sp>
+        <p:nvSpPr>
+          <p:cNvPr id="3" name="Notes Placeholder 2"/>
+          <p:cNvSpPr>
+            <a:spLocks noGrp="1"/>
+          </p:cNvSpPr>
+          <p:nvPr>
+            <p:ph type="body" idx="1"/>
+          </p:nvPr>
+        </p:nvSpPr>
+        <p:spPr/>
+        <p:txBody>
+          <a:bodyPr/>
+          <a:lstStyle/>
+          <a:p>
+            <a:r>
+              <a:rPr lang="en-GB" dirty="0"/>
+              <a:t>IQR method = (value - median) / IQR</a:t>
+            </a:r>
+          </a:p>
+        </p:txBody>
+      </p:sp>
+      <p:sp>
+        <p:nvSpPr>
+          <p:cNvPr id="4" name="Slide Number Placeholder 3"/>
+          <p:cNvSpPr>
+            <a:spLocks noGrp="1"/>
+          </p:cNvSpPr>
+          <p:nvPr>
+            <p:ph type="sldNum" sz="quarter" idx="5"/>
+          </p:nvPr>
+        </p:nvSpPr>
+        <p:spPr/>
+        <p:txBody>
+          <a:bodyPr/>
+          <a:lstStyle/>
+          <a:p>
+            <a:fld id="{BB7AD8AC-D2A0-4BCB-BF4E-8C83966F44AC}" type="slidenum">
+              <a:rPr lang="en-GB" smtClean="0"/>
+              <a:t>35</a:t>
             </a:fld>
             <a:endParaRPr lang="en-GB"/>
           </a:p>
@@ -15804,7 +15892,7 @@
                   </a:schemeClr>
                 </a:solidFill>
               </a:rPr>
-              <a:t>Conclusion</a:t>
+              <a:t>Conclusions</a:t>
             </a:r>
             <a:endParaRPr lang="en-GB" sz="1600" dirty="0">
               <a:solidFill>
@@ -18800,7 +18888,7 @@
                   </a:schemeClr>
                 </a:solidFill>
               </a:rPr>
-              <a:t>Conclusions</a:t>
+              <a:t>Conclusions – Model to be used</a:t>
             </a:r>
           </a:p>
         </p:txBody>
@@ -19653,6 +19741,575 @@
 <file path=ppt/slides/slide25.xml><?xml version="1.0" encoding="utf-8"?>
 <p:sld xmlns:a="http://schemas.openxmlformats.org/drawingml/2006/main" xmlns:r="http://schemas.openxmlformats.org/officeDocument/2006/relationships" xmlns:p="http://schemas.openxmlformats.org/presentationml/2006/main">
   <p:cSld>
+    <p:spTree>
+      <p:nvGrpSpPr>
+        <p:cNvPr id="1" name=""/>
+        <p:cNvGrpSpPr/>
+        <p:nvPr/>
+      </p:nvGrpSpPr>
+      <p:grpSpPr>
+        <a:xfrm>
+          <a:off x="0" y="0"/>
+          <a:ext cx="0" cy="0"/>
+          <a:chOff x="0" y="0"/>
+          <a:chExt cx="0" cy="0"/>
+        </a:xfrm>
+      </p:grpSpPr>
+      <p:sp>
+        <p:nvSpPr>
+          <p:cNvPr id="10" name="Rectangle 9">
+            <a:extLst>
+              <a:ext uri="{FF2B5EF4-FFF2-40B4-BE49-F238E27FC236}">
+                <a16:creationId xmlns:a16="http://schemas.microsoft.com/office/drawing/2014/main" id="{771EEBB6-5782-4C7A-9052-9A944AC6D328}"/>
+              </a:ext>
+            </a:extLst>
+          </p:cNvPr>
+          <p:cNvSpPr/>
+          <p:nvPr/>
+        </p:nvSpPr>
+        <p:spPr>
+          <a:xfrm>
+            <a:off x="0" y="6252784"/>
+            <a:ext cx="12192000" cy="605216"/>
+          </a:xfrm>
+          <a:prstGeom prst="rect">
+            <a:avLst/>
+          </a:prstGeom>
+          <a:solidFill>
+            <a:schemeClr val="bg1">
+              <a:lumMod val="85000"/>
+            </a:schemeClr>
+          </a:solidFill>
+          <a:ln>
+            <a:noFill/>
+          </a:ln>
+        </p:spPr>
+        <p:style>
+          <a:lnRef idx="2">
+            <a:schemeClr val="accent1">
+              <a:shade val="50000"/>
+            </a:schemeClr>
+          </a:lnRef>
+          <a:fillRef idx="1">
+            <a:schemeClr val="accent1"/>
+          </a:fillRef>
+          <a:effectRef idx="0">
+            <a:schemeClr val="accent1"/>
+          </a:effectRef>
+          <a:fontRef idx="minor">
+            <a:schemeClr val="lt1"/>
+          </a:fontRef>
+        </p:style>
+        <p:txBody>
+          <a:bodyPr rtlCol="0" anchor="ctr"/>
+          <a:lstStyle/>
+          <a:p>
+            <a:pPr algn="ctr"/>
+            <a:endParaRPr lang="en-GB"/>
+          </a:p>
+        </p:txBody>
+      </p:sp>
+      <p:pic>
+        <p:nvPicPr>
+          <p:cNvPr id="1026" name="Picture 2" descr="Home">
+            <a:extLst>
+              <a:ext uri="{FF2B5EF4-FFF2-40B4-BE49-F238E27FC236}">
+                <a16:creationId xmlns:a16="http://schemas.microsoft.com/office/drawing/2014/main" id="{ADD25FFA-5D7D-4965-8168-F724743178F0}"/>
+              </a:ext>
+            </a:extLst>
+          </p:cNvPr>
+          <p:cNvPicPr>
+            <a:picLocks noChangeAspect="1" noChangeArrowheads="1"/>
+          </p:cNvPicPr>
+          <p:nvPr/>
+        </p:nvPicPr>
+        <p:blipFill>
+          <a:blip r:embed="rId3">
+            <a:extLst>
+              <a:ext uri="{28A0092B-C50C-407E-A947-70E740481C1C}">
+                <a14:useLocalDpi xmlns:a14="http://schemas.microsoft.com/office/drawing/2010/main" val="0"/>
+              </a:ext>
+            </a:extLst>
+          </a:blip>
+          <a:srcRect/>
+          <a:stretch>
+            <a:fillRect/>
+          </a:stretch>
+        </p:blipFill>
+        <p:spPr bwMode="auto">
+          <a:xfrm>
+            <a:off x="10430200" y="6316290"/>
+            <a:ext cx="1694688" cy="534886"/>
+          </a:xfrm>
+          <a:prstGeom prst="rect">
+            <a:avLst/>
+          </a:prstGeom>
+          <a:noFill/>
+          <a:extLst>
+            <a:ext uri="{909E8E84-426E-40DD-AFC4-6F175D3DCCD1}">
+              <a14:hiddenFill xmlns:a14="http://schemas.microsoft.com/office/drawing/2010/main">
+                <a:solidFill>
+                  <a:srgbClr val="FFFFFF"/>
+                </a:solidFill>
+              </a14:hiddenFill>
+            </a:ext>
+          </a:extLst>
+        </p:spPr>
+      </p:pic>
+      <p:sp>
+        <p:nvSpPr>
+          <p:cNvPr id="11" name="Rectangle 10">
+            <a:extLst>
+              <a:ext uri="{FF2B5EF4-FFF2-40B4-BE49-F238E27FC236}">
+                <a16:creationId xmlns:a16="http://schemas.microsoft.com/office/drawing/2014/main" id="{1CA289C3-43BE-41B5-8D06-FD718762C838}"/>
+              </a:ext>
+            </a:extLst>
+          </p:cNvPr>
+          <p:cNvSpPr/>
+          <p:nvPr/>
+        </p:nvSpPr>
+        <p:spPr>
+          <a:xfrm>
+            <a:off x="0" y="0"/>
+            <a:ext cx="12192000" cy="605216"/>
+          </a:xfrm>
+          <a:prstGeom prst="rect">
+            <a:avLst/>
+          </a:prstGeom>
+          <a:solidFill>
+            <a:schemeClr val="bg1">
+              <a:lumMod val="85000"/>
+            </a:schemeClr>
+          </a:solidFill>
+          <a:ln>
+            <a:noFill/>
+          </a:ln>
+        </p:spPr>
+        <p:style>
+          <a:lnRef idx="2">
+            <a:schemeClr val="accent1">
+              <a:shade val="50000"/>
+            </a:schemeClr>
+          </a:lnRef>
+          <a:fillRef idx="1">
+            <a:schemeClr val="accent1"/>
+          </a:fillRef>
+          <a:effectRef idx="0">
+            <a:schemeClr val="accent1"/>
+          </a:effectRef>
+          <a:fontRef idx="minor">
+            <a:schemeClr val="lt1"/>
+          </a:fontRef>
+        </p:style>
+        <p:txBody>
+          <a:bodyPr rtlCol="0" anchor="ctr"/>
+          <a:lstStyle/>
+          <a:p>
+            <a:pPr algn="ctr"/>
+            <a:endParaRPr lang="en-GB"/>
+          </a:p>
+        </p:txBody>
+      </p:sp>
+      <p:sp>
+        <p:nvSpPr>
+          <p:cNvPr id="8" name="TextBox 7">
+            <a:extLst>
+              <a:ext uri="{FF2B5EF4-FFF2-40B4-BE49-F238E27FC236}">
+                <a16:creationId xmlns:a16="http://schemas.microsoft.com/office/drawing/2014/main" id="{32F94B6E-A7C0-47F3-8156-F60C8B600A69}"/>
+              </a:ext>
+            </a:extLst>
+          </p:cNvPr>
+          <p:cNvSpPr txBox="1"/>
+          <p:nvPr/>
+        </p:nvSpPr>
+        <p:spPr>
+          <a:xfrm>
+            <a:off x="1811397" y="616277"/>
+            <a:ext cx="8569206" cy="461665"/>
+          </a:xfrm>
+          <a:prstGeom prst="rect">
+            <a:avLst/>
+          </a:prstGeom>
+          <a:noFill/>
+        </p:spPr>
+        <p:txBody>
+          <a:bodyPr wrap="square" rtlCol="0">
+            <a:spAutoFit/>
+          </a:bodyPr>
+          <a:lstStyle/>
+          <a:p>
+            <a:pPr algn="ctr"/>
+            <a:r>
+              <a:rPr lang="en-GB" sz="2400" b="1" dirty="0">
+                <a:solidFill>
+                  <a:schemeClr val="tx1">
+                    <a:lumMod val="65000"/>
+                    <a:lumOff val="35000"/>
+                  </a:schemeClr>
+                </a:solidFill>
+              </a:rPr>
+              <a:t>Conclusions – Next steps</a:t>
+            </a:r>
+          </a:p>
+        </p:txBody>
+      </p:sp>
+      <p:sp>
+        <p:nvSpPr>
+          <p:cNvPr id="2" name="Slide Number Placeholder 1">
+            <a:extLst>
+              <a:ext uri="{FF2B5EF4-FFF2-40B4-BE49-F238E27FC236}">
+                <a16:creationId xmlns:a16="http://schemas.microsoft.com/office/drawing/2014/main" id="{A4458E62-067F-4226-A7D0-7D27EEB63B2E}"/>
+              </a:ext>
+            </a:extLst>
+          </p:cNvPr>
+          <p:cNvSpPr>
+            <a:spLocks noGrp="1"/>
+          </p:cNvSpPr>
+          <p:nvPr>
+            <p:ph type="sldNum" sz="quarter" idx="12"/>
+          </p:nvPr>
+        </p:nvSpPr>
+        <p:spPr>
+          <a:xfrm>
+            <a:off x="0" y="6503936"/>
+            <a:ext cx="342900" cy="365125"/>
+          </a:xfrm>
+        </p:spPr>
+        <p:txBody>
+          <a:bodyPr/>
+          <a:lstStyle/>
+          <a:p>
+            <a:fld id="{1813269E-17AE-493C-8251-A6FDBA06610A}" type="slidenum">
+              <a:rPr lang="en-GB" smtClean="0"/>
+              <a:t>25</a:t>
+            </a:fld>
+            <a:endParaRPr lang="en-GB" dirty="0"/>
+          </a:p>
+        </p:txBody>
+      </p:sp>
+      <p:sp>
+        <p:nvSpPr>
+          <p:cNvPr id="9" name="TextBox 8">
+            <a:extLst>
+              <a:ext uri="{FF2B5EF4-FFF2-40B4-BE49-F238E27FC236}">
+                <a16:creationId xmlns:a16="http://schemas.microsoft.com/office/drawing/2014/main" id="{484B0169-9BE7-4F9B-80E0-DAD2F43A2FDC}"/>
+              </a:ext>
+            </a:extLst>
+          </p:cNvPr>
+          <p:cNvSpPr txBox="1"/>
+          <p:nvPr/>
+        </p:nvSpPr>
+        <p:spPr>
+          <a:xfrm>
+            <a:off x="342900" y="2372701"/>
+            <a:ext cx="6578017" cy="2308324"/>
+          </a:xfrm>
+          <a:prstGeom prst="rect">
+            <a:avLst/>
+          </a:prstGeom>
+          <a:noFill/>
+        </p:spPr>
+        <p:txBody>
+          <a:bodyPr wrap="square" rtlCol="0">
+            <a:spAutoFit/>
+          </a:bodyPr>
+          <a:lstStyle/>
+          <a:p>
+            <a:pPr marL="285750" indent="-285750">
+              <a:buFont typeface="Courier New" panose="02070309020205020404" pitchFamily="49" charset="0"/>
+              <a:buChar char="o"/>
+            </a:pPr>
+            <a:r>
+              <a:rPr lang="en-GB" dirty="0">
+                <a:solidFill>
+                  <a:schemeClr val="tx1">
+                    <a:lumMod val="50000"/>
+                    <a:lumOff val="50000"/>
+                  </a:schemeClr>
+                </a:solidFill>
+              </a:rPr>
+              <a:t>Model should be used in </a:t>
+            </a:r>
+            <a:r>
+              <a:rPr lang="en-GB" b="1" dirty="0">
+                <a:solidFill>
+                  <a:schemeClr val="tx1">
+                    <a:lumMod val="50000"/>
+                    <a:lumOff val="50000"/>
+                  </a:schemeClr>
+                </a:solidFill>
+              </a:rPr>
+              <a:t>conjunction</a:t>
+            </a:r>
+            <a:r>
+              <a:rPr lang="en-GB" dirty="0">
+                <a:solidFill>
+                  <a:schemeClr val="tx1">
+                    <a:lumMod val="50000"/>
+                    <a:lumOff val="50000"/>
+                  </a:schemeClr>
+                </a:solidFill>
+              </a:rPr>
+              <a:t> with credit history of applicants to help the analysts’ make an informed decision</a:t>
+            </a:r>
+          </a:p>
+          <a:p>
+            <a:pPr marL="285750" indent="-285750">
+              <a:buFont typeface="Courier New" panose="02070309020205020404" pitchFamily="49" charset="0"/>
+              <a:buChar char="o"/>
+            </a:pPr>
+            <a:endParaRPr lang="en-GB" dirty="0">
+              <a:solidFill>
+                <a:schemeClr val="tx1">
+                  <a:lumMod val="50000"/>
+                  <a:lumOff val="50000"/>
+                </a:schemeClr>
+              </a:solidFill>
+            </a:endParaRPr>
+          </a:p>
+          <a:p>
+            <a:pPr marL="285750" indent="-285750">
+              <a:buFont typeface="Courier New" panose="02070309020205020404" pitchFamily="49" charset="0"/>
+              <a:buChar char="o"/>
+            </a:pPr>
+            <a:r>
+              <a:rPr lang="en-GB" dirty="0">
+                <a:solidFill>
+                  <a:schemeClr val="tx1">
+                    <a:lumMod val="50000"/>
+                    <a:lumOff val="50000"/>
+                  </a:schemeClr>
+                </a:solidFill>
+              </a:rPr>
+              <a:t>A traffic light system would be able to assist analysts’ by obtaining their input on defining probability of default thresholds on the model</a:t>
+            </a:r>
+          </a:p>
+          <a:p>
+            <a:pPr marL="742950" lvl="1" indent="-285750">
+              <a:buFont typeface="Courier New" panose="02070309020205020404" pitchFamily="49" charset="0"/>
+              <a:buChar char="o"/>
+            </a:pPr>
+            <a:r>
+              <a:rPr lang="en-GB" dirty="0">
+                <a:solidFill>
+                  <a:schemeClr val="tx1">
+                    <a:lumMod val="50000"/>
+                    <a:lumOff val="50000"/>
+                  </a:schemeClr>
+                </a:solidFill>
+              </a:rPr>
+              <a:t>Allowing analysts’ to prioritise applicants</a:t>
+            </a:r>
+          </a:p>
+          <a:p>
+            <a:pPr marL="285750" indent="-285750">
+              <a:buFont typeface="Courier New" panose="02070309020205020404" pitchFamily="49" charset="0"/>
+              <a:buChar char="o"/>
+            </a:pPr>
+            <a:endParaRPr lang="en-GB" dirty="0">
+              <a:solidFill>
+                <a:schemeClr val="tx1">
+                  <a:lumMod val="50000"/>
+                  <a:lumOff val="50000"/>
+                </a:schemeClr>
+              </a:solidFill>
+            </a:endParaRPr>
+          </a:p>
+        </p:txBody>
+      </p:sp>
+    </p:spTree>
+    <p:extLst>
+      <p:ext uri="{BB962C8B-B14F-4D97-AF65-F5344CB8AC3E}">
+        <p14:creationId xmlns:p14="http://schemas.microsoft.com/office/powerpoint/2010/main" val="664971347"/>
+      </p:ext>
+    </p:extLst>
+  </p:cSld>
+  <p:clrMapOvr>
+    <a:masterClrMapping/>
+  </p:clrMapOvr>
+  <p:timing>
+    <p:tnLst>
+      <p:par>
+        <p:cTn id="1" dur="indefinite" restart="never" nodeType="tmRoot">
+          <p:childTnLst>
+            <p:seq concurrent="1" nextAc="seek">
+              <p:cTn id="2" dur="indefinite" nodeType="mainSeq">
+                <p:childTnLst>
+                  <p:par>
+                    <p:cTn id="3" fill="hold">
+                      <p:stCondLst>
+                        <p:cond delay="indefinite"/>
+                      </p:stCondLst>
+                      <p:childTnLst>
+                        <p:par>
+                          <p:cTn id="4" fill="hold">
+                            <p:stCondLst>
+                              <p:cond delay="0"/>
+                            </p:stCondLst>
+                            <p:childTnLst>
+                              <p:par>
+                                <p:cTn id="5" presetID="1" presetClass="entr" presetSubtype="0" fill="hold" nodeType="clickEffect">
+                                  <p:stCondLst>
+                                    <p:cond delay="0"/>
+                                  </p:stCondLst>
+                                  <p:childTnLst>
+                                    <p:set>
+                                      <p:cBhvr>
+                                        <p:cTn id="6" dur="1" fill="hold">
+                                          <p:stCondLst>
+                                            <p:cond delay="0"/>
+                                          </p:stCondLst>
+                                        </p:cTn>
+                                        <p:tgtEl>
+                                          <p:spTgt spid="9">
+                                            <p:txEl>
+                                              <p:pRg st="0" end="0"/>
+                                            </p:txEl>
+                                          </p:spTgt>
+                                        </p:tgtEl>
+                                        <p:attrNameLst>
+                                          <p:attrName>style.visibility</p:attrName>
+                                        </p:attrNameLst>
+                                      </p:cBhvr>
+                                      <p:to>
+                                        <p:strVal val="visible"/>
+                                      </p:to>
+                                    </p:set>
+                                  </p:childTnLst>
+                                </p:cTn>
+                              </p:par>
+                            </p:childTnLst>
+                          </p:cTn>
+                        </p:par>
+                      </p:childTnLst>
+                    </p:cTn>
+                  </p:par>
+                  <p:par>
+                    <p:cTn id="7" fill="hold">
+                      <p:stCondLst>
+                        <p:cond delay="indefinite"/>
+                      </p:stCondLst>
+                      <p:childTnLst>
+                        <p:par>
+                          <p:cTn id="8" fill="hold">
+                            <p:stCondLst>
+                              <p:cond delay="0"/>
+                            </p:stCondLst>
+                            <p:childTnLst>
+                              <p:par>
+                                <p:cTn id="9" presetID="1" presetClass="entr" presetSubtype="0" fill="hold" nodeType="clickEffect">
+                                  <p:stCondLst>
+                                    <p:cond delay="0"/>
+                                  </p:stCondLst>
+                                  <p:childTnLst>
+                                    <p:set>
+                                      <p:cBhvr>
+                                        <p:cTn id="10" dur="1" fill="hold">
+                                          <p:stCondLst>
+                                            <p:cond delay="0"/>
+                                          </p:stCondLst>
+                                        </p:cTn>
+                                        <p:tgtEl>
+                                          <p:spTgt spid="9">
+                                            <p:txEl>
+                                              <p:pRg st="2" end="2"/>
+                                            </p:txEl>
+                                          </p:spTgt>
+                                        </p:tgtEl>
+                                        <p:attrNameLst>
+                                          <p:attrName>style.visibility</p:attrName>
+                                        </p:attrNameLst>
+                                      </p:cBhvr>
+                                      <p:to>
+                                        <p:strVal val="visible"/>
+                                      </p:to>
+                                    </p:set>
+                                  </p:childTnLst>
+                                </p:cTn>
+                              </p:par>
+                            </p:childTnLst>
+                          </p:cTn>
+                        </p:par>
+                      </p:childTnLst>
+                    </p:cTn>
+                  </p:par>
+                  <p:par>
+                    <p:cTn id="11" fill="hold">
+                      <p:stCondLst>
+                        <p:cond delay="indefinite"/>
+                      </p:stCondLst>
+                      <p:childTnLst>
+                        <p:par>
+                          <p:cTn id="12" fill="hold">
+                            <p:stCondLst>
+                              <p:cond delay="0"/>
+                            </p:stCondLst>
+                            <p:childTnLst>
+                              <p:par>
+                                <p:cTn id="13" presetID="1" presetClass="entr" presetSubtype="0" fill="hold" nodeType="clickEffect">
+                                  <p:stCondLst>
+                                    <p:cond delay="0"/>
+                                  </p:stCondLst>
+                                  <p:childTnLst>
+                                    <p:set>
+                                      <p:cBhvr>
+                                        <p:cTn id="14" dur="1" fill="hold">
+                                          <p:stCondLst>
+                                            <p:cond delay="0"/>
+                                          </p:stCondLst>
+                                        </p:cTn>
+                                        <p:tgtEl>
+                                          <p:spTgt spid="9">
+                                            <p:txEl>
+                                              <p:pRg st="3" end="3"/>
+                                            </p:txEl>
+                                          </p:spTgt>
+                                        </p:tgtEl>
+                                        <p:attrNameLst>
+                                          <p:attrName>style.visibility</p:attrName>
+                                        </p:attrNameLst>
+                                      </p:cBhvr>
+                                      <p:to>
+                                        <p:strVal val="visible"/>
+                                      </p:to>
+                                    </p:set>
+                                  </p:childTnLst>
+                                </p:cTn>
+                              </p:par>
+                            </p:childTnLst>
+                          </p:cTn>
+                        </p:par>
+                      </p:childTnLst>
+                    </p:cTn>
+                  </p:par>
+                </p:childTnLst>
+              </p:cTn>
+              <p:prevCondLst>
+                <p:cond evt="onPrev" delay="0">
+                  <p:tgtEl>
+                    <p:sldTgt/>
+                  </p:tgtEl>
+                </p:cond>
+              </p:prevCondLst>
+              <p:nextCondLst>
+                <p:cond evt="onNext" delay="0">
+                  <p:tgtEl>
+                    <p:sldTgt/>
+                  </p:tgtEl>
+                </p:cond>
+              </p:nextCondLst>
+            </p:seq>
+          </p:childTnLst>
+        </p:cTn>
+      </p:par>
+    </p:tnLst>
+  </p:timing>
+</p:sld>
+</file>
+
+<file path=ppt/slides/slide26.xml><?xml version="1.0" encoding="utf-8"?>
+<p:sld xmlns:a="http://schemas.openxmlformats.org/drawingml/2006/main" xmlns:r="http://schemas.openxmlformats.org/officeDocument/2006/relationships" xmlns:p="http://schemas.openxmlformats.org/presentationml/2006/main">
+  <p:cSld>
     <p:bg>
       <p:bgPr>
         <a:solidFill>
@@ -20022,7 +20679,7 @@
           <a:p>
             <a:fld id="{1813269E-17AE-493C-8251-A6FDBA06610A}" type="slidenum">
               <a:rPr lang="en-GB" smtClean="0"/>
-              <a:t>25</a:t>
+              <a:t>26</a:t>
             </a:fld>
             <a:endParaRPr lang="en-GB" dirty="0"/>
           </a:p>
@@ -20079,298 +20736,6 @@
     <p:extLst>
       <p:ext uri="{BB962C8B-B14F-4D97-AF65-F5344CB8AC3E}">
         <p14:creationId xmlns:p14="http://schemas.microsoft.com/office/powerpoint/2010/main" val="1449625207"/>
-      </p:ext>
-    </p:extLst>
-  </p:cSld>
-  <p:clrMapOvr>
-    <a:masterClrMapping/>
-  </p:clrMapOvr>
-</p:sld>
-</file>
-
-<file path=ppt/slides/slide26.xml><?xml version="1.0" encoding="utf-8"?>
-<p:sld xmlns:a="http://schemas.openxmlformats.org/drawingml/2006/main" xmlns:r="http://schemas.openxmlformats.org/officeDocument/2006/relationships" xmlns:p="http://schemas.openxmlformats.org/presentationml/2006/main">
-  <p:cSld>
-    <p:spTree>
-      <p:nvGrpSpPr>
-        <p:cNvPr id="1" name=""/>
-        <p:cNvGrpSpPr/>
-        <p:nvPr/>
-      </p:nvGrpSpPr>
-      <p:grpSpPr>
-        <a:xfrm>
-          <a:off x="0" y="0"/>
-          <a:ext cx="0" cy="0"/>
-          <a:chOff x="0" y="0"/>
-          <a:chExt cx="0" cy="0"/>
-        </a:xfrm>
-      </p:grpSpPr>
-      <p:sp>
-        <p:nvSpPr>
-          <p:cNvPr id="10" name="Rectangle 9">
-            <a:extLst>
-              <a:ext uri="{FF2B5EF4-FFF2-40B4-BE49-F238E27FC236}">
-                <a16:creationId xmlns:a16="http://schemas.microsoft.com/office/drawing/2014/main" id="{771EEBB6-5782-4C7A-9052-9A944AC6D328}"/>
-              </a:ext>
-            </a:extLst>
-          </p:cNvPr>
-          <p:cNvSpPr/>
-          <p:nvPr/>
-        </p:nvSpPr>
-        <p:spPr>
-          <a:xfrm>
-            <a:off x="0" y="6252784"/>
-            <a:ext cx="12192000" cy="605216"/>
-          </a:xfrm>
-          <a:prstGeom prst="rect">
-            <a:avLst/>
-          </a:prstGeom>
-          <a:solidFill>
-            <a:schemeClr val="bg1">
-              <a:lumMod val="85000"/>
-            </a:schemeClr>
-          </a:solidFill>
-          <a:ln>
-            <a:noFill/>
-          </a:ln>
-        </p:spPr>
-        <p:style>
-          <a:lnRef idx="2">
-            <a:schemeClr val="accent1">
-              <a:shade val="50000"/>
-            </a:schemeClr>
-          </a:lnRef>
-          <a:fillRef idx="1">
-            <a:schemeClr val="accent1"/>
-          </a:fillRef>
-          <a:effectRef idx="0">
-            <a:schemeClr val="accent1"/>
-          </a:effectRef>
-          <a:fontRef idx="minor">
-            <a:schemeClr val="lt1"/>
-          </a:fontRef>
-        </p:style>
-        <p:txBody>
-          <a:bodyPr rtlCol="0" anchor="ctr"/>
-          <a:lstStyle/>
-          <a:p>
-            <a:pPr algn="ctr"/>
-            <a:endParaRPr lang="en-GB"/>
-          </a:p>
-        </p:txBody>
-      </p:sp>
-      <p:pic>
-        <p:nvPicPr>
-          <p:cNvPr id="1026" name="Picture 2" descr="Home">
-            <a:extLst>
-              <a:ext uri="{FF2B5EF4-FFF2-40B4-BE49-F238E27FC236}">
-                <a16:creationId xmlns:a16="http://schemas.microsoft.com/office/drawing/2014/main" id="{ADD25FFA-5D7D-4965-8168-F724743178F0}"/>
-              </a:ext>
-            </a:extLst>
-          </p:cNvPr>
-          <p:cNvPicPr>
-            <a:picLocks noChangeAspect="1" noChangeArrowheads="1"/>
-          </p:cNvPicPr>
-          <p:nvPr/>
-        </p:nvPicPr>
-        <p:blipFill>
-          <a:blip r:embed="rId3">
-            <a:extLst>
-              <a:ext uri="{28A0092B-C50C-407E-A947-70E740481C1C}">
-                <a14:useLocalDpi xmlns:a14="http://schemas.microsoft.com/office/drawing/2010/main" val="0"/>
-              </a:ext>
-            </a:extLst>
-          </a:blip>
-          <a:srcRect/>
-          <a:stretch>
-            <a:fillRect/>
-          </a:stretch>
-        </p:blipFill>
-        <p:spPr bwMode="auto">
-          <a:xfrm>
-            <a:off x="10430200" y="6316290"/>
-            <a:ext cx="1694688" cy="534886"/>
-          </a:xfrm>
-          <a:prstGeom prst="rect">
-            <a:avLst/>
-          </a:prstGeom>
-          <a:noFill/>
-          <a:extLst>
-            <a:ext uri="{909E8E84-426E-40DD-AFC4-6F175D3DCCD1}">
-              <a14:hiddenFill xmlns:a14="http://schemas.microsoft.com/office/drawing/2010/main">
-                <a:solidFill>
-                  <a:srgbClr val="FFFFFF"/>
-                </a:solidFill>
-              </a14:hiddenFill>
-            </a:ext>
-          </a:extLst>
-        </p:spPr>
-      </p:pic>
-      <p:sp>
-        <p:nvSpPr>
-          <p:cNvPr id="11" name="Rectangle 10">
-            <a:extLst>
-              <a:ext uri="{FF2B5EF4-FFF2-40B4-BE49-F238E27FC236}">
-                <a16:creationId xmlns:a16="http://schemas.microsoft.com/office/drawing/2014/main" id="{1CA289C3-43BE-41B5-8D06-FD718762C838}"/>
-              </a:ext>
-            </a:extLst>
-          </p:cNvPr>
-          <p:cNvSpPr/>
-          <p:nvPr/>
-        </p:nvSpPr>
-        <p:spPr>
-          <a:xfrm>
-            <a:off x="0" y="0"/>
-            <a:ext cx="12192000" cy="605216"/>
-          </a:xfrm>
-          <a:prstGeom prst="rect">
-            <a:avLst/>
-          </a:prstGeom>
-          <a:solidFill>
-            <a:schemeClr val="bg1">
-              <a:lumMod val="85000"/>
-            </a:schemeClr>
-          </a:solidFill>
-          <a:ln>
-            <a:noFill/>
-          </a:ln>
-        </p:spPr>
-        <p:style>
-          <a:lnRef idx="2">
-            <a:schemeClr val="accent1">
-              <a:shade val="50000"/>
-            </a:schemeClr>
-          </a:lnRef>
-          <a:fillRef idx="1">
-            <a:schemeClr val="accent1"/>
-          </a:fillRef>
-          <a:effectRef idx="0">
-            <a:schemeClr val="accent1"/>
-          </a:effectRef>
-          <a:fontRef idx="minor">
-            <a:schemeClr val="lt1"/>
-          </a:fontRef>
-        </p:style>
-        <p:txBody>
-          <a:bodyPr rtlCol="0" anchor="ctr"/>
-          <a:lstStyle/>
-          <a:p>
-            <a:pPr algn="ctr"/>
-            <a:endParaRPr lang="en-GB"/>
-          </a:p>
-        </p:txBody>
-      </p:sp>
-      <p:sp>
-        <p:nvSpPr>
-          <p:cNvPr id="8" name="TextBox 7">
-            <a:extLst>
-              <a:ext uri="{FF2B5EF4-FFF2-40B4-BE49-F238E27FC236}">
-                <a16:creationId xmlns:a16="http://schemas.microsoft.com/office/drawing/2014/main" id="{32F94B6E-A7C0-47F3-8156-F60C8B600A69}"/>
-              </a:ext>
-            </a:extLst>
-          </p:cNvPr>
-          <p:cNvSpPr txBox="1"/>
-          <p:nvPr/>
-        </p:nvSpPr>
-        <p:spPr>
-          <a:xfrm>
-            <a:off x="1811397" y="616277"/>
-            <a:ext cx="8569206" cy="461665"/>
-          </a:xfrm>
-          <a:prstGeom prst="rect">
-            <a:avLst/>
-          </a:prstGeom>
-          <a:noFill/>
-        </p:spPr>
-        <p:txBody>
-          <a:bodyPr wrap="square" rtlCol="0">
-            <a:spAutoFit/>
-          </a:bodyPr>
-          <a:lstStyle/>
-          <a:p>
-            <a:pPr algn="ctr"/>
-            <a:r>
-              <a:rPr lang="en-GB" sz="2400" b="1" dirty="0">
-                <a:solidFill>
-                  <a:schemeClr val="tx1">
-                    <a:lumMod val="65000"/>
-                    <a:lumOff val="35000"/>
-                  </a:schemeClr>
-                </a:solidFill>
-              </a:rPr>
-              <a:t>Appendix – Documentation – Project Structure</a:t>
-            </a:r>
-          </a:p>
-        </p:txBody>
-      </p:sp>
-      <p:sp>
-        <p:nvSpPr>
-          <p:cNvPr id="2" name="Slide Number Placeholder 1">
-            <a:extLst>
-              <a:ext uri="{FF2B5EF4-FFF2-40B4-BE49-F238E27FC236}">
-                <a16:creationId xmlns:a16="http://schemas.microsoft.com/office/drawing/2014/main" id="{A4458E62-067F-4226-A7D0-7D27EEB63B2E}"/>
-              </a:ext>
-            </a:extLst>
-          </p:cNvPr>
-          <p:cNvSpPr>
-            <a:spLocks noGrp="1"/>
-          </p:cNvSpPr>
-          <p:nvPr>
-            <p:ph type="sldNum" sz="quarter" idx="12"/>
-          </p:nvPr>
-        </p:nvSpPr>
-        <p:spPr>
-          <a:xfrm>
-            <a:off x="0" y="6503936"/>
-            <a:ext cx="342900" cy="365125"/>
-          </a:xfrm>
-        </p:spPr>
-        <p:txBody>
-          <a:bodyPr/>
-          <a:lstStyle/>
-          <a:p>
-            <a:fld id="{1813269E-17AE-493C-8251-A6FDBA06610A}" type="slidenum">
-              <a:rPr lang="en-GB" smtClean="0"/>
-              <a:t>26</a:t>
-            </a:fld>
-            <a:endParaRPr lang="en-GB" dirty="0"/>
-          </a:p>
-        </p:txBody>
-      </p:sp>
-      <p:pic>
-        <p:nvPicPr>
-          <p:cNvPr id="4" name="Picture 3">
-            <a:extLst>
-              <a:ext uri="{FF2B5EF4-FFF2-40B4-BE49-F238E27FC236}">
-                <a16:creationId xmlns:a16="http://schemas.microsoft.com/office/drawing/2014/main" id="{4753AA0C-8605-4AE1-B6DF-698E72D42859}"/>
-              </a:ext>
-            </a:extLst>
-          </p:cNvPr>
-          <p:cNvPicPr>
-            <a:picLocks noChangeAspect="1"/>
-          </p:cNvPicPr>
-          <p:nvPr/>
-        </p:nvPicPr>
-        <p:blipFill>
-          <a:blip r:embed="rId4"/>
-          <a:stretch>
-            <a:fillRect/>
-          </a:stretch>
-        </p:blipFill>
-        <p:spPr>
-          <a:xfrm>
-            <a:off x="3556932" y="1210543"/>
-            <a:ext cx="5995660" cy="5042241"/>
-          </a:xfrm>
-          <a:prstGeom prst="rect">
-            <a:avLst/>
-          </a:prstGeom>
-        </p:spPr>
-      </p:pic>
-    </p:spTree>
-    <p:extLst>
-      <p:ext uri="{BB962C8B-B14F-4D97-AF65-F5344CB8AC3E}">
-        <p14:creationId xmlns:p14="http://schemas.microsoft.com/office/powerpoint/2010/main" val="1371721508"/>
       </p:ext>
     </p:extLst>
   </p:cSld>
@@ -20590,7 +20955,7 @@
                   </a:schemeClr>
                 </a:solidFill>
               </a:rPr>
-              <a:t>Appendix – Documentation – EDA</a:t>
+              <a:t>Appendix – Documentation – Project Structure</a:t>
             </a:r>
           </a:p>
         </p:txBody>
@@ -20629,147 +20994,40 @@
           </a:p>
         </p:txBody>
       </p:sp>
-      <p:sp>
-        <p:nvSpPr>
-          <p:cNvPr id="9" name="TextBox 8">
-            <a:extLst>
-              <a:ext uri="{FF2B5EF4-FFF2-40B4-BE49-F238E27FC236}">
-                <a16:creationId xmlns:a16="http://schemas.microsoft.com/office/drawing/2014/main" id="{BCF62108-6372-4720-AABF-D09AB57DD179}"/>
-              </a:ext>
-            </a:extLst>
-          </p:cNvPr>
-          <p:cNvSpPr txBox="1"/>
+      <p:pic>
+        <p:nvPicPr>
+          <p:cNvPr id="4" name="Picture 3">
+            <a:extLst>
+              <a:ext uri="{FF2B5EF4-FFF2-40B4-BE49-F238E27FC236}">
+                <a16:creationId xmlns:a16="http://schemas.microsoft.com/office/drawing/2014/main" id="{4753AA0C-8605-4AE1-B6DF-698E72D42859}"/>
+              </a:ext>
+            </a:extLst>
+          </p:cNvPr>
+          <p:cNvPicPr>
+            <a:picLocks noChangeAspect="1"/>
+          </p:cNvPicPr>
           <p:nvPr/>
-        </p:nvSpPr>
+        </p:nvPicPr>
+        <p:blipFill>
+          <a:blip r:embed="rId4"/>
+          <a:stretch>
+            <a:fillRect/>
+          </a:stretch>
+        </p:blipFill>
         <p:spPr>
           <a:xfrm>
-            <a:off x="3632434" y="2459504"/>
-            <a:ext cx="5964572" cy="1938992"/>
+            <a:off x="3556932" y="1210543"/>
+            <a:ext cx="5995660" cy="5042241"/>
           </a:xfrm>
           <a:prstGeom prst="rect">
             <a:avLst/>
           </a:prstGeom>
-          <a:noFill/>
-        </p:spPr>
-        <p:txBody>
-          <a:bodyPr wrap="square" rtlCol="0">
-            <a:spAutoFit/>
-          </a:bodyPr>
-          <a:lstStyle/>
-          <a:p>
-            <a:pPr marL="285750" indent="-285750">
-              <a:buFont typeface="Courier New" panose="02070309020205020404" pitchFamily="49" charset="0"/>
-              <a:buChar char="o"/>
-            </a:pPr>
-            <a:r>
-              <a:rPr lang="en-GB" dirty="0">
-                <a:solidFill>
-                  <a:schemeClr val="tx1">
-                    <a:lumMod val="50000"/>
-                    <a:lumOff val="50000"/>
-                  </a:schemeClr>
-                </a:solidFill>
-              </a:rPr>
-              <a:t>Mapping districts to regions:</a:t>
-            </a:r>
-          </a:p>
-          <a:p>
-            <a:pPr marL="742950" lvl="1" indent="-285750">
-              <a:buFont typeface="Courier New" panose="02070309020205020404" pitchFamily="49" charset="0"/>
-              <a:buChar char="o"/>
-            </a:pPr>
-            <a:r>
-              <a:rPr lang="en-US" altLang="en-US" sz="1100" dirty="0">
-                <a:solidFill>
-                  <a:srgbClr val="000000"/>
-                </a:solidFill>
-                <a:latin typeface="Arial Unicode MS"/>
-              </a:rPr>
-              <a:t>https://geoportal.statistics.gov.uk/datasets/ward-to-local-authority-district-to-county-to-region-to-country-december-2017-lookup-in-united-kingdom-version-2 </a:t>
-            </a:r>
-            <a:br>
-              <a:rPr lang="en-US" altLang="en-US" sz="1000" dirty="0"/>
-            </a:br>
-            <a:endParaRPr lang="en-GB" sz="1100" dirty="0">
-              <a:solidFill>
-                <a:schemeClr val="tx1">
-                  <a:lumMod val="50000"/>
-                  <a:lumOff val="50000"/>
-                </a:schemeClr>
-              </a:solidFill>
-            </a:endParaRPr>
-          </a:p>
-          <a:p>
-            <a:pPr marL="285750" indent="-285750">
-              <a:buFont typeface="Courier New" panose="02070309020205020404" pitchFamily="49" charset="0"/>
-              <a:buChar char="o"/>
-            </a:pPr>
-            <a:endParaRPr lang="en-GB" dirty="0">
-              <a:solidFill>
-                <a:schemeClr val="tx1">
-                  <a:lumMod val="50000"/>
-                  <a:lumOff val="50000"/>
-                </a:schemeClr>
-              </a:solidFill>
-            </a:endParaRPr>
-          </a:p>
-          <a:p>
-            <a:pPr marL="285750" indent="-285750">
-              <a:buFont typeface="Courier New" panose="02070309020205020404" pitchFamily="49" charset="0"/>
-              <a:buChar char="o"/>
-            </a:pPr>
-            <a:r>
-              <a:rPr lang="en-GB" dirty="0">
-                <a:solidFill>
-                  <a:schemeClr val="tx1">
-                    <a:lumMod val="50000"/>
-                    <a:lumOff val="50000"/>
-                  </a:schemeClr>
-                </a:solidFill>
-              </a:rPr>
-              <a:t>Experian Credit Rating groups</a:t>
-            </a:r>
-            <a:endParaRPr lang="en-GB" b="1" dirty="0">
-              <a:solidFill>
-                <a:schemeClr val="tx1">
-                  <a:lumMod val="50000"/>
-                  <a:lumOff val="50000"/>
-                </a:schemeClr>
-              </a:solidFill>
-            </a:endParaRPr>
-          </a:p>
-          <a:p>
-            <a:pPr marL="742950" lvl="1" indent="-285750">
-              <a:buFont typeface="Courier New" panose="02070309020205020404" pitchFamily="49" charset="0"/>
-              <a:buChar char="o"/>
-            </a:pPr>
-            <a:r>
-              <a:rPr lang="en-US" altLang="en-US" sz="1100" dirty="0">
-                <a:solidFill>
-                  <a:srgbClr val="000000"/>
-                </a:solidFill>
-                <a:latin typeface="Arial Unicode MS"/>
-              </a:rPr>
-              <a:t>https://www.experian.co.uk/consumer/mortgages/guides/credit-and-mortgages.html </a:t>
-            </a:r>
-            <a:br>
-              <a:rPr lang="en-US" altLang="en-US" sz="1100" dirty="0"/>
-            </a:br>
-            <a:endParaRPr lang="en-GB" sz="1100" dirty="0">
-              <a:solidFill>
-                <a:schemeClr val="tx1">
-                  <a:lumMod val="50000"/>
-                  <a:lumOff val="50000"/>
-                </a:schemeClr>
-              </a:solidFill>
-            </a:endParaRPr>
-          </a:p>
-        </p:txBody>
-      </p:sp>
+        </p:spPr>
+      </p:pic>
     </p:spTree>
     <p:extLst>
       <p:ext uri="{BB962C8B-B14F-4D97-AF65-F5344CB8AC3E}">
-        <p14:creationId xmlns:p14="http://schemas.microsoft.com/office/powerpoint/2010/main" val="521224098"/>
+        <p14:creationId xmlns:p14="http://schemas.microsoft.com/office/powerpoint/2010/main" val="1371721508"/>
       </p:ext>
     </p:extLst>
   </p:cSld>
@@ -20989,7 +21247,7 @@
                   </a:schemeClr>
                 </a:solidFill>
               </a:rPr>
-              <a:t>Appendix – Documentation – Data cleansing process</a:t>
+              <a:t>Appendix – Documentation – EDA</a:t>
             </a:r>
           </a:p>
         </p:txBody>
@@ -21028,40 +21286,147 @@
           </a:p>
         </p:txBody>
       </p:sp>
-      <p:pic>
-        <p:nvPicPr>
-          <p:cNvPr id="3" name="Picture 2">
-            <a:extLst>
-              <a:ext uri="{FF2B5EF4-FFF2-40B4-BE49-F238E27FC236}">
-                <a16:creationId xmlns:a16="http://schemas.microsoft.com/office/drawing/2014/main" id="{D002882E-C2C3-41DB-A528-FA7BF7E71FBC}"/>
-              </a:ext>
-            </a:extLst>
-          </p:cNvPr>
-          <p:cNvPicPr>
-            <a:picLocks noChangeAspect="1"/>
-          </p:cNvPicPr>
+      <p:sp>
+        <p:nvSpPr>
+          <p:cNvPr id="9" name="TextBox 8">
+            <a:extLst>
+              <a:ext uri="{FF2B5EF4-FFF2-40B4-BE49-F238E27FC236}">
+                <a16:creationId xmlns:a16="http://schemas.microsoft.com/office/drawing/2014/main" id="{BCF62108-6372-4720-AABF-D09AB57DD179}"/>
+              </a:ext>
+            </a:extLst>
+          </p:cNvPr>
+          <p:cNvSpPr txBox="1"/>
           <p:nvPr/>
-        </p:nvPicPr>
-        <p:blipFill>
-          <a:blip r:embed="rId4"/>
-          <a:stretch>
-            <a:fillRect/>
-          </a:stretch>
-        </p:blipFill>
+        </p:nvSpPr>
         <p:spPr>
           <a:xfrm>
-            <a:off x="2181550" y="2122313"/>
-            <a:ext cx="8248650" cy="3086100"/>
+            <a:off x="3632434" y="2459504"/>
+            <a:ext cx="5964572" cy="1938992"/>
           </a:xfrm>
           <a:prstGeom prst="rect">
             <a:avLst/>
           </a:prstGeom>
-        </p:spPr>
-      </p:pic>
+          <a:noFill/>
+        </p:spPr>
+        <p:txBody>
+          <a:bodyPr wrap="square" rtlCol="0">
+            <a:spAutoFit/>
+          </a:bodyPr>
+          <a:lstStyle/>
+          <a:p>
+            <a:pPr marL="285750" indent="-285750">
+              <a:buFont typeface="Courier New" panose="02070309020205020404" pitchFamily="49" charset="0"/>
+              <a:buChar char="o"/>
+            </a:pPr>
+            <a:r>
+              <a:rPr lang="en-GB" dirty="0">
+                <a:solidFill>
+                  <a:schemeClr val="tx1">
+                    <a:lumMod val="50000"/>
+                    <a:lumOff val="50000"/>
+                  </a:schemeClr>
+                </a:solidFill>
+              </a:rPr>
+              <a:t>Mapping districts to regions:</a:t>
+            </a:r>
+          </a:p>
+          <a:p>
+            <a:pPr marL="742950" lvl="1" indent="-285750">
+              <a:buFont typeface="Courier New" panose="02070309020205020404" pitchFamily="49" charset="0"/>
+              <a:buChar char="o"/>
+            </a:pPr>
+            <a:r>
+              <a:rPr lang="en-US" altLang="en-US" sz="1100" dirty="0">
+                <a:solidFill>
+                  <a:srgbClr val="000000"/>
+                </a:solidFill>
+                <a:latin typeface="Arial Unicode MS"/>
+              </a:rPr>
+              <a:t>https://geoportal.statistics.gov.uk/datasets/ward-to-local-authority-district-to-county-to-region-to-country-december-2017-lookup-in-united-kingdom-version-2 </a:t>
+            </a:r>
+            <a:br>
+              <a:rPr lang="en-US" altLang="en-US" sz="1000" dirty="0"/>
+            </a:br>
+            <a:endParaRPr lang="en-GB" sz="1100" dirty="0">
+              <a:solidFill>
+                <a:schemeClr val="tx1">
+                  <a:lumMod val="50000"/>
+                  <a:lumOff val="50000"/>
+                </a:schemeClr>
+              </a:solidFill>
+            </a:endParaRPr>
+          </a:p>
+          <a:p>
+            <a:pPr marL="285750" indent="-285750">
+              <a:buFont typeface="Courier New" panose="02070309020205020404" pitchFamily="49" charset="0"/>
+              <a:buChar char="o"/>
+            </a:pPr>
+            <a:endParaRPr lang="en-GB" dirty="0">
+              <a:solidFill>
+                <a:schemeClr val="tx1">
+                  <a:lumMod val="50000"/>
+                  <a:lumOff val="50000"/>
+                </a:schemeClr>
+              </a:solidFill>
+            </a:endParaRPr>
+          </a:p>
+          <a:p>
+            <a:pPr marL="285750" indent="-285750">
+              <a:buFont typeface="Courier New" panose="02070309020205020404" pitchFamily="49" charset="0"/>
+              <a:buChar char="o"/>
+            </a:pPr>
+            <a:r>
+              <a:rPr lang="en-GB" dirty="0">
+                <a:solidFill>
+                  <a:schemeClr val="tx1">
+                    <a:lumMod val="50000"/>
+                    <a:lumOff val="50000"/>
+                  </a:schemeClr>
+                </a:solidFill>
+              </a:rPr>
+              <a:t>Experian Credit Rating groups</a:t>
+            </a:r>
+            <a:endParaRPr lang="en-GB" b="1" dirty="0">
+              <a:solidFill>
+                <a:schemeClr val="tx1">
+                  <a:lumMod val="50000"/>
+                  <a:lumOff val="50000"/>
+                </a:schemeClr>
+              </a:solidFill>
+            </a:endParaRPr>
+          </a:p>
+          <a:p>
+            <a:pPr marL="742950" lvl="1" indent="-285750">
+              <a:buFont typeface="Courier New" panose="02070309020205020404" pitchFamily="49" charset="0"/>
+              <a:buChar char="o"/>
+            </a:pPr>
+            <a:r>
+              <a:rPr lang="en-US" altLang="en-US" sz="1100" dirty="0">
+                <a:solidFill>
+                  <a:srgbClr val="000000"/>
+                </a:solidFill>
+                <a:latin typeface="Arial Unicode MS"/>
+              </a:rPr>
+              <a:t>https://www.experian.co.uk/consumer/mortgages/guides/credit-and-mortgages.html </a:t>
+            </a:r>
+            <a:br>
+              <a:rPr lang="en-US" altLang="en-US" sz="1100" dirty="0"/>
+            </a:br>
+            <a:endParaRPr lang="en-GB" sz="1100" dirty="0">
+              <a:solidFill>
+                <a:schemeClr val="tx1">
+                  <a:lumMod val="50000"/>
+                  <a:lumOff val="50000"/>
+                </a:schemeClr>
+              </a:solidFill>
+            </a:endParaRPr>
+          </a:p>
+        </p:txBody>
+      </p:sp>
     </p:spTree>
     <p:extLst>
       <p:ext uri="{BB962C8B-B14F-4D97-AF65-F5344CB8AC3E}">
-        <p14:creationId xmlns:p14="http://schemas.microsoft.com/office/powerpoint/2010/main" val="958749847"/>
+        <p14:creationId xmlns:p14="http://schemas.microsoft.com/office/powerpoint/2010/main" val="521224098"/>
       </p:ext>
     </p:extLst>
   </p:cSld>
@@ -21281,7 +21646,7 @@
                   </a:schemeClr>
                 </a:solidFill>
               </a:rPr>
-              <a:t>Appendix – Documentation – Variables after data cleansing</a:t>
+              <a:t>Appendix – Documentation – Data cleansing process</a:t>
             </a:r>
           </a:p>
         </p:txBody>
@@ -21322,10 +21687,10 @@
       </p:sp>
       <p:pic>
         <p:nvPicPr>
-          <p:cNvPr id="4" name="Picture 3">
-            <a:extLst>
-              <a:ext uri="{FF2B5EF4-FFF2-40B4-BE49-F238E27FC236}">
-                <a16:creationId xmlns:a16="http://schemas.microsoft.com/office/drawing/2014/main" id="{C52875C3-20DD-4257-BC6F-32E2CB00F245}"/>
+          <p:cNvPr id="3" name="Picture 2">
+            <a:extLst>
+              <a:ext uri="{FF2B5EF4-FFF2-40B4-BE49-F238E27FC236}">
+                <a16:creationId xmlns:a16="http://schemas.microsoft.com/office/drawing/2014/main" id="{D002882E-C2C3-41DB-A528-FA7BF7E71FBC}"/>
               </a:ext>
             </a:extLst>
           </p:cNvPr>
@@ -21342,8 +21707,8 @@
         </p:blipFill>
         <p:spPr>
           <a:xfrm>
-            <a:off x="3124200" y="1223482"/>
-            <a:ext cx="5943600" cy="4629150"/>
+            <a:off x="2181550" y="2122313"/>
+            <a:ext cx="8248650" cy="3086100"/>
           </a:xfrm>
           <a:prstGeom prst="rect">
             <a:avLst/>
@@ -21353,7 +21718,7 @@
     </p:spTree>
     <p:extLst>
       <p:ext uri="{BB962C8B-B14F-4D97-AF65-F5344CB8AC3E}">
-        <p14:creationId xmlns:p14="http://schemas.microsoft.com/office/powerpoint/2010/main" val="1828642964"/>
+        <p14:creationId xmlns:p14="http://schemas.microsoft.com/office/powerpoint/2010/main" val="958749847"/>
       </p:ext>
     </p:extLst>
   </p:cSld>
@@ -22347,8 +22712,8 @@
         </p:nvSpPr>
         <p:spPr>
           <a:xfrm>
-            <a:off x="1481742" y="605216"/>
-            <a:ext cx="9228515" cy="461665"/>
+            <a:off x="1811397" y="616277"/>
+            <a:ext cx="8569206" cy="461665"/>
           </a:xfrm>
           <a:prstGeom prst="rect">
             <a:avLst/>
@@ -22371,7 +22736,7 @@
                   </a:schemeClr>
                 </a:solidFill>
               </a:rPr>
-              <a:t>Appendix – Documentation – Variables dropped for Machine Learning</a:t>
+              <a:t>Appendix – Documentation – Variables after data cleansing</a:t>
             </a:r>
           </a:p>
         </p:txBody>
@@ -22412,10 +22777,10 @@
       </p:sp>
       <p:pic>
         <p:nvPicPr>
-          <p:cNvPr id="3" name="Picture 2">
-            <a:extLst>
-              <a:ext uri="{FF2B5EF4-FFF2-40B4-BE49-F238E27FC236}">
-                <a16:creationId xmlns:a16="http://schemas.microsoft.com/office/drawing/2014/main" id="{4FB0717D-2F30-4776-9471-511BAC19AE9C}"/>
+          <p:cNvPr id="4" name="Picture 3">
+            <a:extLst>
+              <a:ext uri="{FF2B5EF4-FFF2-40B4-BE49-F238E27FC236}">
+                <a16:creationId xmlns:a16="http://schemas.microsoft.com/office/drawing/2014/main" id="{C52875C3-20DD-4257-BC6F-32E2CB00F245}"/>
               </a:ext>
             </a:extLst>
           </p:cNvPr>
@@ -22432,8 +22797,8 @@
         </p:blipFill>
         <p:spPr>
           <a:xfrm>
-            <a:off x="2390775" y="2104981"/>
-            <a:ext cx="7410450" cy="3000375"/>
+            <a:off x="3124200" y="1223482"/>
+            <a:ext cx="5943600" cy="4629150"/>
           </a:xfrm>
           <a:prstGeom prst="rect">
             <a:avLst/>
@@ -22443,7 +22808,7 @@
     </p:spTree>
     <p:extLst>
       <p:ext uri="{BB962C8B-B14F-4D97-AF65-F5344CB8AC3E}">
-        <p14:creationId xmlns:p14="http://schemas.microsoft.com/office/powerpoint/2010/main" val="653211092"/>
+        <p14:creationId xmlns:p14="http://schemas.microsoft.com/office/powerpoint/2010/main" val="1828642964"/>
       </p:ext>
     </p:extLst>
   </p:cSld>
@@ -22639,8 +23004,8 @@
         </p:nvSpPr>
         <p:spPr>
           <a:xfrm>
-            <a:off x="1811397" y="616277"/>
-            <a:ext cx="8569206" cy="830997"/>
+            <a:off x="1481742" y="605216"/>
+            <a:ext cx="9228515" cy="461665"/>
           </a:xfrm>
           <a:prstGeom prst="rect">
             <a:avLst/>
@@ -22663,21 +23028,7 @@
                   </a:schemeClr>
                 </a:solidFill>
               </a:rPr>
-              <a:t>Appendix – Model coefficient using all variables </a:t>
-            </a:r>
-          </a:p>
-          <a:p>
-            <a:pPr algn="ctr"/>
-            <a:r>
-              <a:rPr lang="en-GB" sz="2400" b="1" dirty="0">
-                <a:solidFill>
-                  <a:schemeClr val="tx1">
-                    <a:lumMod val="65000"/>
-                    <a:lumOff val="35000"/>
-                  </a:schemeClr>
-                </a:solidFill>
-              </a:rPr>
-              <a:t>(Logistic Regression)</a:t>
+              <a:t>Appendix – Documentation – Variables dropped for Machine Learning</a:t>
             </a:r>
           </a:p>
         </p:txBody>
@@ -22718,10 +23069,10 @@
       </p:sp>
       <p:pic>
         <p:nvPicPr>
-          <p:cNvPr id="5" name="Picture 4" descr="A close up of a map&#10;&#10;Description automatically generated">
-            <a:extLst>
-              <a:ext uri="{FF2B5EF4-FFF2-40B4-BE49-F238E27FC236}">
-                <a16:creationId xmlns:a16="http://schemas.microsoft.com/office/drawing/2014/main" id="{69A6EE69-E4C1-4EFD-A0A2-5976B9EBE7A5}"/>
+          <p:cNvPr id="3" name="Picture 2">
+            <a:extLst>
+              <a:ext uri="{FF2B5EF4-FFF2-40B4-BE49-F238E27FC236}">
+                <a16:creationId xmlns:a16="http://schemas.microsoft.com/office/drawing/2014/main" id="{4FB0717D-2F30-4776-9471-511BAC19AE9C}"/>
               </a:ext>
             </a:extLst>
           </p:cNvPr>
@@ -22730,129 +23081,26 @@
           </p:cNvPicPr>
           <p:nvPr/>
         </p:nvPicPr>
-        <p:blipFill rotWithShape="1">
-          <a:blip r:embed="rId4">
-            <a:extLst>
-              <a:ext uri="{28A0092B-C50C-407E-A947-70E740481C1C}">
-                <a14:useLocalDpi xmlns:a14="http://schemas.microsoft.com/office/drawing/2010/main" val="0"/>
-              </a:ext>
-            </a:extLst>
-          </a:blip>
-          <a:srcRect l="6009" t="50000" r="8394" b="1932"/>
-          <a:stretch/>
+        <p:blipFill>
+          <a:blip r:embed="rId4"/>
+          <a:stretch>
+            <a:fillRect/>
+          </a:stretch>
         </p:blipFill>
         <p:spPr>
           <a:xfrm>
-            <a:off x="342900" y="1878152"/>
-            <a:ext cx="6242458" cy="3943754"/>
+            <a:off x="2390775" y="2104981"/>
+            <a:ext cx="7410450" cy="3000375"/>
           </a:xfrm>
           <a:prstGeom prst="rect">
             <a:avLst/>
           </a:prstGeom>
         </p:spPr>
       </p:pic>
-      <p:sp>
-        <p:nvSpPr>
-          <p:cNvPr id="12" name="TextBox 11">
-            <a:extLst>
-              <a:ext uri="{FF2B5EF4-FFF2-40B4-BE49-F238E27FC236}">
-                <a16:creationId xmlns:a16="http://schemas.microsoft.com/office/drawing/2014/main" id="{D9741F04-4317-455B-82E6-BE58C7590888}"/>
-              </a:ext>
-            </a:extLst>
-          </p:cNvPr>
-          <p:cNvSpPr txBox="1"/>
-          <p:nvPr/>
-        </p:nvSpPr>
-        <p:spPr>
-          <a:xfrm>
-            <a:off x="7927596" y="3388364"/>
-            <a:ext cx="3677617" cy="923330"/>
-          </a:xfrm>
-          <a:prstGeom prst="rect">
-            <a:avLst/>
-          </a:prstGeom>
-          <a:noFill/>
-        </p:spPr>
-        <p:txBody>
-          <a:bodyPr wrap="square" rtlCol="0">
-            <a:spAutoFit/>
-          </a:bodyPr>
-          <a:lstStyle/>
-          <a:p>
-            <a:pPr marL="285750" indent="-285750">
-              <a:buFont typeface="Courier New" panose="02070309020205020404" pitchFamily="49" charset="0"/>
-              <a:buChar char="o"/>
-            </a:pPr>
-            <a:r>
-              <a:rPr lang="en-GB" dirty="0">
-                <a:solidFill>
-                  <a:schemeClr val="tx1">
-                    <a:lumMod val="50000"/>
-                    <a:lumOff val="50000"/>
-                  </a:schemeClr>
-                </a:solidFill>
-              </a:rPr>
-              <a:t>See reports/figures/*.html for </a:t>
-            </a:r>
-            <a:r>
-              <a:rPr lang="en-GB" b="1" dirty="0">
-                <a:solidFill>
-                  <a:schemeClr val="tx1">
-                    <a:lumMod val="50000"/>
-                    <a:lumOff val="50000"/>
-                  </a:schemeClr>
-                </a:solidFill>
-              </a:rPr>
-              <a:t>all </a:t>
-            </a:r>
-            <a:r>
-              <a:rPr lang="en-GB" b="1" dirty="0">
-                <a:solidFill>
-                  <a:schemeClr val="accent1"/>
-                </a:solidFill>
-              </a:rPr>
-              <a:t>interactive</a:t>
-            </a:r>
-            <a:r>
-              <a:rPr lang="en-GB" b="1" dirty="0">
-                <a:solidFill>
-                  <a:schemeClr val="tx1">
-                    <a:lumMod val="50000"/>
-                    <a:lumOff val="50000"/>
-                  </a:schemeClr>
-                </a:solidFill>
-              </a:rPr>
-              <a:t> reports and metrics</a:t>
-            </a:r>
-            <a:endParaRPr lang="en-GB" dirty="0">
-              <a:solidFill>
-                <a:schemeClr val="tx1">
-                  <a:lumMod val="50000"/>
-                  <a:lumOff val="50000"/>
-                </a:schemeClr>
-              </a:solidFill>
-            </a:endParaRPr>
-          </a:p>
-          <a:p>
-            <a:pPr marL="285750" indent="-285750">
-              <a:buFont typeface="Courier New" panose="02070309020205020404" pitchFamily="49" charset="0"/>
-              <a:buChar char="o"/>
-            </a:pPr>
-            <a:endParaRPr lang="en-GB" dirty="0">
-              <a:solidFill>
-                <a:schemeClr val="tx1">
-                  <a:lumMod val="50000"/>
-                  <a:lumOff val="50000"/>
-                </a:schemeClr>
-              </a:solidFill>
-            </a:endParaRPr>
-          </a:p>
-        </p:txBody>
-      </p:sp>
     </p:spTree>
     <p:extLst>
       <p:ext uri="{BB962C8B-B14F-4D97-AF65-F5344CB8AC3E}">
-        <p14:creationId xmlns:p14="http://schemas.microsoft.com/office/powerpoint/2010/main" val="1729339964"/>
+        <p14:creationId xmlns:p14="http://schemas.microsoft.com/office/powerpoint/2010/main" val="653211092"/>
       </p:ext>
     </p:extLst>
   </p:cSld>
@@ -23072,19 +23320,11 @@
                   </a:schemeClr>
                 </a:solidFill>
               </a:rPr>
-              <a:t>Appendix – Model feature </a:t>
-            </a:r>
-            <a:r>
-              <a:rPr lang="en-GB" sz="2400" b="1" dirty="0" err="1">
-                <a:solidFill>
-                  <a:schemeClr val="tx1">
-                    <a:lumMod val="65000"/>
-                    <a:lumOff val="35000"/>
-                  </a:schemeClr>
-                </a:solidFill>
-              </a:rPr>
-              <a:t>importances</a:t>
-            </a:r>
+              <a:t>Appendix – Model coefficient using all variables </a:t>
+            </a:r>
+          </a:p>
+          <a:p>
+            <a:pPr algn="ctr"/>
             <a:r>
               <a:rPr lang="en-GB" sz="2400" b="1" dirty="0">
                 <a:solidFill>
@@ -23094,21 +23334,7 @@
                   </a:schemeClr>
                 </a:solidFill>
               </a:rPr>
-              <a:t> using all variables </a:t>
-            </a:r>
-          </a:p>
-          <a:p>
-            <a:pPr algn="ctr"/>
-            <a:r>
-              <a:rPr lang="en-GB" sz="2400" b="1" dirty="0">
-                <a:solidFill>
-                  <a:schemeClr val="tx1">
-                    <a:lumMod val="65000"/>
-                    <a:lumOff val="35000"/>
-                  </a:schemeClr>
-                </a:solidFill>
-              </a:rPr>
-              <a:t>(Decision Tree)</a:t>
+              <a:t>(Logistic Regression)</a:t>
             </a:r>
           </a:p>
         </p:txBody>
@@ -23149,10 +23375,10 @@
       </p:sp>
       <p:pic>
         <p:nvPicPr>
-          <p:cNvPr id="5" name="Picture 4" descr="A screenshot of a cell phone&#10;&#10;Description automatically generated">
-            <a:extLst>
-              <a:ext uri="{FF2B5EF4-FFF2-40B4-BE49-F238E27FC236}">
-                <a16:creationId xmlns:a16="http://schemas.microsoft.com/office/drawing/2014/main" id="{32EBA7BA-1DE2-4B19-881B-443FB34BEB33}"/>
+          <p:cNvPr id="5" name="Picture 4" descr="A close up of a map&#10;&#10;Description automatically generated">
+            <a:extLst>
+              <a:ext uri="{FF2B5EF4-FFF2-40B4-BE49-F238E27FC236}">
+                <a16:creationId xmlns:a16="http://schemas.microsoft.com/office/drawing/2014/main" id="{69A6EE69-E4C1-4EFD-A0A2-5976B9EBE7A5}"/>
               </a:ext>
             </a:extLst>
           </p:cNvPr>
@@ -23169,13 +23395,13 @@
               </a:ext>
             </a:extLst>
           </a:blip>
-          <a:srcRect t="50000"/>
+          <a:srcRect l="6009" t="50000" r="8394" b="1932"/>
           <a:stretch/>
         </p:blipFill>
         <p:spPr>
           <a:xfrm>
-            <a:off x="342900" y="1698426"/>
-            <a:ext cx="7014400" cy="3945600"/>
+            <a:off x="342900" y="1878152"/>
+            <a:ext cx="6242458" cy="3943754"/>
           </a:xfrm>
           <a:prstGeom prst="rect">
             <a:avLst/>
@@ -23187,7 +23413,7 @@
           <p:cNvPr id="12" name="TextBox 11">
             <a:extLst>
               <a:ext uri="{FF2B5EF4-FFF2-40B4-BE49-F238E27FC236}">
-                <a16:creationId xmlns:a16="http://schemas.microsoft.com/office/drawing/2014/main" id="{FCCDBBA9-2740-4461-841D-7F538E18A641}"/>
+                <a16:creationId xmlns:a16="http://schemas.microsoft.com/office/drawing/2014/main" id="{D9741F04-4317-455B-82E6-BE58C7590888}"/>
               </a:ext>
             </a:extLst>
           </p:cNvPr>
@@ -23283,7 +23509,7 @@
     </p:spTree>
     <p:extLst>
       <p:ext uri="{BB962C8B-B14F-4D97-AF65-F5344CB8AC3E}">
-        <p14:creationId xmlns:p14="http://schemas.microsoft.com/office/powerpoint/2010/main" val="563530774"/>
+        <p14:creationId xmlns:p14="http://schemas.microsoft.com/office/powerpoint/2010/main" val="1729339964"/>
       </p:ext>
     </p:extLst>
   </p:cSld>
@@ -23503,11 +23729,19 @@
                   </a:schemeClr>
                 </a:solidFill>
               </a:rPr>
-              <a:t>Appendix – Model performance using five variables</a:t>
-            </a:r>
-          </a:p>
-          <a:p>
-            <a:pPr algn="ctr"/>
+              <a:t>Appendix – Model feature </a:t>
+            </a:r>
+            <a:r>
+              <a:rPr lang="en-GB" sz="2400" b="1" dirty="0" err="1">
+                <a:solidFill>
+                  <a:schemeClr val="tx1">
+                    <a:lumMod val="65000"/>
+                    <a:lumOff val="35000"/>
+                  </a:schemeClr>
+                </a:solidFill>
+              </a:rPr>
+              <a:t>importances</a:t>
+            </a:r>
             <a:r>
               <a:rPr lang="en-GB" sz="2400" b="1" dirty="0">
                 <a:solidFill>
@@ -23517,7 +23751,21 @@
                   </a:schemeClr>
                 </a:solidFill>
               </a:rPr>
-              <a:t>Huber Regression </a:t>
+              <a:t> using all variables </a:t>
+            </a:r>
+          </a:p>
+          <a:p>
+            <a:pPr algn="ctr"/>
+            <a:r>
+              <a:rPr lang="en-GB" sz="2400" b="1" dirty="0">
+                <a:solidFill>
+                  <a:schemeClr val="tx1">
+                    <a:lumMod val="65000"/>
+                    <a:lumOff val="35000"/>
+                  </a:schemeClr>
+                </a:solidFill>
+              </a:rPr>
+              <a:t>(Decision Tree)</a:t>
             </a:r>
           </a:p>
         </p:txBody>
@@ -23558,10 +23806,10 @@
       </p:sp>
       <p:pic>
         <p:nvPicPr>
-          <p:cNvPr id="4" name="Picture 3" descr="A close up of a map&#10;&#10;Description automatically generated">
-            <a:extLst>
-              <a:ext uri="{FF2B5EF4-FFF2-40B4-BE49-F238E27FC236}">
-                <a16:creationId xmlns:a16="http://schemas.microsoft.com/office/drawing/2014/main" id="{BDD5BE97-1B4E-4C2F-8284-18AEE7F0B2C9}"/>
+          <p:cNvPr id="5" name="Picture 4" descr="A screenshot of a cell phone&#10;&#10;Description automatically generated">
+            <a:extLst>
+              <a:ext uri="{FF2B5EF4-FFF2-40B4-BE49-F238E27FC236}">
+                <a16:creationId xmlns:a16="http://schemas.microsoft.com/office/drawing/2014/main" id="{32EBA7BA-1DE2-4B19-881B-443FB34BEB33}"/>
               </a:ext>
             </a:extLst>
           </p:cNvPr>
@@ -23578,13 +23826,13 @@
               </a:ext>
             </a:extLst>
           </a:blip>
-          <a:srcRect t="50000" b="5163"/>
+          <a:srcRect t="50000"/>
           <a:stretch/>
         </p:blipFill>
         <p:spPr>
           <a:xfrm>
-            <a:off x="342900" y="2076090"/>
-            <a:ext cx="6096000" cy="3074936"/>
+            <a:off x="342900" y="1698426"/>
+            <a:ext cx="7014400" cy="3945600"/>
           </a:xfrm>
           <a:prstGeom prst="rect">
             <a:avLst/>
@@ -23596,7 +23844,7 @@
           <p:cNvPr id="12" name="TextBox 11">
             <a:extLst>
               <a:ext uri="{FF2B5EF4-FFF2-40B4-BE49-F238E27FC236}">
-                <a16:creationId xmlns:a16="http://schemas.microsoft.com/office/drawing/2014/main" id="{7A4A13C3-EA1C-4543-8ECA-8F51C59BACE4}"/>
+                <a16:creationId xmlns:a16="http://schemas.microsoft.com/office/drawing/2014/main" id="{FCCDBBA9-2740-4461-841D-7F538E18A641}"/>
               </a:ext>
             </a:extLst>
           </p:cNvPr>
@@ -23692,7 +23940,7 @@
     </p:spTree>
     <p:extLst>
       <p:ext uri="{BB962C8B-B14F-4D97-AF65-F5344CB8AC3E}">
-        <p14:creationId xmlns:p14="http://schemas.microsoft.com/office/powerpoint/2010/main" val="3736412384"/>
+        <p14:creationId xmlns:p14="http://schemas.microsoft.com/office/powerpoint/2010/main" val="563530774"/>
       </p:ext>
     </p:extLst>
   </p:cSld>
@@ -23926,7 +24174,7 @@
                   </a:schemeClr>
                 </a:solidFill>
               </a:rPr>
-              <a:t>Decision Tree</a:t>
+              <a:t>Huber Regression </a:t>
             </a:r>
           </a:p>
         </p:txBody>
@@ -23960,6 +24208,415 @@
             <a:fld id="{1813269E-17AE-493C-8251-A6FDBA06610A}" type="slidenum">
               <a:rPr lang="en-GB" smtClean="0"/>
               <a:t>34</a:t>
+            </a:fld>
+            <a:endParaRPr lang="en-GB" dirty="0"/>
+          </a:p>
+        </p:txBody>
+      </p:sp>
+      <p:pic>
+        <p:nvPicPr>
+          <p:cNvPr id="4" name="Picture 3" descr="A close up of a map&#10;&#10;Description automatically generated">
+            <a:extLst>
+              <a:ext uri="{FF2B5EF4-FFF2-40B4-BE49-F238E27FC236}">
+                <a16:creationId xmlns:a16="http://schemas.microsoft.com/office/drawing/2014/main" id="{BDD5BE97-1B4E-4C2F-8284-18AEE7F0B2C9}"/>
+              </a:ext>
+            </a:extLst>
+          </p:cNvPr>
+          <p:cNvPicPr>
+            <a:picLocks noChangeAspect="1"/>
+          </p:cNvPicPr>
+          <p:nvPr/>
+        </p:nvPicPr>
+        <p:blipFill rotWithShape="1">
+          <a:blip r:embed="rId4">
+            <a:extLst>
+              <a:ext uri="{28A0092B-C50C-407E-A947-70E740481C1C}">
+                <a14:useLocalDpi xmlns:a14="http://schemas.microsoft.com/office/drawing/2010/main" val="0"/>
+              </a:ext>
+            </a:extLst>
+          </a:blip>
+          <a:srcRect t="50000" b="5163"/>
+          <a:stretch/>
+        </p:blipFill>
+        <p:spPr>
+          <a:xfrm>
+            <a:off x="342900" y="2076090"/>
+            <a:ext cx="6096000" cy="3074936"/>
+          </a:xfrm>
+          <a:prstGeom prst="rect">
+            <a:avLst/>
+          </a:prstGeom>
+        </p:spPr>
+      </p:pic>
+      <p:sp>
+        <p:nvSpPr>
+          <p:cNvPr id="12" name="TextBox 11">
+            <a:extLst>
+              <a:ext uri="{FF2B5EF4-FFF2-40B4-BE49-F238E27FC236}">
+                <a16:creationId xmlns:a16="http://schemas.microsoft.com/office/drawing/2014/main" id="{7A4A13C3-EA1C-4543-8ECA-8F51C59BACE4}"/>
+              </a:ext>
+            </a:extLst>
+          </p:cNvPr>
+          <p:cNvSpPr txBox="1"/>
+          <p:nvPr/>
+        </p:nvSpPr>
+        <p:spPr>
+          <a:xfrm>
+            <a:off x="7927596" y="3388364"/>
+            <a:ext cx="3677617" cy="923330"/>
+          </a:xfrm>
+          <a:prstGeom prst="rect">
+            <a:avLst/>
+          </a:prstGeom>
+          <a:noFill/>
+        </p:spPr>
+        <p:txBody>
+          <a:bodyPr wrap="square" rtlCol="0">
+            <a:spAutoFit/>
+          </a:bodyPr>
+          <a:lstStyle/>
+          <a:p>
+            <a:pPr marL="285750" indent="-285750">
+              <a:buFont typeface="Courier New" panose="02070309020205020404" pitchFamily="49" charset="0"/>
+              <a:buChar char="o"/>
+            </a:pPr>
+            <a:r>
+              <a:rPr lang="en-GB" dirty="0">
+                <a:solidFill>
+                  <a:schemeClr val="tx1">
+                    <a:lumMod val="50000"/>
+                    <a:lumOff val="50000"/>
+                  </a:schemeClr>
+                </a:solidFill>
+              </a:rPr>
+              <a:t>See reports/figures/*.html for </a:t>
+            </a:r>
+            <a:r>
+              <a:rPr lang="en-GB" b="1" dirty="0">
+                <a:solidFill>
+                  <a:schemeClr val="tx1">
+                    <a:lumMod val="50000"/>
+                    <a:lumOff val="50000"/>
+                  </a:schemeClr>
+                </a:solidFill>
+              </a:rPr>
+              <a:t>all </a:t>
+            </a:r>
+            <a:r>
+              <a:rPr lang="en-GB" b="1" dirty="0">
+                <a:solidFill>
+                  <a:schemeClr val="accent1"/>
+                </a:solidFill>
+              </a:rPr>
+              <a:t>interactive</a:t>
+            </a:r>
+            <a:r>
+              <a:rPr lang="en-GB" b="1" dirty="0">
+                <a:solidFill>
+                  <a:schemeClr val="tx1">
+                    <a:lumMod val="50000"/>
+                    <a:lumOff val="50000"/>
+                  </a:schemeClr>
+                </a:solidFill>
+              </a:rPr>
+              <a:t> reports and metrics</a:t>
+            </a:r>
+            <a:endParaRPr lang="en-GB" dirty="0">
+              <a:solidFill>
+                <a:schemeClr val="tx1">
+                  <a:lumMod val="50000"/>
+                  <a:lumOff val="50000"/>
+                </a:schemeClr>
+              </a:solidFill>
+            </a:endParaRPr>
+          </a:p>
+          <a:p>
+            <a:pPr marL="285750" indent="-285750">
+              <a:buFont typeface="Courier New" panose="02070309020205020404" pitchFamily="49" charset="0"/>
+              <a:buChar char="o"/>
+            </a:pPr>
+            <a:endParaRPr lang="en-GB" dirty="0">
+              <a:solidFill>
+                <a:schemeClr val="tx1">
+                  <a:lumMod val="50000"/>
+                  <a:lumOff val="50000"/>
+                </a:schemeClr>
+              </a:solidFill>
+            </a:endParaRPr>
+          </a:p>
+        </p:txBody>
+      </p:sp>
+    </p:spTree>
+    <p:extLst>
+      <p:ext uri="{BB962C8B-B14F-4D97-AF65-F5344CB8AC3E}">
+        <p14:creationId xmlns:p14="http://schemas.microsoft.com/office/powerpoint/2010/main" val="3736412384"/>
+      </p:ext>
+    </p:extLst>
+  </p:cSld>
+  <p:clrMapOvr>
+    <a:masterClrMapping/>
+  </p:clrMapOvr>
+</p:sld>
+</file>
+
+<file path=ppt/slides/slide35.xml><?xml version="1.0" encoding="utf-8"?>
+<p:sld xmlns:a="http://schemas.openxmlformats.org/drawingml/2006/main" xmlns:r="http://schemas.openxmlformats.org/officeDocument/2006/relationships" xmlns:p="http://schemas.openxmlformats.org/presentationml/2006/main">
+  <p:cSld>
+    <p:spTree>
+      <p:nvGrpSpPr>
+        <p:cNvPr id="1" name=""/>
+        <p:cNvGrpSpPr/>
+        <p:nvPr/>
+      </p:nvGrpSpPr>
+      <p:grpSpPr>
+        <a:xfrm>
+          <a:off x="0" y="0"/>
+          <a:ext cx="0" cy="0"/>
+          <a:chOff x="0" y="0"/>
+          <a:chExt cx="0" cy="0"/>
+        </a:xfrm>
+      </p:grpSpPr>
+      <p:sp>
+        <p:nvSpPr>
+          <p:cNvPr id="10" name="Rectangle 9">
+            <a:extLst>
+              <a:ext uri="{FF2B5EF4-FFF2-40B4-BE49-F238E27FC236}">
+                <a16:creationId xmlns:a16="http://schemas.microsoft.com/office/drawing/2014/main" id="{771EEBB6-5782-4C7A-9052-9A944AC6D328}"/>
+              </a:ext>
+            </a:extLst>
+          </p:cNvPr>
+          <p:cNvSpPr/>
+          <p:nvPr/>
+        </p:nvSpPr>
+        <p:spPr>
+          <a:xfrm>
+            <a:off x="0" y="6252784"/>
+            <a:ext cx="12192000" cy="605216"/>
+          </a:xfrm>
+          <a:prstGeom prst="rect">
+            <a:avLst/>
+          </a:prstGeom>
+          <a:solidFill>
+            <a:schemeClr val="bg1">
+              <a:lumMod val="85000"/>
+            </a:schemeClr>
+          </a:solidFill>
+          <a:ln>
+            <a:noFill/>
+          </a:ln>
+        </p:spPr>
+        <p:style>
+          <a:lnRef idx="2">
+            <a:schemeClr val="accent1">
+              <a:shade val="50000"/>
+            </a:schemeClr>
+          </a:lnRef>
+          <a:fillRef idx="1">
+            <a:schemeClr val="accent1"/>
+          </a:fillRef>
+          <a:effectRef idx="0">
+            <a:schemeClr val="accent1"/>
+          </a:effectRef>
+          <a:fontRef idx="minor">
+            <a:schemeClr val="lt1"/>
+          </a:fontRef>
+        </p:style>
+        <p:txBody>
+          <a:bodyPr rtlCol="0" anchor="ctr"/>
+          <a:lstStyle/>
+          <a:p>
+            <a:pPr algn="ctr"/>
+            <a:endParaRPr lang="en-GB"/>
+          </a:p>
+        </p:txBody>
+      </p:sp>
+      <p:pic>
+        <p:nvPicPr>
+          <p:cNvPr id="1026" name="Picture 2" descr="Home">
+            <a:extLst>
+              <a:ext uri="{FF2B5EF4-FFF2-40B4-BE49-F238E27FC236}">
+                <a16:creationId xmlns:a16="http://schemas.microsoft.com/office/drawing/2014/main" id="{ADD25FFA-5D7D-4965-8168-F724743178F0}"/>
+              </a:ext>
+            </a:extLst>
+          </p:cNvPr>
+          <p:cNvPicPr>
+            <a:picLocks noChangeAspect="1" noChangeArrowheads="1"/>
+          </p:cNvPicPr>
+          <p:nvPr/>
+        </p:nvPicPr>
+        <p:blipFill>
+          <a:blip r:embed="rId3">
+            <a:extLst>
+              <a:ext uri="{28A0092B-C50C-407E-A947-70E740481C1C}">
+                <a14:useLocalDpi xmlns:a14="http://schemas.microsoft.com/office/drawing/2010/main" val="0"/>
+              </a:ext>
+            </a:extLst>
+          </a:blip>
+          <a:srcRect/>
+          <a:stretch>
+            <a:fillRect/>
+          </a:stretch>
+        </p:blipFill>
+        <p:spPr bwMode="auto">
+          <a:xfrm>
+            <a:off x="10430200" y="6316290"/>
+            <a:ext cx="1694688" cy="534886"/>
+          </a:xfrm>
+          <a:prstGeom prst="rect">
+            <a:avLst/>
+          </a:prstGeom>
+          <a:noFill/>
+          <a:extLst>
+            <a:ext uri="{909E8E84-426E-40DD-AFC4-6F175D3DCCD1}">
+              <a14:hiddenFill xmlns:a14="http://schemas.microsoft.com/office/drawing/2010/main">
+                <a:solidFill>
+                  <a:srgbClr val="FFFFFF"/>
+                </a:solidFill>
+              </a14:hiddenFill>
+            </a:ext>
+          </a:extLst>
+        </p:spPr>
+      </p:pic>
+      <p:sp>
+        <p:nvSpPr>
+          <p:cNvPr id="11" name="Rectangle 10">
+            <a:extLst>
+              <a:ext uri="{FF2B5EF4-FFF2-40B4-BE49-F238E27FC236}">
+                <a16:creationId xmlns:a16="http://schemas.microsoft.com/office/drawing/2014/main" id="{1CA289C3-43BE-41B5-8D06-FD718762C838}"/>
+              </a:ext>
+            </a:extLst>
+          </p:cNvPr>
+          <p:cNvSpPr/>
+          <p:nvPr/>
+        </p:nvSpPr>
+        <p:spPr>
+          <a:xfrm>
+            <a:off x="0" y="0"/>
+            <a:ext cx="12192000" cy="605216"/>
+          </a:xfrm>
+          <a:prstGeom prst="rect">
+            <a:avLst/>
+          </a:prstGeom>
+          <a:solidFill>
+            <a:schemeClr val="bg1">
+              <a:lumMod val="85000"/>
+            </a:schemeClr>
+          </a:solidFill>
+          <a:ln>
+            <a:noFill/>
+          </a:ln>
+        </p:spPr>
+        <p:style>
+          <a:lnRef idx="2">
+            <a:schemeClr val="accent1">
+              <a:shade val="50000"/>
+            </a:schemeClr>
+          </a:lnRef>
+          <a:fillRef idx="1">
+            <a:schemeClr val="accent1"/>
+          </a:fillRef>
+          <a:effectRef idx="0">
+            <a:schemeClr val="accent1"/>
+          </a:effectRef>
+          <a:fontRef idx="minor">
+            <a:schemeClr val="lt1"/>
+          </a:fontRef>
+        </p:style>
+        <p:txBody>
+          <a:bodyPr rtlCol="0" anchor="ctr"/>
+          <a:lstStyle/>
+          <a:p>
+            <a:pPr algn="ctr"/>
+            <a:endParaRPr lang="en-GB"/>
+          </a:p>
+        </p:txBody>
+      </p:sp>
+      <p:sp>
+        <p:nvSpPr>
+          <p:cNvPr id="8" name="TextBox 7">
+            <a:extLst>
+              <a:ext uri="{FF2B5EF4-FFF2-40B4-BE49-F238E27FC236}">
+                <a16:creationId xmlns:a16="http://schemas.microsoft.com/office/drawing/2014/main" id="{32F94B6E-A7C0-47F3-8156-F60C8B600A69}"/>
+              </a:ext>
+            </a:extLst>
+          </p:cNvPr>
+          <p:cNvSpPr txBox="1"/>
+          <p:nvPr/>
+        </p:nvSpPr>
+        <p:spPr>
+          <a:xfrm>
+            <a:off x="1811397" y="616277"/>
+            <a:ext cx="8569206" cy="830997"/>
+          </a:xfrm>
+          <a:prstGeom prst="rect">
+            <a:avLst/>
+          </a:prstGeom>
+          <a:noFill/>
+        </p:spPr>
+        <p:txBody>
+          <a:bodyPr wrap="square" rtlCol="0">
+            <a:spAutoFit/>
+          </a:bodyPr>
+          <a:lstStyle/>
+          <a:p>
+            <a:pPr algn="ctr"/>
+            <a:r>
+              <a:rPr lang="en-GB" sz="2400" b="1" dirty="0">
+                <a:solidFill>
+                  <a:schemeClr val="tx1">
+                    <a:lumMod val="65000"/>
+                    <a:lumOff val="35000"/>
+                  </a:schemeClr>
+                </a:solidFill>
+              </a:rPr>
+              <a:t>Appendix – Model performance using five variables</a:t>
+            </a:r>
+          </a:p>
+          <a:p>
+            <a:pPr algn="ctr"/>
+            <a:r>
+              <a:rPr lang="en-GB" sz="2400" b="1" dirty="0">
+                <a:solidFill>
+                  <a:schemeClr val="tx1">
+                    <a:lumMod val="65000"/>
+                    <a:lumOff val="35000"/>
+                  </a:schemeClr>
+                </a:solidFill>
+              </a:rPr>
+              <a:t>Decision Tree</a:t>
+            </a:r>
+          </a:p>
+        </p:txBody>
+      </p:sp>
+      <p:sp>
+        <p:nvSpPr>
+          <p:cNvPr id="2" name="Slide Number Placeholder 1">
+            <a:extLst>
+              <a:ext uri="{FF2B5EF4-FFF2-40B4-BE49-F238E27FC236}">
+                <a16:creationId xmlns:a16="http://schemas.microsoft.com/office/drawing/2014/main" id="{A4458E62-067F-4226-A7D0-7D27EEB63B2E}"/>
+              </a:ext>
+            </a:extLst>
+          </p:cNvPr>
+          <p:cNvSpPr>
+            <a:spLocks noGrp="1"/>
+          </p:cNvSpPr>
+          <p:nvPr>
+            <p:ph type="sldNum" sz="quarter" idx="12"/>
+          </p:nvPr>
+        </p:nvSpPr>
+        <p:spPr>
+          <a:xfrm>
+            <a:off x="0" y="6503936"/>
+            <a:ext cx="342900" cy="365125"/>
+          </a:xfrm>
+        </p:spPr>
+        <p:txBody>
+          <a:bodyPr/>
+          <a:lstStyle/>
+          <a:p>
+            <a:fld id="{1813269E-17AE-493C-8251-A6FDBA06610A}" type="slidenum">
+              <a:rPr lang="en-GB" smtClean="0"/>
+              <a:t>35</a:t>
             </a:fld>
             <a:endParaRPr lang="en-GB" dirty="0"/>
           </a:p>
